--- a/시간의 마녀_몬스터 기획.pptx
+++ b/시간의 마녀_몬스터 기획.pptx
@@ -5,7 +5,7 @@
     <p:sldMasterId id="2147483648" r:id="rId1"/>
   </p:sldMasterIdLst>
   <p:notesMasterIdLst>
-    <p:notesMasterId r:id="rId8"/>
+    <p:notesMasterId r:id="rId10"/>
   </p:notesMasterIdLst>
   <p:sldIdLst>
     <p:sldId id="256" r:id="rId2"/>
@@ -14,6 +14,8 @@
     <p:sldId id="260" r:id="rId5"/>
     <p:sldId id="263" r:id="rId6"/>
     <p:sldId id="261" r:id="rId7"/>
+    <p:sldId id="264" r:id="rId8"/>
+    <p:sldId id="265" r:id="rId9"/>
   </p:sldIdLst>
   <p:sldSz cx="12192000" cy="6858000"/>
   <p:notesSz cx="6858000" cy="9144000"/>
@@ -3581,16 +3583,32 @@
               <a:t>몬스터의 크기는 </a:t>
             </a:r>
             <a:r>
-              <a:rPr lang="en-US" altLang="ko-KR" sz="2600" dirty="0" smtClean="0"/>
+              <a:rPr lang="en-US" altLang="ko-KR" sz="2600" b="1" dirty="0" smtClean="0">
+                <a:solidFill>
+                  <a:srgbClr val="FF0000"/>
+                </a:solidFill>
+              </a:rPr>
               <a:t>1</a:t>
             </a:r>
             <a:r>
-              <a:rPr lang="ko-KR" altLang="en-US" sz="2600" dirty="0" err="1" smtClean="0"/>
+              <a:rPr lang="ko-KR" altLang="en-US" sz="2600" b="1" dirty="0" err="1" smtClean="0">
+                <a:solidFill>
+                  <a:srgbClr val="FF0000"/>
+                </a:solidFill>
+              </a:rPr>
               <a:t>블럭</a:t>
             </a:r>
             <a:r>
+              <a:rPr lang="ko-KR" altLang="en-US" sz="2600" b="1" dirty="0" smtClean="0">
+                <a:solidFill>
+                  <a:srgbClr val="FF0000"/>
+                </a:solidFill>
+              </a:rPr>
+              <a:t> 사이즈</a:t>
+            </a:r>
+            <a:r>
               <a:rPr lang="ko-KR" altLang="en-US" sz="2600" dirty="0" smtClean="0"/>
-              <a:t> 사이즈이다</a:t>
+              <a:t>이다</a:t>
             </a:r>
             <a:r>
               <a:rPr lang="en-US" altLang="ko-KR" sz="2600" dirty="0" smtClean="0"/>
@@ -3600,7 +3618,19 @@
           <a:p>
             <a:r>
               <a:rPr lang="ko-KR" altLang="en-US" sz="2600" dirty="0" smtClean="0"/>
-              <a:t>모든 몬스터는 배회를 베이스로 한다</a:t>
+              <a:t>모든 몬스터는 </a:t>
+            </a:r>
+            <a:r>
+              <a:rPr lang="ko-KR" altLang="en-US" sz="2600" b="1" dirty="0" smtClean="0">
+                <a:solidFill>
+                  <a:srgbClr val="FF0000"/>
+                </a:solidFill>
+              </a:rPr>
+              <a:t>배회</a:t>
+            </a:r>
+            <a:r>
+              <a:rPr lang="ko-KR" altLang="en-US" sz="2600" dirty="0" smtClean="0"/>
+              <a:t>를 베이스로 한다</a:t>
             </a:r>
             <a:r>
               <a:rPr lang="en-US" altLang="ko-KR" sz="2600" dirty="0" smtClean="0"/>
@@ -3609,32 +3639,64 @@
           </a:p>
           <a:p>
             <a:r>
+              <a:rPr lang="ko-KR" altLang="en-US" sz="2600" b="1" dirty="0" smtClean="0">
+                <a:solidFill>
+                  <a:srgbClr val="FF0000"/>
+                </a:solidFill>
+              </a:rPr>
+              <a:t>랜덤으로 앞</a:t>
+            </a:r>
+            <a:r>
+              <a:rPr lang="en-US" altLang="ko-KR" sz="2600" b="1" dirty="0" smtClean="0">
+                <a:solidFill>
+                  <a:srgbClr val="FF0000"/>
+                </a:solidFill>
+              </a:rPr>
+              <a:t>,</a:t>
+            </a:r>
+            <a:r>
+              <a:rPr lang="ko-KR" altLang="en-US" sz="2600" b="1" dirty="0" smtClean="0">
+                <a:solidFill>
+                  <a:srgbClr val="FF0000"/>
+                </a:solidFill>
+              </a:rPr>
+              <a:t>뒤</a:t>
+            </a:r>
+            <a:r>
+              <a:rPr lang="en-US" altLang="ko-KR" sz="2600" b="1" dirty="0" smtClean="0">
+                <a:solidFill>
+                  <a:srgbClr val="FF0000"/>
+                </a:solidFill>
+              </a:rPr>
+              <a:t>,</a:t>
+            </a:r>
+            <a:r>
+              <a:rPr lang="ko-KR" altLang="en-US" sz="2600" b="1" dirty="0" smtClean="0">
+                <a:solidFill>
+                  <a:srgbClr val="FF0000"/>
+                </a:solidFill>
+              </a:rPr>
+              <a:t>좌</a:t>
+            </a:r>
+            <a:r>
+              <a:rPr lang="en-US" altLang="ko-KR" sz="2600" b="1" dirty="0" smtClean="0">
+                <a:solidFill>
+                  <a:srgbClr val="FF0000"/>
+                </a:solidFill>
+              </a:rPr>
+              <a:t>,</a:t>
+            </a:r>
+            <a:r>
+              <a:rPr lang="ko-KR" altLang="en-US" sz="2600" b="1" dirty="0" smtClean="0">
+                <a:solidFill>
+                  <a:srgbClr val="FF0000"/>
+                </a:solidFill>
+              </a:rPr>
+              <a:t>우 </a:t>
+            </a:r>
+            <a:r>
               <a:rPr lang="ko-KR" altLang="en-US" sz="2600" dirty="0" smtClean="0"/>
-              <a:t>랜덤으로 앞</a:t>
-            </a:r>
-            <a:r>
-              <a:rPr lang="en-US" altLang="ko-KR" sz="2600" dirty="0" smtClean="0"/>
-              <a:t>,</a:t>
-            </a:r>
-            <a:r>
-              <a:rPr lang="ko-KR" altLang="en-US" sz="2600" dirty="0" smtClean="0"/>
-              <a:t>뒤</a:t>
-            </a:r>
-            <a:r>
-              <a:rPr lang="en-US" altLang="ko-KR" sz="2600" dirty="0" smtClean="0"/>
-              <a:t>,</a:t>
-            </a:r>
-            <a:r>
-              <a:rPr lang="ko-KR" altLang="en-US" sz="2600" dirty="0" smtClean="0"/>
-              <a:t>좌</a:t>
-            </a:r>
-            <a:r>
-              <a:rPr lang="en-US" altLang="ko-KR" sz="2600" dirty="0" smtClean="0"/>
-              <a:t>,</a:t>
-            </a:r>
-            <a:r>
-              <a:rPr lang="ko-KR" altLang="en-US" sz="2600" dirty="0" smtClean="0"/>
-              <a:t>우 중 이동 가능할 경우 그 방향으로 이동한다</a:t>
+              <a:t>중 이동 가능할 경우 그 방향으로 이동한다</a:t>
             </a:r>
             <a:r>
               <a:rPr lang="en-US" altLang="ko-KR" sz="2600" dirty="0" smtClean="0"/>
@@ -3657,20 +3719,44 @@
               <a:t>몬스터는 </a:t>
             </a:r>
             <a:r>
-              <a:rPr lang="en-US" altLang="ko-KR" sz="2600" dirty="0" smtClean="0"/>
+              <a:rPr lang="en-US" altLang="ko-KR" sz="2600" b="1" dirty="0" smtClean="0">
+                <a:solidFill>
+                  <a:srgbClr val="FF0000"/>
+                </a:solidFill>
+              </a:rPr>
               <a:t>1</a:t>
             </a:r>
             <a:r>
+              <a:rPr lang="ko-KR" altLang="en-US" sz="2600" b="1" dirty="0" smtClean="0">
+                <a:solidFill>
+                  <a:srgbClr val="FF0000"/>
+                </a:solidFill>
+              </a:rPr>
+              <a:t>초에 </a:t>
+            </a:r>
+            <a:r>
+              <a:rPr lang="en-US" altLang="ko-KR" sz="2600" b="1" dirty="0" smtClean="0">
+                <a:solidFill>
+                  <a:srgbClr val="FF0000"/>
+                </a:solidFill>
+              </a:rPr>
+              <a:t>1</a:t>
+            </a:r>
+            <a:r>
+              <a:rPr lang="ko-KR" altLang="en-US" sz="2600" b="1" dirty="0" smtClean="0">
+                <a:solidFill>
+                  <a:srgbClr val="FF0000"/>
+                </a:solidFill>
+              </a:rPr>
+              <a:t>블록</a:t>
+            </a:r>
+            <a:r>
+              <a:rPr lang="ko-KR" altLang="en-US" sz="2600" b="1" dirty="0" smtClean="0"/>
+              <a:t> </a:t>
+            </a:r>
+            <a:r>
               <a:rPr lang="ko-KR" altLang="en-US" sz="2600" dirty="0" smtClean="0"/>
-              <a:t>초에 </a:t>
-            </a:r>
-            <a:r>
-              <a:rPr lang="en-US" altLang="ko-KR" sz="2600" dirty="0" smtClean="0"/>
-              <a:t>1</a:t>
-            </a:r>
-            <a:r>
-              <a:rPr lang="ko-KR" altLang="en-US" sz="2600" dirty="0" smtClean="0"/>
-              <a:t>블록 이동한다</a:t>
+              <a:t>이동한다</a:t>
             </a:r>
             <a:r>
               <a:rPr lang="en-US" altLang="ko-KR" sz="2600" dirty="0" smtClean="0"/>
@@ -3685,12 +3771,36 @@
           </a:p>
           <a:p>
             <a:r>
-              <a:rPr lang="en-US" altLang="ko-KR" sz="2600" dirty="0" smtClean="0"/>
+              <a:rPr lang="en-US" altLang="ko-KR" sz="2600" b="1" dirty="0" smtClean="0">
+                <a:solidFill>
+                  <a:srgbClr val="FF0000"/>
+                </a:solidFill>
+              </a:rPr>
               <a:t>5</a:t>
             </a:r>
             <a:r>
+              <a:rPr lang="ko-KR" altLang="en-US" sz="2600" b="1" dirty="0" smtClean="0">
+                <a:solidFill>
+                  <a:srgbClr val="FF0000"/>
+                </a:solidFill>
+              </a:rPr>
+              <a:t>칸 </a:t>
+            </a:r>
+            <a:r>
+              <a:rPr lang="ko-KR" altLang="en-US" sz="2600" b="1" dirty="0" smtClean="0">
+                <a:solidFill>
+                  <a:srgbClr val="FF0000"/>
+                </a:solidFill>
+              </a:rPr>
+              <a:t>탐지 범위</a:t>
+            </a:r>
+            <a:r>
               <a:rPr lang="ko-KR" altLang="en-US" sz="2600" dirty="0" smtClean="0"/>
-              <a:t>칸 내에 캐릭터가 있으면 캐릭터를 추격한다</a:t>
+              <a:t> 내에 </a:t>
+            </a:r>
+            <a:r>
+              <a:rPr lang="ko-KR" altLang="en-US" sz="2600" dirty="0" smtClean="0"/>
+              <a:t>캐릭터가 있으면 캐릭터를 추격한다</a:t>
             </a:r>
             <a:r>
               <a:rPr lang="en-US" altLang="ko-KR" sz="2600" dirty="0" smtClean="0"/>
@@ -3703,12 +3813,36 @@
               <a:t>캐릭터가 </a:t>
             </a:r>
             <a:r>
-              <a:rPr lang="en-US" altLang="ko-KR" sz="2600" dirty="0" smtClean="0"/>
+              <a:rPr lang="en-US" altLang="ko-KR" sz="2600" b="1" dirty="0" smtClean="0">
+                <a:solidFill>
+                  <a:srgbClr val="FF0000"/>
+                </a:solidFill>
+              </a:rPr>
               <a:t>10</a:t>
             </a:r>
             <a:r>
+              <a:rPr lang="ko-KR" altLang="en-US" sz="2600" b="1" dirty="0" smtClean="0">
+                <a:solidFill>
+                  <a:srgbClr val="FF0000"/>
+                </a:solidFill>
+              </a:rPr>
+              <a:t>칸 </a:t>
+            </a:r>
+            <a:r>
+              <a:rPr lang="ko-KR" altLang="en-US" sz="2600" b="1" dirty="0" smtClean="0">
+                <a:solidFill>
+                  <a:srgbClr val="FF0000"/>
+                </a:solidFill>
+              </a:rPr>
+              <a:t>탐지 해제 범위 </a:t>
+            </a:r>
+            <a:r>
               <a:rPr lang="ko-KR" altLang="en-US" sz="2600" dirty="0" smtClean="0"/>
-              <a:t>칸 이상 벗어나면 추격을 취소한다</a:t>
+              <a:t>이상 </a:t>
+            </a:r>
+            <a:r>
+              <a:rPr lang="ko-KR" altLang="en-US" sz="2600" dirty="0" smtClean="0"/>
+              <a:t>벗어나면 추격을 취소한다</a:t>
             </a:r>
             <a:r>
               <a:rPr lang="en-US" altLang="ko-KR" sz="2600" dirty="0" smtClean="0"/>
@@ -3721,12 +3855,24 @@
               <a:t>캐릭터와 몬스터가 충돌하면 캐릭터는 </a:t>
             </a:r>
             <a:r>
-              <a:rPr lang="en-US" altLang="ko-KR" sz="2600" dirty="0" smtClean="0"/>
+              <a:rPr lang="en-US" altLang="ko-KR" sz="2600" b="1" dirty="0" smtClean="0">
+                <a:solidFill>
+                  <a:srgbClr val="FF0000"/>
+                </a:solidFill>
+              </a:rPr>
               <a:t>0.2 </a:t>
             </a:r>
             <a:r>
+              <a:rPr lang="ko-KR" altLang="en-US" sz="2600" b="1" dirty="0" smtClean="0">
+                <a:solidFill>
+                  <a:srgbClr val="FF0000"/>
+                </a:solidFill>
+              </a:rPr>
+              <a:t>데미지</a:t>
+            </a:r>
+            <a:r>
               <a:rPr lang="ko-KR" altLang="en-US" sz="2600" dirty="0" smtClean="0"/>
-              <a:t>데미지를 입는다</a:t>
+              <a:t>를 입는다</a:t>
             </a:r>
             <a:r>
               <a:rPr lang="en-US" altLang="ko-KR" sz="2600" dirty="0" smtClean="0"/>
@@ -3735,18 +3881,38 @@
           </a:p>
           <a:p>
             <a:r>
+              <a:rPr lang="ko-KR" altLang="en-US" sz="2600" b="1" dirty="0" smtClean="0">
+                <a:solidFill>
+                  <a:srgbClr val="FF0000"/>
+                </a:solidFill>
+              </a:rPr>
+              <a:t>데미지를 입히면 사라진다</a:t>
+            </a:r>
+            <a:r>
+              <a:rPr lang="en-US" altLang="ko-KR" sz="2600" b="1" dirty="0" smtClean="0">
+                <a:solidFill>
+                  <a:srgbClr val="FF0000"/>
+                </a:solidFill>
+              </a:rPr>
+              <a:t>.</a:t>
+            </a:r>
+          </a:p>
+          <a:p>
+            <a:r>
               <a:rPr lang="ko-KR" altLang="en-US" sz="2600" dirty="0" smtClean="0"/>
-              <a:t>데미지를 입히면 사라진다</a:t>
-            </a:r>
-            <a:r>
-              <a:rPr lang="en-US" altLang="ko-KR" sz="2600" dirty="0" smtClean="0"/>
-              <a:t>.</a:t>
-            </a:r>
-          </a:p>
-          <a:p>
+              <a:t>각 몬스터 마다 </a:t>
+            </a:r>
+            <a:r>
+              <a:rPr lang="ko-KR" altLang="en-US" sz="2600" b="1" dirty="0" smtClean="0">
+                <a:solidFill>
+                  <a:srgbClr val="FF0000"/>
+                </a:solidFill>
+              </a:rPr>
+              <a:t>서로 다른 스킬</a:t>
+            </a:r>
             <a:r>
               <a:rPr lang="ko-KR" altLang="en-US" sz="2600" dirty="0" smtClean="0"/>
-              <a:t>각 몬스터 마다 서로 다른 스킬을 가진다</a:t>
+              <a:t>을 가진다</a:t>
             </a:r>
             <a:r>
               <a:rPr lang="en-US" altLang="ko-KR" sz="2600" dirty="0" smtClean="0"/>
@@ -3835,15 +4001,35 @@
           <a:p>
             <a:r>
               <a:rPr lang="ko-KR" altLang="en-US" sz="2400" dirty="0" smtClean="0"/>
-              <a:t>이 몬스터는 이동 후 땅 속에 </a:t>
-            </a:r>
-            <a:r>
-              <a:rPr lang="en-US" altLang="ko-KR" sz="2400" dirty="0" smtClean="0"/>
+              <a:t>이 몬스터는 </a:t>
+            </a:r>
+            <a:r>
+              <a:rPr lang="ko-KR" altLang="en-US" sz="2400" b="1" dirty="0" smtClean="0">
+                <a:solidFill>
+                  <a:srgbClr val="FF0000"/>
+                </a:solidFill>
+              </a:rPr>
+              <a:t>이동 후 땅 속에 </a:t>
+            </a:r>
+            <a:r>
+              <a:rPr lang="en-US" altLang="ko-KR" sz="2400" b="1" dirty="0" smtClean="0">
+                <a:solidFill>
+                  <a:srgbClr val="FF0000"/>
+                </a:solidFill>
+              </a:rPr>
               <a:t>2</a:t>
             </a:r>
             <a:r>
+              <a:rPr lang="ko-KR" altLang="en-US" sz="2400" b="1" dirty="0" smtClean="0">
+                <a:solidFill>
+                  <a:srgbClr val="FF0000"/>
+                </a:solidFill>
+              </a:rPr>
+              <a:t>초 </a:t>
+            </a:r>
+            <a:r>
               <a:rPr lang="ko-KR" altLang="en-US" sz="2400" dirty="0" smtClean="0"/>
-              <a:t>초 들어갔다 나온다</a:t>
+              <a:t>들어갔다 나온다</a:t>
             </a:r>
             <a:r>
               <a:rPr lang="en-US" altLang="ko-KR" sz="2400" dirty="0" smtClean="0"/>
@@ -3853,15 +4039,35 @@
           <a:p>
             <a:r>
               <a:rPr lang="ko-KR" altLang="en-US" sz="2400" dirty="0" smtClean="0"/>
-              <a:t>땅 속에 들어가면 탐지 범위가 </a:t>
-            </a:r>
-            <a:r>
-              <a:rPr lang="en-US" altLang="ko-KR" sz="2400" dirty="0"/>
+              <a:t>땅 속에 들어가면 </a:t>
+            </a:r>
+            <a:r>
+              <a:rPr lang="ko-KR" altLang="en-US" sz="2400" b="1" dirty="0" smtClean="0">
+                <a:solidFill>
+                  <a:srgbClr val="FF0000"/>
+                </a:solidFill>
+              </a:rPr>
+              <a:t>탐지 범위가 </a:t>
+            </a:r>
+            <a:r>
+              <a:rPr lang="en-US" altLang="ko-KR" sz="2400" b="1" dirty="0">
+                <a:solidFill>
+                  <a:srgbClr val="FF0000"/>
+                </a:solidFill>
+              </a:rPr>
               <a:t>8</a:t>
             </a:r>
             <a:r>
+              <a:rPr lang="ko-KR" altLang="en-US" sz="2400" b="1" dirty="0" smtClean="0">
+                <a:solidFill>
+                  <a:srgbClr val="FF0000"/>
+                </a:solidFill>
+              </a:rPr>
+              <a:t>칸</a:t>
+            </a:r>
+            <a:r>
               <a:rPr lang="ko-KR" altLang="en-US" sz="2400" dirty="0" smtClean="0"/>
-              <a:t>칸이 된다</a:t>
+              <a:t>이 된다</a:t>
             </a:r>
             <a:r>
               <a:rPr lang="en-US" altLang="ko-KR" sz="2400" dirty="0" smtClean="0"/>
@@ -3871,7 +4077,15 @@
           <a:p>
             <a:r>
               <a:rPr lang="ko-KR" altLang="en-US" sz="2400" dirty="0" smtClean="0"/>
-              <a:t>캐릭터 탐지 시 다음 땅 속에서 나올 때는 캐릭터가 있는 위치에서 나온다</a:t>
+              <a:t>캐릭터 탐지 시 다음 땅 속에서 나올 때는 </a:t>
+            </a:r>
+            <a:r>
+              <a:rPr lang="ko-KR" altLang="en-US" sz="2400" b="1" dirty="0" smtClean="0">
+                <a:solidFill>
+                  <a:srgbClr val="FF0000"/>
+                </a:solidFill>
+              </a:rPr>
+              <a:t>캐릭터가 있는 위치에서 나온다</a:t>
             </a:r>
             <a:r>
               <a:rPr lang="en-US" altLang="ko-KR" sz="2400" dirty="0" smtClean="0"/>
@@ -3887,15 +4101,27 @@
               <a:t>해당 몬스터 처치 방법은 </a:t>
             </a:r>
             <a:r>
-              <a:rPr lang="en-US" altLang="ko-KR" sz="2400" dirty="0" smtClean="0"/>
+              <a:rPr lang="en-US" altLang="ko-KR" sz="2400" b="1" dirty="0" smtClean="0">
+                <a:solidFill>
+                  <a:srgbClr val="FF0000"/>
+                </a:solidFill>
+              </a:rPr>
               <a:t>&lt;</a:t>
             </a:r>
             <a:r>
-              <a:rPr lang="ko-KR" altLang="en-US" sz="2400" dirty="0" smtClean="0"/>
+              <a:rPr lang="ko-KR" altLang="en-US" sz="2400" b="1" dirty="0" smtClean="0">
+                <a:solidFill>
+                  <a:srgbClr val="FF0000"/>
+                </a:solidFill>
+              </a:rPr>
               <a:t>충돌</a:t>
             </a:r>
             <a:r>
-              <a:rPr lang="en-US" altLang="ko-KR" sz="2400" dirty="0" smtClean="0"/>
+              <a:rPr lang="en-US" altLang="ko-KR" sz="2400" b="1" dirty="0" smtClean="0">
+                <a:solidFill>
+                  <a:srgbClr val="FF0000"/>
+                </a:solidFill>
+              </a:rPr>
               <a:t>&gt;</a:t>
             </a:r>
             <a:r>
@@ -3930,7 +4156,19 @@
           <a:p>
             <a:r>
               <a:rPr lang="ko-KR" altLang="en-US" sz="2400" dirty="0" smtClean="0"/>
-              <a:t>광부 몬스터는 강철 블록에 헤딩하여 죽는다</a:t>
+              <a:t>광부 몬스터는 </a:t>
+            </a:r>
+            <a:r>
+              <a:rPr lang="ko-KR" altLang="en-US" sz="2400" b="1" dirty="0" smtClean="0">
+                <a:solidFill>
+                  <a:srgbClr val="FF0000"/>
+                </a:solidFill>
+              </a:rPr>
+              <a:t>강철 블록에 헤딩</a:t>
+            </a:r>
+            <a:r>
+              <a:rPr lang="ko-KR" altLang="en-US" sz="2400" dirty="0" smtClean="0"/>
+              <a:t>하여 죽는다</a:t>
             </a:r>
             <a:r>
               <a:rPr lang="en-US" altLang="ko-KR" sz="2400" dirty="0" smtClean="0"/>
@@ -4227,39 +4465,148 @@
           </a:lstStyle>
           <a:p>
             <a:r>
-              <a:rPr lang="en-US" altLang="ko-KR" sz="2400" dirty="0" smtClean="0"/>
+              <a:rPr lang="en-US" altLang="ko-KR" sz="2400" b="1" dirty="0" smtClean="0">
+                <a:solidFill>
+                  <a:srgbClr val="FF0000"/>
+                </a:solidFill>
+              </a:rPr>
               <a:t>10</a:t>
             </a:r>
             <a:r>
+              <a:rPr lang="ko-KR" altLang="en-US" sz="2400" b="1" dirty="0" smtClean="0">
+                <a:solidFill>
+                  <a:srgbClr val="FF0000"/>
+                </a:solidFill>
+              </a:rPr>
+              <a:t>초마다 </a:t>
+            </a:r>
+            <a:r>
+              <a:rPr lang="en-US" altLang="ko-KR" sz="2400" b="1" dirty="0" smtClean="0">
+                <a:solidFill>
+                  <a:srgbClr val="FF0000"/>
+                </a:solidFill>
+              </a:rPr>
+              <a:t>5</a:t>
+            </a:r>
+            <a:r>
+              <a:rPr lang="ko-KR" altLang="en-US" sz="2400" b="1" dirty="0" smtClean="0">
+                <a:solidFill>
+                  <a:srgbClr val="FF0000"/>
+                </a:solidFill>
+              </a:rPr>
+              <a:t>초간 </a:t>
+            </a:r>
+            <a:r>
+              <a:rPr lang="en-US" altLang="ko-KR" sz="2400" b="1" dirty="0" smtClean="0">
+                <a:solidFill>
+                  <a:srgbClr val="FF0000"/>
+                </a:solidFill>
+              </a:rPr>
+              <a:t>2</a:t>
+            </a:r>
+            <a:r>
+              <a:rPr lang="ko-KR" altLang="en-US" sz="2400" b="1" dirty="0" smtClean="0">
+                <a:solidFill>
+                  <a:srgbClr val="FF0000"/>
+                </a:solidFill>
+              </a:rPr>
+              <a:t>블록 만큼 공중</a:t>
+            </a:r>
+            <a:r>
               <a:rPr lang="ko-KR" altLang="en-US" sz="2400" dirty="0" smtClean="0"/>
-              <a:t>초마다 </a:t>
-            </a:r>
-            <a:r>
-              <a:rPr lang="en-US" altLang="ko-KR" sz="2400" dirty="0" smtClean="0"/>
-              <a:t>5</a:t>
-            </a:r>
-            <a:r>
-              <a:rPr lang="ko-KR" altLang="en-US" sz="2400" dirty="0" smtClean="0"/>
-              <a:t>초간 </a:t>
-            </a:r>
-            <a:r>
-              <a:rPr lang="en-US" altLang="ko-KR" sz="2400" dirty="0" smtClean="0"/>
-              <a:t>2</a:t>
-            </a:r>
-            <a:r>
-              <a:rPr lang="ko-KR" altLang="en-US" sz="2400" dirty="0" smtClean="0"/>
-              <a:t>블록 만큼 공중으로 떠오른다</a:t>
+              <a:t>으로 떠오른다</a:t>
             </a:r>
             <a:r>
               <a:rPr lang="en-US" altLang="ko-KR" sz="2400" dirty="0" smtClean="0"/>
               <a:t>.</a:t>
             </a:r>
-            <a:endParaRPr lang="en-US" altLang="ko-KR" dirty="0" smtClean="0"/>
           </a:p>
           <a:p>
             <a:r>
               <a:rPr lang="ko-KR" altLang="en-US" sz="2400" dirty="0" smtClean="0"/>
-              <a:t>공중에 떠오른 뒤에 이동 패턴은 기본과 동일하다</a:t>
+              <a:t>공중에 </a:t>
+            </a:r>
+            <a:r>
+              <a:rPr lang="ko-KR" altLang="en-US" sz="2400" dirty="0" smtClean="0"/>
+              <a:t>떠오르면 </a:t>
+            </a:r>
+            <a:r>
+              <a:rPr lang="ko-KR" altLang="en-US" sz="2400" b="1" dirty="0">
+                <a:solidFill>
+                  <a:srgbClr val="FF0000"/>
+                </a:solidFill>
+              </a:rPr>
+              <a:t>탐지 범위가 </a:t>
+            </a:r>
+            <a:r>
+              <a:rPr lang="en-US" altLang="ko-KR" sz="2400" b="1" dirty="0">
+                <a:solidFill>
+                  <a:srgbClr val="FF0000"/>
+                </a:solidFill>
+              </a:rPr>
+              <a:t>8</a:t>
+            </a:r>
+            <a:r>
+              <a:rPr lang="ko-KR" altLang="en-US" sz="2400" b="1" dirty="0">
+                <a:solidFill>
+                  <a:srgbClr val="FF0000"/>
+                </a:solidFill>
+              </a:rPr>
+              <a:t>칸</a:t>
+            </a:r>
+            <a:r>
+              <a:rPr lang="ko-KR" altLang="en-US" sz="2400" dirty="0"/>
+              <a:t>이 된다</a:t>
+            </a:r>
+            <a:r>
+              <a:rPr lang="en-US" altLang="ko-KR" sz="2400" dirty="0"/>
+              <a:t>.</a:t>
+            </a:r>
+          </a:p>
+          <a:p>
+            <a:r>
+              <a:rPr lang="ko-KR" altLang="en-US" sz="2400" dirty="0" smtClean="0"/>
+              <a:t>공중에서 </a:t>
+            </a:r>
+            <a:r>
+              <a:rPr lang="ko-KR" altLang="en-US" sz="2400" dirty="0" smtClean="0"/>
+              <a:t>캐릭터 탐지 </a:t>
+            </a:r>
+            <a:r>
+              <a:rPr lang="ko-KR" altLang="en-US" sz="2400" dirty="0" smtClean="0"/>
+              <a:t>시 </a:t>
+            </a:r>
+            <a:r>
+              <a:rPr lang="en-US" altLang="ko-KR" sz="2400" b="1" dirty="0" smtClean="0">
+                <a:solidFill>
+                  <a:srgbClr val="FF0000"/>
+                </a:solidFill>
+              </a:rPr>
+              <a:t>1</a:t>
+            </a:r>
+            <a:r>
+              <a:rPr lang="ko-KR" altLang="en-US" sz="2400" b="1" dirty="0" smtClean="0">
+                <a:solidFill>
+                  <a:srgbClr val="FF0000"/>
+                </a:solidFill>
+              </a:rPr>
+              <a:t>초에 </a:t>
+            </a:r>
+            <a:r>
+              <a:rPr lang="en-US" altLang="ko-KR" sz="2400" b="1" dirty="0" smtClean="0">
+                <a:solidFill>
+                  <a:srgbClr val="FF0000"/>
+                </a:solidFill>
+              </a:rPr>
+              <a:t>5 </a:t>
+            </a:r>
+            <a:r>
+              <a:rPr lang="ko-KR" altLang="en-US" sz="2400" b="1" dirty="0" smtClean="0">
+                <a:solidFill>
+                  <a:srgbClr val="FF0000"/>
+                </a:solidFill>
+              </a:rPr>
+              <a:t>블록 속도로 캐릭터를 향해 날아온다</a:t>
             </a:r>
             <a:r>
               <a:rPr lang="en-US" altLang="ko-KR" sz="2400" dirty="0" smtClean="0"/>
@@ -4267,47 +4614,40 @@
             </a:r>
           </a:p>
           <a:p>
+            <a:endParaRPr lang="en-US" altLang="ko-KR" sz="2400" dirty="0"/>
+          </a:p>
+          <a:p>
             <a:r>
               <a:rPr lang="ko-KR" altLang="en-US" sz="2400" dirty="0" smtClean="0"/>
-              <a:t>공중에 떠오르면 </a:t>
-            </a:r>
-            <a:r>
-              <a:rPr lang="ko-KR" altLang="en-US" sz="2400" dirty="0"/>
-              <a:t>탐지 범위가 </a:t>
-            </a:r>
-            <a:r>
-              <a:rPr lang="en-US" altLang="ko-KR" sz="2400" dirty="0"/>
-              <a:t>8</a:t>
-            </a:r>
-            <a:r>
-              <a:rPr lang="ko-KR" altLang="en-US" sz="2400" dirty="0"/>
-              <a:t>칸이 된다</a:t>
-            </a:r>
-            <a:r>
-              <a:rPr lang="en-US" altLang="ko-KR" sz="2400" dirty="0"/>
-              <a:t>.</a:t>
-            </a:r>
-          </a:p>
-          <a:p>
+              <a:t>해당 몬스터의 처치 방법은 </a:t>
+            </a:r>
+            <a:r>
+              <a:rPr lang="en-US" altLang="ko-KR" sz="2400" b="1" dirty="0" smtClean="0">
+                <a:solidFill>
+                  <a:srgbClr val="FF0000"/>
+                </a:solidFill>
+              </a:rPr>
+              <a:t>&lt;</a:t>
+            </a:r>
+            <a:r>
+              <a:rPr lang="ko-KR" altLang="en-US" sz="2400" b="1" dirty="0" smtClean="0">
+                <a:solidFill>
+                  <a:srgbClr val="FF0000"/>
+                </a:solidFill>
+              </a:rPr>
+              <a:t>충돌</a:t>
+            </a:r>
+            <a:r>
+              <a:rPr lang="en-US" altLang="ko-KR" sz="2400" b="1" dirty="0" smtClean="0">
+                <a:solidFill>
+                  <a:srgbClr val="FF0000"/>
+                </a:solidFill>
+              </a:rPr>
+              <a:t>&gt;</a:t>
+            </a:r>
             <a:r>
               <a:rPr lang="ko-KR" altLang="en-US" sz="2400" dirty="0" smtClean="0"/>
-              <a:t>공중에서 탐지 시 </a:t>
-            </a:r>
-            <a:r>
-              <a:rPr lang="en-US" altLang="ko-KR" sz="2400" dirty="0" smtClean="0"/>
-              <a:t>1</a:t>
-            </a:r>
-            <a:r>
-              <a:rPr lang="ko-KR" altLang="en-US" sz="2400" dirty="0" smtClean="0"/>
-              <a:t>초에 </a:t>
-            </a:r>
-            <a:r>
-              <a:rPr lang="en-US" altLang="ko-KR" sz="2400" dirty="0" smtClean="0"/>
-              <a:t>5 </a:t>
-            </a:r>
-            <a:r>
-              <a:rPr lang="ko-KR" altLang="en-US" sz="2400" dirty="0" smtClean="0"/>
-              <a:t>블록 속도로 캐릭터를 향해 날아온다</a:t>
+              <a:t>이다</a:t>
             </a:r>
             <a:r>
               <a:rPr lang="en-US" altLang="ko-KR" sz="2400" dirty="0" smtClean="0"/>
@@ -4315,35 +4655,6 @@
             </a:r>
           </a:p>
           <a:p>
-            <a:endParaRPr lang="en-US" altLang="ko-KR" sz="2400" dirty="0"/>
-          </a:p>
-          <a:p>
-            <a:r>
-              <a:rPr lang="ko-KR" altLang="en-US" sz="2400" dirty="0" smtClean="0"/>
-              <a:t>해당 몬스터의 처치 방법은 </a:t>
-            </a:r>
-            <a:r>
-              <a:rPr lang="en-US" altLang="ko-KR" sz="2400" dirty="0" smtClean="0"/>
-              <a:t>&lt;</a:t>
-            </a:r>
-            <a:r>
-              <a:rPr lang="ko-KR" altLang="en-US" sz="2400" dirty="0" smtClean="0"/>
-              <a:t>충돌</a:t>
-            </a:r>
-            <a:r>
-              <a:rPr lang="en-US" altLang="ko-KR" sz="2400" dirty="0" smtClean="0"/>
-              <a:t>&gt;</a:t>
-            </a:r>
-            <a:r>
-              <a:rPr lang="ko-KR" altLang="en-US" sz="2400" dirty="0" smtClean="0"/>
-              <a:t>이다</a:t>
-            </a:r>
-            <a:r>
-              <a:rPr lang="en-US" altLang="ko-KR" sz="2400" dirty="0" smtClean="0"/>
-              <a:t>.</a:t>
-            </a:r>
-          </a:p>
-          <a:p>
             <a:r>
               <a:rPr lang="ko-KR" altLang="en-US" sz="2400" dirty="0" smtClean="0"/>
               <a:t>공중에서 빠르게 날아오는 도중 방향 전환은 불가</a:t>
@@ -4353,7 +4664,19 @@
           <a:p>
             <a:r>
               <a:rPr lang="ko-KR" altLang="en-US" sz="2400" dirty="0" smtClean="0"/>
-              <a:t>날아오다가 블록과 충돌하면 죽는다</a:t>
+              <a:t>날아오다가 </a:t>
+            </a:r>
+            <a:r>
+              <a:rPr lang="ko-KR" altLang="en-US" sz="2400" b="1" dirty="0" smtClean="0">
+                <a:solidFill>
+                  <a:srgbClr val="FF0000"/>
+                </a:solidFill>
+              </a:rPr>
+              <a:t>블록과 충돌</a:t>
+            </a:r>
+            <a:r>
+              <a:rPr lang="ko-KR" altLang="en-US" sz="2400" dirty="0" smtClean="0"/>
+              <a:t>하면 죽는다</a:t>
             </a:r>
             <a:r>
               <a:rPr lang="en-US" altLang="ko-KR" sz="2400" dirty="0" smtClean="0"/>
@@ -4473,24 +4796,48 @@
               <a:t>몬스터는 </a:t>
             </a:r>
             <a:r>
-              <a:rPr lang="en-US" altLang="ko-KR" sz="2400" dirty="0"/>
+              <a:rPr lang="en-US" altLang="ko-KR" sz="2400" b="1" dirty="0">
+                <a:solidFill>
+                  <a:srgbClr val="FF0000"/>
+                </a:solidFill>
+              </a:rPr>
               <a:t>1</a:t>
             </a:r>
             <a:r>
+              <a:rPr lang="ko-KR" altLang="en-US" sz="2400" b="1" dirty="0">
+                <a:solidFill>
+                  <a:srgbClr val="FF0000"/>
+                </a:solidFill>
+              </a:rPr>
+              <a:t>초에 </a:t>
+            </a:r>
+            <a:r>
+              <a:rPr lang="en-US" altLang="ko-KR" sz="2400" b="1" dirty="0" smtClean="0">
+                <a:solidFill>
+                  <a:srgbClr val="FF0000"/>
+                </a:solidFill>
+              </a:rPr>
+              <a:t>3</a:t>
+            </a:r>
+            <a:r>
+              <a:rPr lang="ko-KR" altLang="en-US" sz="2400" b="1" dirty="0" smtClean="0">
+                <a:solidFill>
+                  <a:srgbClr val="FF0000"/>
+                </a:solidFill>
+              </a:rPr>
+              <a:t>블록 </a:t>
+            </a:r>
+            <a:r>
+              <a:rPr lang="ko-KR" altLang="en-US" sz="2400" b="1" dirty="0">
+                <a:solidFill>
+                  <a:srgbClr val="FF0000"/>
+                </a:solidFill>
+              </a:rPr>
+              <a:t>이동</a:t>
+            </a:r>
+            <a:r>
               <a:rPr lang="ko-KR" altLang="en-US" sz="2400" dirty="0"/>
-              <a:t>초에 </a:t>
-            </a:r>
-            <a:r>
-              <a:rPr lang="en-US" altLang="ko-KR" sz="2400" dirty="0" smtClean="0"/>
-              <a:t>3</a:t>
-            </a:r>
-            <a:r>
-              <a:rPr lang="ko-KR" altLang="en-US" sz="2400" dirty="0" smtClean="0"/>
-              <a:t>블록 </a:t>
-            </a:r>
-            <a:r>
-              <a:rPr lang="ko-KR" altLang="en-US" sz="2400" dirty="0"/>
-              <a:t>이동한다</a:t>
+              <a:t>한다</a:t>
             </a:r>
             <a:r>
               <a:rPr lang="en-US" altLang="ko-KR" sz="2400" dirty="0"/>
@@ -4506,15 +4853,27 @@
               <a:t>해당 몬스터의 처치 방법은 </a:t>
             </a:r>
             <a:r>
-              <a:rPr lang="en-US" altLang="ko-KR" sz="2400" dirty="0" smtClean="0"/>
+              <a:rPr lang="en-US" altLang="ko-KR" sz="2400" b="1" dirty="0" smtClean="0">
+                <a:solidFill>
+                  <a:srgbClr val="FF0000"/>
+                </a:solidFill>
+              </a:rPr>
               <a:t>&lt;</a:t>
             </a:r>
             <a:r>
-              <a:rPr lang="ko-KR" altLang="en-US" sz="2400" dirty="0" smtClean="0"/>
+              <a:rPr lang="ko-KR" altLang="en-US" sz="2400" b="1" dirty="0" smtClean="0">
+                <a:solidFill>
+                  <a:srgbClr val="FF0000"/>
+                </a:solidFill>
+              </a:rPr>
               <a:t>유인</a:t>
             </a:r>
             <a:r>
-              <a:rPr lang="en-US" altLang="ko-KR" sz="2400" dirty="0" smtClean="0"/>
+              <a:rPr lang="en-US" altLang="ko-KR" sz="2400" b="1" dirty="0" smtClean="0">
+                <a:solidFill>
+                  <a:srgbClr val="FF0000"/>
+                </a:solidFill>
+              </a:rPr>
               <a:t>&gt;</a:t>
             </a:r>
             <a:r>
@@ -4529,7 +4888,19 @@
           <a:p>
             <a:r>
               <a:rPr lang="ko-KR" altLang="en-US" sz="2400" dirty="0" smtClean="0"/>
-              <a:t>이 몬스터를 끌고 경찰 몬스터 근처로 간다</a:t>
+              <a:t>이 몬스터를 끌고 </a:t>
+            </a:r>
+            <a:r>
+              <a:rPr lang="ko-KR" altLang="en-US" sz="2400" b="1" dirty="0" smtClean="0">
+                <a:solidFill>
+                  <a:srgbClr val="FF0000"/>
+                </a:solidFill>
+              </a:rPr>
+              <a:t>경찰 몬스터</a:t>
+            </a:r>
+            <a:r>
+              <a:rPr lang="ko-KR" altLang="en-US" sz="2400" dirty="0" smtClean="0"/>
+              <a:t> 근처로 간다</a:t>
             </a:r>
             <a:r>
               <a:rPr lang="en-US" altLang="ko-KR" sz="2400" dirty="0" smtClean="0"/>
@@ -4549,7 +4920,19 @@
           <a:p>
             <a:r>
               <a:rPr lang="ko-KR" altLang="en-US" sz="2400" dirty="0" smtClean="0"/>
-              <a:t>경찰 몬스터가 추격을 시작하면 정지한다</a:t>
+              <a:t>추격을 당하면 도둑 몬스터는 </a:t>
+            </a:r>
+            <a:r>
+              <a:rPr lang="ko-KR" altLang="en-US" sz="2400" b="1" dirty="0" smtClean="0">
+                <a:solidFill>
+                  <a:srgbClr val="FF0000"/>
+                </a:solidFill>
+              </a:rPr>
+              <a:t>정지</a:t>
+            </a:r>
+            <a:r>
+              <a:rPr lang="ko-KR" altLang="en-US" sz="2400" dirty="0" smtClean="0"/>
+              <a:t>한다</a:t>
             </a:r>
             <a:r>
               <a:rPr lang="en-US" altLang="ko-KR" sz="2400" dirty="0" smtClean="0"/>
@@ -4667,19 +5050,47 @@
           <a:p>
             <a:r>
               <a:rPr lang="ko-KR" altLang="en-US" sz="2400" dirty="0" smtClean="0"/>
-              <a:t>이 몬스터는 캐릭터에게 </a:t>
-            </a:r>
-            <a:r>
-              <a:rPr lang="en-US" altLang="ko-KR" sz="2400" dirty="0" smtClean="0"/>
-              <a:t>0.4 </a:t>
-            </a:r>
-            <a:r>
-              <a:rPr lang="ko-KR" altLang="en-US" sz="2400" dirty="0"/>
-              <a:t>데미지를 </a:t>
+              <a:t>이 몬스터는 </a:t>
             </a:r>
             <a:r>
               <a:rPr lang="ko-KR" altLang="en-US" sz="2400" dirty="0" smtClean="0"/>
-              <a:t>입힌다</a:t>
+              <a:t>캐릭터를 탐지 시 </a:t>
+            </a:r>
+            <a:r>
+              <a:rPr lang="en-US" altLang="ko-KR" sz="2400" b="1" dirty="0" smtClean="0">
+                <a:solidFill>
+                  <a:srgbClr val="FF0000"/>
+                </a:solidFill>
+              </a:rPr>
+              <a:t>10</a:t>
+            </a:r>
+            <a:r>
+              <a:rPr lang="ko-KR" altLang="en-US" sz="2400" b="1" dirty="0" smtClean="0">
+                <a:solidFill>
+                  <a:srgbClr val="FF0000"/>
+                </a:solidFill>
+              </a:rPr>
+              <a:t>초에 한 번 </a:t>
+            </a:r>
+            <a:r>
+              <a:rPr lang="en-US" altLang="ko-KR" sz="2400" b="1" dirty="0" smtClean="0">
+                <a:solidFill>
+                  <a:srgbClr val="FF0000"/>
+                </a:solidFill>
+              </a:rPr>
+              <a:t>1</a:t>
+            </a:r>
+            <a:r>
+              <a:rPr lang="ko-KR" altLang="en-US" sz="2400" b="1" dirty="0" smtClean="0">
+                <a:solidFill>
+                  <a:srgbClr val="FF0000"/>
+                </a:solidFill>
+              </a:rPr>
+              <a:t>초간 정지</a:t>
+            </a:r>
+            <a:r>
+              <a:rPr lang="ko-KR" altLang="en-US" sz="2400" dirty="0" smtClean="0"/>
+              <a:t>시킨다</a:t>
             </a:r>
             <a:r>
               <a:rPr lang="en-US" altLang="ko-KR" sz="2400" dirty="0" smtClean="0"/>
@@ -4692,10 +5103,22 @@
           <a:p>
             <a:r>
               <a:rPr lang="ko-KR" altLang="en-US" sz="2400" dirty="0"/>
-              <a:t>해당 몬스터의 처치 방법은 </a:t>
-            </a:r>
-            <a:r>
-              <a:rPr lang="ko-KR" altLang="en-US" sz="2400" dirty="0" smtClean="0"/>
+              <a:t>해당 몬스터의 </a:t>
+            </a:r>
+            <a:r>
+              <a:rPr lang="ko-KR" altLang="en-US" sz="2400" b="1" dirty="0">
+                <a:solidFill>
+                  <a:srgbClr val="FF0000"/>
+                </a:solidFill>
+              </a:rPr>
+              <a:t>처치 방법은 </a:t>
+            </a:r>
+            <a:r>
+              <a:rPr lang="ko-KR" altLang="en-US" sz="2400" b="1" dirty="0" smtClean="0">
+                <a:solidFill>
+                  <a:srgbClr val="FF0000"/>
+                </a:solidFill>
+              </a:rPr>
               <a:t>없다</a:t>
             </a:r>
             <a:r>
@@ -4709,15 +5132,27 @@
               <a:t>다만 벗어나는 방법은 </a:t>
             </a:r>
             <a:r>
-              <a:rPr lang="en-US" altLang="ko-KR" sz="2400" dirty="0" smtClean="0"/>
+              <a:rPr lang="en-US" altLang="ko-KR" sz="2400" b="1" dirty="0" smtClean="0">
+                <a:solidFill>
+                  <a:srgbClr val="FF0000"/>
+                </a:solidFill>
+              </a:rPr>
               <a:t>&lt;</a:t>
             </a:r>
             <a:r>
-              <a:rPr lang="ko-KR" altLang="en-US" sz="2400" dirty="0"/>
+              <a:rPr lang="ko-KR" altLang="en-US" sz="2400" b="1" dirty="0">
+                <a:solidFill>
+                  <a:srgbClr val="FF0000"/>
+                </a:solidFill>
+              </a:rPr>
               <a:t>유인</a:t>
             </a:r>
             <a:r>
-              <a:rPr lang="en-US" altLang="ko-KR" sz="2400" dirty="0"/>
+              <a:rPr lang="en-US" altLang="ko-KR" sz="2400" b="1" dirty="0">
+                <a:solidFill>
+                  <a:srgbClr val="FF0000"/>
+                </a:solidFill>
+              </a:rPr>
               <a:t>&gt;</a:t>
             </a:r>
             <a:r>
@@ -4732,15 +5167,35 @@
           <a:p>
             <a:r>
               <a:rPr lang="ko-KR" altLang="en-US" sz="2400" dirty="0" smtClean="0"/>
-              <a:t>이 몬스터가 도둑 몬스터를 처치하면 그 자리에서 </a:t>
-            </a:r>
-            <a:r>
-              <a:rPr lang="en-US" altLang="ko-KR" sz="2400" dirty="0" smtClean="0"/>
+              <a:t>이 몬스터가 </a:t>
+            </a:r>
+            <a:r>
+              <a:rPr lang="ko-KR" altLang="en-US" sz="2400" b="1" dirty="0" smtClean="0">
+                <a:solidFill>
+                  <a:srgbClr val="FF0000"/>
+                </a:solidFill>
+              </a:rPr>
+              <a:t>도둑 몬스터를 처치하면 그 자리에서 </a:t>
+            </a:r>
+            <a:r>
+              <a:rPr lang="en-US" altLang="ko-KR" sz="2400" b="1" dirty="0" smtClean="0">
+                <a:solidFill>
+                  <a:srgbClr val="FF0000"/>
+                </a:solidFill>
+              </a:rPr>
               <a:t>5</a:t>
             </a:r>
             <a:r>
+              <a:rPr lang="ko-KR" altLang="en-US" sz="2400" b="1" dirty="0" smtClean="0">
+                <a:solidFill>
+                  <a:srgbClr val="FF0000"/>
+                </a:solidFill>
+              </a:rPr>
+              <a:t>초간 정지</a:t>
+            </a:r>
+            <a:r>
               <a:rPr lang="ko-KR" altLang="en-US" sz="2400" dirty="0" smtClean="0"/>
-              <a:t>초간 정지한다</a:t>
+              <a:t>한다</a:t>
             </a:r>
             <a:r>
               <a:rPr lang="en-US" altLang="ko-KR" sz="2400" dirty="0" smtClean="0"/>
@@ -4760,6 +5215,660 @@
     <p:extLst>
       <p:ext uri="{BB962C8B-B14F-4D97-AF65-F5344CB8AC3E}">
         <p14:creationId xmlns:p14="http://schemas.microsoft.com/office/powerpoint/2010/main" val="3696974788"/>
+      </p:ext>
+    </p:extLst>
+  </p:cSld>
+  <p:clrMapOvr>
+    <a:masterClrMapping/>
+  </p:clrMapOvr>
+</p:sld>
+</file>
+
+<file path=ppt/slides/slide7.xml><?xml version="1.0" encoding="utf-8"?>
+<p:sld xmlns:a="http://schemas.openxmlformats.org/drawingml/2006/main" xmlns:r="http://schemas.openxmlformats.org/officeDocument/2006/relationships" xmlns:p="http://schemas.openxmlformats.org/presentationml/2006/main">
+  <p:cSld>
+    <p:spTree>
+      <p:nvGrpSpPr>
+        <p:cNvPr id="1" name=""/>
+        <p:cNvGrpSpPr/>
+        <p:nvPr/>
+      </p:nvGrpSpPr>
+      <p:grpSpPr>
+        <a:xfrm>
+          <a:off x="0" y="0"/>
+          <a:ext cx="0" cy="0"/>
+          <a:chOff x="0" y="0"/>
+          <a:chExt cx="0" cy="0"/>
+        </a:xfrm>
+      </p:grpSpPr>
+      <p:sp>
+        <p:nvSpPr>
+          <p:cNvPr id="2" name="제목 1"/>
+          <p:cNvSpPr>
+            <a:spLocks noGrp="1"/>
+          </p:cNvSpPr>
+          <p:nvPr>
+            <p:ph type="title"/>
+          </p:nvPr>
+        </p:nvSpPr>
+        <p:spPr/>
+        <p:txBody>
+          <a:bodyPr/>
+          <a:lstStyle/>
+          <a:p>
+            <a:r>
+              <a:rPr lang="ko-KR" altLang="en-US" dirty="0" smtClean="0"/>
+              <a:t>소녀</a:t>
+            </a:r>
+            <a:r>
+              <a:rPr lang="ko-KR" altLang="en-US" dirty="0" smtClean="0"/>
+              <a:t> </a:t>
+            </a:r>
+            <a:r>
+              <a:rPr lang="ko-KR" altLang="en-US" dirty="0" smtClean="0"/>
+              <a:t>몬스터</a:t>
+            </a:r>
+            <a:endParaRPr lang="ko-KR" altLang="en-US" dirty="0"/>
+          </a:p>
+        </p:txBody>
+      </p:sp>
+      <p:sp>
+        <p:nvSpPr>
+          <p:cNvPr id="10" name="내용 개체 틀 2"/>
+          <p:cNvSpPr>
+            <a:spLocks noGrp="1"/>
+          </p:cNvSpPr>
+          <p:nvPr>
+            <p:ph idx="1"/>
+          </p:nvPr>
+        </p:nvSpPr>
+        <p:spPr>
+          <a:xfrm>
+            <a:off x="4018085" y="1825625"/>
+            <a:ext cx="7335715" cy="4351338"/>
+          </a:xfrm>
+        </p:spPr>
+        <p:txBody>
+          <a:bodyPr/>
+          <a:lstStyle/>
+          <a:p>
+            <a:r>
+              <a:rPr lang="ko-KR" altLang="en-US" sz="2400" dirty="0" smtClean="0"/>
+              <a:t>이 몬스터는 </a:t>
+            </a:r>
+            <a:r>
+              <a:rPr lang="ko-KR" altLang="en-US" sz="2400" dirty="0" smtClean="0"/>
+              <a:t>캐릭터가 탐지 범위 내에 있을 경우 제자리에 멈추고</a:t>
+            </a:r>
+            <a:r>
+              <a:rPr lang="en-US" altLang="ko-KR" sz="2400" dirty="0" smtClean="0"/>
+              <a:t>,</a:t>
+            </a:r>
+            <a:r>
+              <a:rPr lang="ko-KR" altLang="en-US" sz="2400" dirty="0" smtClean="0"/>
+              <a:t> 소리친다</a:t>
+            </a:r>
+            <a:r>
+              <a:rPr lang="en-US" altLang="ko-KR" sz="2400" dirty="0" smtClean="0"/>
+              <a:t>.</a:t>
+            </a:r>
+          </a:p>
+          <a:p>
+            <a:r>
+              <a:rPr lang="ko-KR" altLang="en-US" sz="2400" b="1" dirty="0" smtClean="0">
+                <a:solidFill>
+                  <a:srgbClr val="FF0000"/>
+                </a:solidFill>
+              </a:rPr>
+              <a:t>소리치기는 </a:t>
+            </a:r>
+            <a:r>
+              <a:rPr lang="en-US" altLang="ko-KR" sz="2400" b="1" dirty="0" smtClean="0">
+                <a:solidFill>
+                  <a:srgbClr val="FF0000"/>
+                </a:solidFill>
+              </a:rPr>
+              <a:t>5</a:t>
+            </a:r>
+            <a:r>
+              <a:rPr lang="ko-KR" altLang="en-US" sz="2400" b="1" dirty="0" smtClean="0">
+                <a:solidFill>
+                  <a:srgbClr val="FF0000"/>
+                </a:solidFill>
+              </a:rPr>
+              <a:t>칸 범위</a:t>
+            </a:r>
+            <a:r>
+              <a:rPr lang="ko-KR" altLang="en-US" sz="2400" dirty="0" smtClean="0"/>
+              <a:t>에 영향을 미친다</a:t>
+            </a:r>
+            <a:r>
+              <a:rPr lang="en-US" altLang="ko-KR" sz="2400" dirty="0" smtClean="0"/>
+              <a:t>.</a:t>
+            </a:r>
+            <a:endParaRPr lang="en-US" altLang="ko-KR" sz="2400" dirty="0" smtClean="0"/>
+          </a:p>
+          <a:p>
+            <a:r>
+              <a:rPr lang="ko-KR" altLang="en-US" sz="2400" dirty="0" smtClean="0"/>
+              <a:t>소리치기 범위 내에 있으면 </a:t>
+            </a:r>
+            <a:r>
+              <a:rPr lang="ko-KR" altLang="en-US" sz="2400" b="1" dirty="0" smtClean="0">
+                <a:solidFill>
+                  <a:srgbClr val="FF0000"/>
+                </a:solidFill>
+              </a:rPr>
+              <a:t>캐릭터 속도가 절반</a:t>
+            </a:r>
+            <a:r>
+              <a:rPr lang="en-US" altLang="ko-KR" sz="2400" dirty="0" smtClean="0"/>
+              <a:t>.</a:t>
+            </a:r>
+          </a:p>
+          <a:p>
+            <a:endParaRPr lang="en-US" altLang="ko-KR" sz="2400" dirty="0" smtClean="0"/>
+          </a:p>
+          <a:p>
+            <a:endParaRPr lang="en-US" altLang="ko-KR" sz="2400" dirty="0"/>
+          </a:p>
+          <a:p>
+            <a:r>
+              <a:rPr lang="ko-KR" altLang="en-US" sz="2400" dirty="0"/>
+              <a:t>해당 몬스터의 처치 </a:t>
+            </a:r>
+            <a:r>
+              <a:rPr lang="ko-KR" altLang="en-US" sz="2400" dirty="0" smtClean="0"/>
+              <a:t>방법은 </a:t>
+            </a:r>
+            <a:r>
+              <a:rPr lang="en-US" altLang="ko-KR" sz="2400" b="1" dirty="0" smtClean="0">
+                <a:solidFill>
+                  <a:srgbClr val="FF0000"/>
+                </a:solidFill>
+              </a:rPr>
+              <a:t>&lt;</a:t>
+            </a:r>
+            <a:r>
+              <a:rPr lang="ko-KR" altLang="en-US" sz="2400" b="1" dirty="0" smtClean="0">
+                <a:solidFill>
+                  <a:srgbClr val="FF0000"/>
+                </a:solidFill>
+              </a:rPr>
+              <a:t>터치</a:t>
+            </a:r>
+            <a:r>
+              <a:rPr lang="en-US" altLang="ko-KR" sz="2400" b="1" dirty="0" smtClean="0">
+                <a:solidFill>
+                  <a:srgbClr val="FF0000"/>
+                </a:solidFill>
+              </a:rPr>
+              <a:t>&gt;</a:t>
+            </a:r>
+            <a:r>
+              <a:rPr lang="ko-KR" altLang="en-US" sz="2400" dirty="0"/>
+              <a:t>이다</a:t>
+            </a:r>
+            <a:r>
+              <a:rPr lang="en-US" altLang="ko-KR" sz="2400" dirty="0" smtClean="0"/>
+              <a:t>.</a:t>
+            </a:r>
+          </a:p>
+          <a:p>
+            <a:r>
+              <a:rPr lang="ko-KR" altLang="en-US" sz="2400" dirty="0" smtClean="0"/>
+              <a:t>이 몬스터와 캐릭터가 충돌하면 죽는다</a:t>
+            </a:r>
+            <a:r>
+              <a:rPr lang="en-US" altLang="ko-KR" sz="2400" dirty="0" smtClean="0"/>
+              <a:t>.</a:t>
+            </a:r>
+            <a:endParaRPr lang="en-US" altLang="ko-KR" sz="2400" dirty="0"/>
+          </a:p>
+          <a:p>
+            <a:endParaRPr lang="ko-KR" altLang="en-US" dirty="0"/>
+          </a:p>
+        </p:txBody>
+      </p:sp>
+      <p:pic>
+        <p:nvPicPr>
+          <p:cNvPr id="5" name="그림 4"/>
+          <p:cNvPicPr>
+            <a:picLocks noChangeAspect="1"/>
+          </p:cNvPicPr>
+          <p:nvPr/>
+        </p:nvPicPr>
+        <p:blipFill>
+          <a:blip r:embed="rId2"/>
+          <a:stretch>
+            <a:fillRect/>
+          </a:stretch>
+        </p:blipFill>
+        <p:spPr>
+          <a:xfrm>
+            <a:off x="838200" y="2753519"/>
+            <a:ext cx="2286000" cy="2495550"/>
+          </a:xfrm>
+          <a:prstGeom prst="rect">
+            <a:avLst/>
+          </a:prstGeom>
+        </p:spPr>
+      </p:pic>
+    </p:spTree>
+    <p:extLst>
+      <p:ext uri="{BB962C8B-B14F-4D97-AF65-F5344CB8AC3E}">
+        <p14:creationId xmlns:p14="http://schemas.microsoft.com/office/powerpoint/2010/main" val="2124013835"/>
+      </p:ext>
+    </p:extLst>
+  </p:cSld>
+  <p:clrMapOvr>
+    <a:masterClrMapping/>
+  </p:clrMapOvr>
+</p:sld>
+</file>
+
+<file path=ppt/slides/slide8.xml><?xml version="1.0" encoding="utf-8"?>
+<p:sld xmlns:a="http://schemas.openxmlformats.org/drawingml/2006/main" xmlns:r="http://schemas.openxmlformats.org/officeDocument/2006/relationships" xmlns:p="http://schemas.openxmlformats.org/presentationml/2006/main">
+  <p:cSld>
+    <p:spTree>
+      <p:nvGrpSpPr>
+        <p:cNvPr id="1" name=""/>
+        <p:cNvGrpSpPr/>
+        <p:nvPr/>
+      </p:nvGrpSpPr>
+      <p:grpSpPr>
+        <a:xfrm>
+          <a:off x="0" y="0"/>
+          <a:ext cx="0" cy="0"/>
+          <a:chOff x="0" y="0"/>
+          <a:chExt cx="0" cy="0"/>
+        </a:xfrm>
+      </p:grpSpPr>
+      <p:sp>
+        <p:nvSpPr>
+          <p:cNvPr id="2" name="제목 1"/>
+          <p:cNvSpPr>
+            <a:spLocks noGrp="1"/>
+          </p:cNvSpPr>
+          <p:nvPr>
+            <p:ph type="title"/>
+          </p:nvPr>
+        </p:nvSpPr>
+        <p:spPr/>
+        <p:txBody>
+          <a:bodyPr/>
+          <a:lstStyle/>
+          <a:p>
+            <a:r>
+              <a:rPr lang="ko-KR" altLang="en-US" dirty="0" smtClean="0"/>
+              <a:t>소년</a:t>
+            </a:r>
+            <a:r>
+              <a:rPr lang="ko-KR" altLang="en-US" dirty="0" smtClean="0"/>
+              <a:t> </a:t>
+            </a:r>
+            <a:r>
+              <a:rPr lang="ko-KR" altLang="en-US" dirty="0" smtClean="0"/>
+              <a:t>몬스터</a:t>
+            </a:r>
+            <a:endParaRPr lang="ko-KR" altLang="en-US" dirty="0"/>
+          </a:p>
+        </p:txBody>
+      </p:sp>
+      <p:sp>
+        <p:nvSpPr>
+          <p:cNvPr id="10" name="내용 개체 틀 2"/>
+          <p:cNvSpPr>
+            <a:spLocks noGrp="1"/>
+          </p:cNvSpPr>
+          <p:nvPr>
+            <p:ph idx="1"/>
+          </p:nvPr>
+        </p:nvSpPr>
+        <p:spPr>
+          <a:xfrm>
+            <a:off x="4018085" y="1825625"/>
+            <a:ext cx="7335715" cy="4351338"/>
+          </a:xfrm>
+        </p:spPr>
+        <p:txBody>
+          <a:bodyPr/>
+          <a:lstStyle/>
+          <a:p>
+            <a:r>
+              <a:rPr lang="ko-KR" altLang="en-US" sz="2400" dirty="0" smtClean="0"/>
+              <a:t>이 몬스터는 </a:t>
+            </a:r>
+            <a:r>
+              <a:rPr lang="ko-KR" altLang="en-US" sz="2400" dirty="0" smtClean="0"/>
+              <a:t>캐릭터가 탐지 범위 내에 있을 경우 제자리에 멈추고</a:t>
+            </a:r>
+            <a:r>
+              <a:rPr lang="en-US" altLang="ko-KR" sz="2400" dirty="0" smtClean="0"/>
+              <a:t>, </a:t>
+            </a:r>
+            <a:r>
+              <a:rPr lang="ko-KR" altLang="en-US" sz="2400" dirty="0" smtClean="0"/>
+              <a:t>공을 던진다</a:t>
+            </a:r>
+            <a:r>
+              <a:rPr lang="en-US" altLang="ko-KR" sz="2400" dirty="0" smtClean="0"/>
+              <a:t>.</a:t>
+            </a:r>
+          </a:p>
+          <a:p>
+            <a:r>
+              <a:rPr lang="ko-KR" altLang="en-US" sz="2400" b="1" dirty="0" smtClean="0">
+                <a:solidFill>
+                  <a:srgbClr val="FF0000"/>
+                </a:solidFill>
+              </a:rPr>
+              <a:t>소리치기는 </a:t>
+            </a:r>
+            <a:r>
+              <a:rPr lang="en-US" altLang="ko-KR" sz="2400" b="1" dirty="0" smtClean="0">
+                <a:solidFill>
+                  <a:srgbClr val="FF0000"/>
+                </a:solidFill>
+              </a:rPr>
+              <a:t>5</a:t>
+            </a:r>
+            <a:r>
+              <a:rPr lang="ko-KR" altLang="en-US" sz="2400" b="1" dirty="0" smtClean="0">
+                <a:solidFill>
+                  <a:srgbClr val="FF0000"/>
+                </a:solidFill>
+              </a:rPr>
+              <a:t>칸 범위</a:t>
+            </a:r>
+            <a:r>
+              <a:rPr lang="ko-KR" altLang="en-US" sz="2400" dirty="0" smtClean="0"/>
+              <a:t>에 영향을 미친다</a:t>
+            </a:r>
+            <a:r>
+              <a:rPr lang="en-US" altLang="ko-KR" sz="2400" dirty="0" smtClean="0"/>
+              <a:t>.</a:t>
+            </a:r>
+            <a:endParaRPr lang="en-US" altLang="ko-KR" sz="2400" dirty="0" smtClean="0"/>
+          </a:p>
+          <a:p>
+            <a:r>
+              <a:rPr lang="ko-KR" altLang="en-US" sz="2400" dirty="0" smtClean="0"/>
+              <a:t>소리치기 범위 내에 있으면 </a:t>
+            </a:r>
+            <a:r>
+              <a:rPr lang="ko-KR" altLang="en-US" sz="2400" b="1" dirty="0" smtClean="0">
+                <a:solidFill>
+                  <a:srgbClr val="FF0000"/>
+                </a:solidFill>
+              </a:rPr>
+              <a:t>캐릭터 속도가 절반</a:t>
+            </a:r>
+            <a:r>
+              <a:rPr lang="en-US" altLang="ko-KR" sz="2400" dirty="0" smtClean="0"/>
+              <a:t>.</a:t>
+            </a:r>
+          </a:p>
+          <a:p>
+            <a:endParaRPr lang="en-US" altLang="ko-KR" sz="2400" dirty="0" smtClean="0"/>
+          </a:p>
+          <a:p>
+            <a:endParaRPr lang="en-US" altLang="ko-KR" sz="2400" dirty="0"/>
+          </a:p>
+          <a:p>
+            <a:r>
+              <a:rPr lang="ko-KR" altLang="en-US" sz="2400" dirty="0"/>
+              <a:t>해당 몬스터의 처치 </a:t>
+            </a:r>
+            <a:r>
+              <a:rPr lang="ko-KR" altLang="en-US" sz="2400" dirty="0" smtClean="0"/>
+              <a:t>방법은 </a:t>
+            </a:r>
+            <a:r>
+              <a:rPr lang="en-US" altLang="ko-KR" sz="2400" b="1" dirty="0" smtClean="0">
+                <a:solidFill>
+                  <a:srgbClr val="FF0000"/>
+                </a:solidFill>
+              </a:rPr>
+              <a:t>&lt;</a:t>
+            </a:r>
+            <a:r>
+              <a:rPr lang="ko-KR" altLang="en-US" sz="2400" b="1" dirty="0" smtClean="0">
+                <a:solidFill>
+                  <a:srgbClr val="FF0000"/>
+                </a:solidFill>
+              </a:rPr>
+              <a:t>터치</a:t>
+            </a:r>
+            <a:r>
+              <a:rPr lang="en-US" altLang="ko-KR" sz="2400" b="1" dirty="0" smtClean="0">
+                <a:solidFill>
+                  <a:srgbClr val="FF0000"/>
+                </a:solidFill>
+              </a:rPr>
+              <a:t>&gt;</a:t>
+            </a:r>
+            <a:r>
+              <a:rPr lang="ko-KR" altLang="en-US" sz="2400" dirty="0"/>
+              <a:t>이다</a:t>
+            </a:r>
+            <a:r>
+              <a:rPr lang="en-US" altLang="ko-KR" sz="2400" dirty="0" smtClean="0"/>
+              <a:t>.</a:t>
+            </a:r>
+          </a:p>
+          <a:p>
+            <a:r>
+              <a:rPr lang="ko-KR" altLang="en-US" sz="2400" dirty="0" smtClean="0"/>
+              <a:t>이 몬스터와 캐릭터가 충돌하면 죽는다</a:t>
+            </a:r>
+            <a:r>
+              <a:rPr lang="en-US" altLang="ko-KR" sz="2400" dirty="0" smtClean="0"/>
+              <a:t>.</a:t>
+            </a:r>
+            <a:endParaRPr lang="en-US" altLang="ko-KR" sz="2400" dirty="0"/>
+          </a:p>
+          <a:p>
+            <a:endParaRPr lang="ko-KR" altLang="en-US" dirty="0"/>
+          </a:p>
+        </p:txBody>
+      </p:sp>
+      <p:pic>
+        <p:nvPicPr>
+          <p:cNvPr id="7" name="그림 6"/>
+          <p:cNvPicPr>
+            <a:picLocks noChangeAspect="1"/>
+          </p:cNvPicPr>
+          <p:nvPr/>
+        </p:nvPicPr>
+        <p:blipFill>
+          <a:blip r:embed="rId2"/>
+          <a:stretch>
+            <a:fillRect/>
+          </a:stretch>
+        </p:blipFill>
+        <p:spPr>
+          <a:xfrm>
+            <a:off x="838200" y="2824956"/>
+            <a:ext cx="2266950" cy="2352675"/>
+          </a:xfrm>
+          <a:prstGeom prst="rect">
+            <a:avLst/>
+          </a:prstGeom>
+        </p:spPr>
+      </p:pic>
+      <p:pic>
+        <p:nvPicPr>
+          <p:cNvPr id="3" name="그림 2"/>
+          <p:cNvPicPr>
+            <a:picLocks noChangeAspect="1"/>
+          </p:cNvPicPr>
+          <p:nvPr/>
+        </p:nvPicPr>
+        <p:blipFill>
+          <a:blip r:embed="rId3"/>
+          <a:stretch>
+            <a:fillRect/>
+          </a:stretch>
+        </p:blipFill>
+        <p:spPr>
+          <a:xfrm>
+            <a:off x="4981575" y="2171700"/>
+            <a:ext cx="2228850" cy="2514600"/>
+          </a:xfrm>
+          <a:prstGeom prst="rect">
+            <a:avLst/>
+          </a:prstGeom>
+        </p:spPr>
+      </p:pic>
+      <p:pic>
+        <p:nvPicPr>
+          <p:cNvPr id="4" name="그림 3"/>
+          <p:cNvPicPr>
+            <a:picLocks noChangeAspect="1"/>
+          </p:cNvPicPr>
+          <p:nvPr/>
+        </p:nvPicPr>
+        <p:blipFill>
+          <a:blip r:embed="rId4"/>
+          <a:stretch>
+            <a:fillRect/>
+          </a:stretch>
+        </p:blipFill>
+        <p:spPr>
+          <a:xfrm>
+            <a:off x="4881562" y="2243137"/>
+            <a:ext cx="2428875" cy="2371725"/>
+          </a:xfrm>
+          <a:prstGeom prst="rect">
+            <a:avLst/>
+          </a:prstGeom>
+        </p:spPr>
+      </p:pic>
+      <p:pic>
+        <p:nvPicPr>
+          <p:cNvPr id="6" name="그림 5"/>
+          <p:cNvPicPr>
+            <a:picLocks noChangeAspect="1"/>
+          </p:cNvPicPr>
+          <p:nvPr/>
+        </p:nvPicPr>
+        <p:blipFill>
+          <a:blip r:embed="rId5"/>
+          <a:stretch>
+            <a:fillRect/>
+          </a:stretch>
+        </p:blipFill>
+        <p:spPr>
+          <a:xfrm>
+            <a:off x="5043487" y="2252662"/>
+            <a:ext cx="2105025" cy="2352675"/>
+          </a:xfrm>
+          <a:prstGeom prst="rect">
+            <a:avLst/>
+          </a:prstGeom>
+        </p:spPr>
+      </p:pic>
+      <p:pic>
+        <p:nvPicPr>
+          <p:cNvPr id="8" name="그림 7"/>
+          <p:cNvPicPr>
+            <a:picLocks noChangeAspect="1"/>
+          </p:cNvPicPr>
+          <p:nvPr/>
+        </p:nvPicPr>
+        <p:blipFill>
+          <a:blip r:embed="rId6"/>
+          <a:stretch>
+            <a:fillRect/>
+          </a:stretch>
+        </p:blipFill>
+        <p:spPr>
+          <a:xfrm>
+            <a:off x="5038725" y="2219325"/>
+            <a:ext cx="2114550" cy="2419350"/>
+          </a:xfrm>
+          <a:prstGeom prst="rect">
+            <a:avLst/>
+          </a:prstGeom>
+        </p:spPr>
+      </p:pic>
+      <p:pic>
+        <p:nvPicPr>
+          <p:cNvPr id="9" name="그림 8"/>
+          <p:cNvPicPr>
+            <a:picLocks noChangeAspect="1"/>
+          </p:cNvPicPr>
+          <p:nvPr/>
+        </p:nvPicPr>
+        <p:blipFill>
+          <a:blip r:embed="rId7"/>
+          <a:stretch>
+            <a:fillRect/>
+          </a:stretch>
+        </p:blipFill>
+        <p:spPr>
+          <a:xfrm>
+            <a:off x="4967287" y="2247900"/>
+            <a:ext cx="2257425" cy="2362200"/>
+          </a:xfrm>
+          <a:prstGeom prst="rect">
+            <a:avLst/>
+          </a:prstGeom>
+        </p:spPr>
+      </p:pic>
+      <p:pic>
+        <p:nvPicPr>
+          <p:cNvPr id="11" name="그림 10"/>
+          <p:cNvPicPr>
+            <a:picLocks noChangeAspect="1"/>
+          </p:cNvPicPr>
+          <p:nvPr/>
+        </p:nvPicPr>
+        <p:blipFill>
+          <a:blip r:embed="rId8"/>
+          <a:stretch>
+            <a:fillRect/>
+          </a:stretch>
+        </p:blipFill>
+        <p:spPr>
+          <a:xfrm>
+            <a:off x="4991100" y="2266950"/>
+            <a:ext cx="2209800" cy="2324100"/>
+          </a:xfrm>
+          <a:prstGeom prst="rect">
+            <a:avLst/>
+          </a:prstGeom>
+        </p:spPr>
+      </p:pic>
+      <p:pic>
+        <p:nvPicPr>
+          <p:cNvPr id="12" name="그림 11"/>
+          <p:cNvPicPr>
+            <a:picLocks noChangeAspect="1"/>
+          </p:cNvPicPr>
+          <p:nvPr/>
+        </p:nvPicPr>
+        <p:blipFill>
+          <a:blip r:embed="rId9"/>
+          <a:stretch>
+            <a:fillRect/>
+          </a:stretch>
+        </p:blipFill>
+        <p:spPr>
+          <a:xfrm>
+            <a:off x="4876800" y="2257425"/>
+            <a:ext cx="2438400" cy="2343150"/>
+          </a:xfrm>
+          <a:prstGeom prst="rect">
+            <a:avLst/>
+          </a:prstGeom>
+        </p:spPr>
+      </p:pic>
+    </p:spTree>
+    <p:extLst>
+      <p:ext uri="{BB962C8B-B14F-4D97-AF65-F5344CB8AC3E}">
+        <p14:creationId xmlns:p14="http://schemas.microsoft.com/office/powerpoint/2010/main" val="55637616"/>
       </p:ext>
     </p:extLst>
   </p:cSld>

--- a/시간의 마녀_몬스터 기획.pptx
+++ b/시간의 마녀_몬스터 기획.pptx
@@ -5,7 +5,7 @@
     <p:sldMasterId id="2147483648" r:id="rId1"/>
   </p:sldMasterIdLst>
   <p:notesMasterIdLst>
-    <p:notesMasterId r:id="rId10"/>
+    <p:notesMasterId r:id="rId20"/>
   </p:notesMasterIdLst>
   <p:sldIdLst>
     <p:sldId id="256" r:id="rId2"/>
@@ -13,9 +13,19 @@
     <p:sldId id="259" r:id="rId4"/>
     <p:sldId id="260" r:id="rId5"/>
     <p:sldId id="263" r:id="rId6"/>
-    <p:sldId id="261" r:id="rId7"/>
-    <p:sldId id="264" r:id="rId8"/>
-    <p:sldId id="265" r:id="rId9"/>
+    <p:sldId id="268" r:id="rId7"/>
+    <p:sldId id="261" r:id="rId8"/>
+    <p:sldId id="270" r:id="rId9"/>
+    <p:sldId id="264" r:id="rId10"/>
+    <p:sldId id="266" r:id="rId11"/>
+    <p:sldId id="269" r:id="rId12"/>
+    <p:sldId id="275" r:id="rId13"/>
+    <p:sldId id="273" r:id="rId14"/>
+    <p:sldId id="265" r:id="rId15"/>
+    <p:sldId id="267" r:id="rId16"/>
+    <p:sldId id="272" r:id="rId17"/>
+    <p:sldId id="274" r:id="rId18"/>
+    <p:sldId id="271" r:id="rId19"/>
   </p:sldIdLst>
   <p:sldSz cx="12192000" cy="6858000"/>
   <p:notesSz cx="6858000" cy="9144000"/>
@@ -204,7 +214,7 @@
           <a:p>
             <a:fld id="{DB4FF8FE-3A01-4120-9EC2-56800946FBB5}" type="datetimeFigureOut">
               <a:rPr lang="ko-KR" altLang="en-US" smtClean="0"/>
-              <a:t>2021-06-01</a:t>
+              <a:t>2021-06-02</a:t>
             </a:fld>
             <a:endParaRPr lang="ko-KR" altLang="en-US"/>
           </a:p>
@@ -687,7 +697,7 @@
           <a:p>
             <a:fld id="{F8AF7060-645F-4EFD-ACD4-9444A47FE49E}" type="datetimeFigureOut">
               <a:rPr lang="ko-KR" altLang="en-US" smtClean="0"/>
-              <a:t>2021-06-01</a:t>
+              <a:t>2021-06-02</a:t>
             </a:fld>
             <a:endParaRPr lang="ko-KR" altLang="en-US"/>
           </a:p>
@@ -857,7 +867,7 @@
           <a:p>
             <a:fld id="{F8AF7060-645F-4EFD-ACD4-9444A47FE49E}" type="datetimeFigureOut">
               <a:rPr lang="ko-KR" altLang="en-US" smtClean="0"/>
-              <a:t>2021-06-01</a:t>
+              <a:t>2021-06-02</a:t>
             </a:fld>
             <a:endParaRPr lang="ko-KR" altLang="en-US"/>
           </a:p>
@@ -1037,7 +1047,7 @@
           <a:p>
             <a:fld id="{F8AF7060-645F-4EFD-ACD4-9444A47FE49E}" type="datetimeFigureOut">
               <a:rPr lang="ko-KR" altLang="en-US" smtClean="0"/>
-              <a:t>2021-06-01</a:t>
+              <a:t>2021-06-02</a:t>
             </a:fld>
             <a:endParaRPr lang="ko-KR" altLang="en-US"/>
           </a:p>
@@ -1207,7 +1217,7 @@
           <a:p>
             <a:fld id="{F8AF7060-645F-4EFD-ACD4-9444A47FE49E}" type="datetimeFigureOut">
               <a:rPr lang="ko-KR" altLang="en-US" smtClean="0"/>
-              <a:t>2021-06-01</a:t>
+              <a:t>2021-06-02</a:t>
             </a:fld>
             <a:endParaRPr lang="ko-KR" altLang="en-US"/>
           </a:p>
@@ -1453,7 +1463,7 @@
           <a:p>
             <a:fld id="{F8AF7060-645F-4EFD-ACD4-9444A47FE49E}" type="datetimeFigureOut">
               <a:rPr lang="ko-KR" altLang="en-US" smtClean="0"/>
-              <a:t>2021-06-01</a:t>
+              <a:t>2021-06-02</a:t>
             </a:fld>
             <a:endParaRPr lang="ko-KR" altLang="en-US"/>
           </a:p>
@@ -1685,7 +1695,7 @@
           <a:p>
             <a:fld id="{F8AF7060-645F-4EFD-ACD4-9444A47FE49E}" type="datetimeFigureOut">
               <a:rPr lang="ko-KR" altLang="en-US" smtClean="0"/>
-              <a:t>2021-06-01</a:t>
+              <a:t>2021-06-02</a:t>
             </a:fld>
             <a:endParaRPr lang="ko-KR" altLang="en-US"/>
           </a:p>
@@ -2052,7 +2062,7 @@
           <a:p>
             <a:fld id="{F8AF7060-645F-4EFD-ACD4-9444A47FE49E}" type="datetimeFigureOut">
               <a:rPr lang="ko-KR" altLang="en-US" smtClean="0"/>
-              <a:t>2021-06-01</a:t>
+              <a:t>2021-06-02</a:t>
             </a:fld>
             <a:endParaRPr lang="ko-KR" altLang="en-US"/>
           </a:p>
@@ -2170,7 +2180,7 @@
           <a:p>
             <a:fld id="{F8AF7060-645F-4EFD-ACD4-9444A47FE49E}" type="datetimeFigureOut">
               <a:rPr lang="ko-KR" altLang="en-US" smtClean="0"/>
-              <a:t>2021-06-01</a:t>
+              <a:t>2021-06-02</a:t>
             </a:fld>
             <a:endParaRPr lang="ko-KR" altLang="en-US"/>
           </a:p>
@@ -2265,7 +2275,7 @@
           <a:p>
             <a:fld id="{F8AF7060-645F-4EFD-ACD4-9444A47FE49E}" type="datetimeFigureOut">
               <a:rPr lang="ko-KR" altLang="en-US" smtClean="0"/>
-              <a:t>2021-06-01</a:t>
+              <a:t>2021-06-02</a:t>
             </a:fld>
             <a:endParaRPr lang="ko-KR" altLang="en-US"/>
           </a:p>
@@ -2542,7 +2552,7 @@
           <a:p>
             <a:fld id="{F8AF7060-645F-4EFD-ACD4-9444A47FE49E}" type="datetimeFigureOut">
               <a:rPr lang="ko-KR" altLang="en-US" smtClean="0"/>
-              <a:t>2021-06-01</a:t>
+              <a:t>2021-06-02</a:t>
             </a:fld>
             <a:endParaRPr lang="ko-KR" altLang="en-US"/>
           </a:p>
@@ -2795,7 +2805,7 @@
           <a:p>
             <a:fld id="{F8AF7060-645F-4EFD-ACD4-9444A47FE49E}" type="datetimeFigureOut">
               <a:rPr lang="ko-KR" altLang="en-US" smtClean="0"/>
-              <a:t>2021-06-01</a:t>
+              <a:t>2021-06-02</a:t>
             </a:fld>
             <a:endParaRPr lang="ko-KR" altLang="en-US"/>
           </a:p>
@@ -3008,7 +3018,7 @@
           <a:p>
             <a:fld id="{F8AF7060-645F-4EFD-ACD4-9444A47FE49E}" type="datetimeFigureOut">
               <a:rPr lang="ko-KR" altLang="en-US" smtClean="0"/>
-              <a:t>2021-06-01</a:t>
+              <a:t>2021-06-02</a:t>
             </a:fld>
             <a:endParaRPr lang="ko-KR" altLang="en-US"/>
           </a:p>
@@ -3518,6 +3528,1503 @@
   <p:clrMapOvr>
     <a:masterClrMapping/>
   </p:clrMapOvr>
+  <p:timing>
+    <p:tnLst>
+      <p:par>
+        <p:cTn id="1" dur="indefinite" restart="never" nodeType="tmRoot"/>
+      </p:par>
+    </p:tnLst>
+  </p:timing>
+</p:sld>
+</file>
+
+<file path=ppt/slides/slide10.xml><?xml version="1.0" encoding="utf-8"?>
+<p:sld xmlns:a="http://schemas.openxmlformats.org/drawingml/2006/main" xmlns:r="http://schemas.openxmlformats.org/officeDocument/2006/relationships" xmlns:p="http://schemas.openxmlformats.org/presentationml/2006/main">
+  <p:cSld>
+    <p:spTree>
+      <p:nvGrpSpPr>
+        <p:cNvPr id="1" name=""/>
+        <p:cNvGrpSpPr/>
+        <p:nvPr/>
+      </p:nvGrpSpPr>
+      <p:grpSpPr>
+        <a:xfrm>
+          <a:off x="0" y="0"/>
+          <a:ext cx="0" cy="0"/>
+          <a:chOff x="0" y="0"/>
+          <a:chExt cx="0" cy="0"/>
+        </a:xfrm>
+      </p:grpSpPr>
+      <p:sp>
+        <p:nvSpPr>
+          <p:cNvPr id="2" name="제목 1"/>
+          <p:cNvSpPr>
+            <a:spLocks noGrp="1"/>
+          </p:cNvSpPr>
+          <p:nvPr>
+            <p:ph type="title"/>
+          </p:nvPr>
+        </p:nvSpPr>
+        <p:spPr/>
+        <p:txBody>
+          <a:bodyPr/>
+          <a:lstStyle/>
+          <a:p>
+            <a:r>
+              <a:rPr lang="ko-KR" altLang="en-US" dirty="0" smtClean="0"/>
+              <a:t>소년 몬스터</a:t>
+            </a:r>
+            <a:endParaRPr lang="ko-KR" altLang="en-US" dirty="0"/>
+          </a:p>
+        </p:txBody>
+      </p:sp>
+      <p:sp>
+        <p:nvSpPr>
+          <p:cNvPr id="10" name="내용 개체 틀 2"/>
+          <p:cNvSpPr>
+            <a:spLocks noGrp="1"/>
+          </p:cNvSpPr>
+          <p:nvPr>
+            <p:ph idx="1"/>
+          </p:nvPr>
+        </p:nvSpPr>
+        <p:spPr>
+          <a:xfrm>
+            <a:off x="4018085" y="1825625"/>
+            <a:ext cx="7335715" cy="4351338"/>
+          </a:xfrm>
+        </p:spPr>
+        <p:txBody>
+          <a:bodyPr/>
+          <a:lstStyle/>
+          <a:p>
+            <a:r>
+              <a:rPr lang="ko-KR" altLang="en-US" sz="2400" dirty="0" smtClean="0"/>
+              <a:t>이 몬스터는 캐릭터가 탐지 범위 내에 있을 경우 제자리에 멈추고</a:t>
+            </a:r>
+            <a:r>
+              <a:rPr lang="en-US" altLang="ko-KR" sz="2400" dirty="0" smtClean="0"/>
+              <a:t>, </a:t>
+            </a:r>
+            <a:r>
+              <a:rPr lang="ko-KR" altLang="en-US" sz="2400" b="1" dirty="0" smtClean="0">
+                <a:solidFill>
+                  <a:srgbClr val="FF0000"/>
+                </a:solidFill>
+              </a:rPr>
+              <a:t>공을 던진다</a:t>
+            </a:r>
+            <a:r>
+              <a:rPr lang="en-US" altLang="ko-KR" sz="2400" dirty="0" smtClean="0"/>
+              <a:t>.</a:t>
+            </a:r>
+          </a:p>
+          <a:p>
+            <a:r>
+              <a:rPr lang="ko-KR" altLang="en-US" sz="2400" dirty="0" smtClean="0"/>
+              <a:t>공에 맞으면 </a:t>
+            </a:r>
+            <a:r>
+              <a:rPr lang="en-US" altLang="ko-KR" sz="2400" dirty="0" smtClean="0"/>
+              <a:t>0.1 </a:t>
+            </a:r>
+            <a:r>
+              <a:rPr lang="ko-KR" altLang="en-US" sz="2400" dirty="0" smtClean="0"/>
+              <a:t>데미지를 입는다</a:t>
+            </a:r>
+            <a:r>
+              <a:rPr lang="en-US" altLang="ko-KR" sz="2400" dirty="0" smtClean="0"/>
+              <a:t>.</a:t>
+            </a:r>
+            <a:endParaRPr lang="en-US" altLang="ko-KR" sz="2400" dirty="0" smtClean="0"/>
+          </a:p>
+          <a:p>
+            <a:endParaRPr lang="en-US" altLang="ko-KR" sz="2400" dirty="0"/>
+          </a:p>
+          <a:p>
+            <a:r>
+              <a:rPr lang="ko-KR" altLang="en-US" sz="2400" dirty="0"/>
+              <a:t>해당 몬스터의 처치 </a:t>
+            </a:r>
+            <a:r>
+              <a:rPr lang="ko-KR" altLang="en-US" sz="2400" dirty="0" smtClean="0"/>
+              <a:t>방법은 </a:t>
+            </a:r>
+            <a:r>
+              <a:rPr lang="en-US" altLang="ko-KR" sz="2400" b="1" dirty="0" smtClean="0">
+                <a:solidFill>
+                  <a:srgbClr val="FF0000"/>
+                </a:solidFill>
+              </a:rPr>
+              <a:t>&lt;</a:t>
+            </a:r>
+            <a:r>
+              <a:rPr lang="ko-KR" altLang="en-US" sz="2400" b="1" dirty="0" smtClean="0">
+                <a:solidFill>
+                  <a:srgbClr val="FF0000"/>
+                </a:solidFill>
+              </a:rPr>
+              <a:t>터치</a:t>
+            </a:r>
+            <a:r>
+              <a:rPr lang="en-US" altLang="ko-KR" sz="2400" b="1" dirty="0" smtClean="0">
+                <a:solidFill>
+                  <a:srgbClr val="FF0000"/>
+                </a:solidFill>
+              </a:rPr>
+              <a:t>&gt;</a:t>
+            </a:r>
+            <a:r>
+              <a:rPr lang="ko-KR" altLang="en-US" sz="2400" dirty="0"/>
+              <a:t>이다</a:t>
+            </a:r>
+            <a:r>
+              <a:rPr lang="en-US" altLang="ko-KR" sz="2400" dirty="0" smtClean="0"/>
+              <a:t>.</a:t>
+            </a:r>
+          </a:p>
+          <a:p>
+            <a:r>
+              <a:rPr lang="ko-KR" altLang="en-US" sz="2400" dirty="0" smtClean="0"/>
+              <a:t>이 몬스터는 </a:t>
+            </a:r>
+            <a:r>
+              <a:rPr lang="ko-KR" altLang="en-US" sz="2400" dirty="0" smtClean="0"/>
+              <a:t>캐릭터</a:t>
+            </a:r>
+            <a:r>
+              <a:rPr lang="ko-KR" altLang="en-US" sz="2400" dirty="0" smtClean="0"/>
+              <a:t>와</a:t>
+            </a:r>
+            <a:r>
+              <a:rPr lang="ko-KR" altLang="en-US" sz="2400" dirty="0" smtClean="0"/>
+              <a:t> </a:t>
+            </a:r>
+            <a:r>
+              <a:rPr lang="ko-KR" altLang="en-US" sz="2400" dirty="0" smtClean="0"/>
+              <a:t>충돌하면 죽는다</a:t>
+            </a:r>
+            <a:r>
+              <a:rPr lang="en-US" altLang="ko-KR" sz="2400" dirty="0" smtClean="0"/>
+              <a:t>.</a:t>
+            </a:r>
+            <a:endParaRPr lang="en-US" altLang="ko-KR" sz="2400" dirty="0"/>
+          </a:p>
+          <a:p>
+            <a:r>
+              <a:rPr lang="ko-KR" altLang="en-US" sz="2400" dirty="0"/>
+              <a:t>이 몬스터와 충돌해도 데미지를 받지 않는다</a:t>
+            </a:r>
+            <a:r>
+              <a:rPr lang="en-US" altLang="ko-KR" sz="2400" dirty="0"/>
+              <a:t>.</a:t>
+            </a:r>
+          </a:p>
+          <a:p>
+            <a:endParaRPr lang="en-US" altLang="ko-KR" sz="2400" dirty="0"/>
+          </a:p>
+          <a:p>
+            <a:endParaRPr lang="ko-KR" altLang="en-US" dirty="0"/>
+          </a:p>
+        </p:txBody>
+      </p:sp>
+      <p:pic>
+        <p:nvPicPr>
+          <p:cNvPr id="7" name="그림 6"/>
+          <p:cNvPicPr>
+            <a:picLocks noChangeAspect="1"/>
+          </p:cNvPicPr>
+          <p:nvPr/>
+        </p:nvPicPr>
+        <p:blipFill>
+          <a:blip r:embed="rId2"/>
+          <a:stretch>
+            <a:fillRect/>
+          </a:stretch>
+        </p:blipFill>
+        <p:spPr>
+          <a:xfrm>
+            <a:off x="838200" y="2824956"/>
+            <a:ext cx="2266950" cy="2352675"/>
+          </a:xfrm>
+          <a:prstGeom prst="rect">
+            <a:avLst/>
+          </a:prstGeom>
+        </p:spPr>
+      </p:pic>
+    </p:spTree>
+    <p:extLst>
+      <p:ext uri="{BB962C8B-B14F-4D97-AF65-F5344CB8AC3E}">
+        <p14:creationId xmlns:p14="http://schemas.microsoft.com/office/powerpoint/2010/main" val="2116696740"/>
+      </p:ext>
+    </p:extLst>
+  </p:cSld>
+  <p:clrMapOvr>
+    <a:masterClrMapping/>
+  </p:clrMapOvr>
+  <p:timing>
+    <p:tnLst>
+      <p:par>
+        <p:cTn id="1" dur="indefinite" restart="never" nodeType="tmRoot"/>
+      </p:par>
+    </p:tnLst>
+  </p:timing>
+</p:sld>
+</file>
+
+<file path=ppt/slides/slide11.xml><?xml version="1.0" encoding="utf-8"?>
+<p:sld xmlns:a="http://schemas.openxmlformats.org/drawingml/2006/main" xmlns:r="http://schemas.openxmlformats.org/officeDocument/2006/relationships" xmlns:p="http://schemas.openxmlformats.org/presentationml/2006/main">
+  <p:cSld>
+    <p:spTree>
+      <p:nvGrpSpPr>
+        <p:cNvPr id="1" name=""/>
+        <p:cNvGrpSpPr/>
+        <p:nvPr/>
+      </p:nvGrpSpPr>
+      <p:grpSpPr>
+        <a:xfrm>
+          <a:off x="0" y="0"/>
+          <a:ext cx="0" cy="0"/>
+          <a:chOff x="0" y="0"/>
+          <a:chExt cx="0" cy="0"/>
+        </a:xfrm>
+      </p:grpSpPr>
+      <p:sp>
+        <p:nvSpPr>
+          <p:cNvPr id="2" name="제목 1"/>
+          <p:cNvSpPr>
+            <a:spLocks noGrp="1"/>
+          </p:cNvSpPr>
+          <p:nvPr>
+            <p:ph type="title"/>
+          </p:nvPr>
+        </p:nvSpPr>
+        <p:spPr/>
+        <p:txBody>
+          <a:bodyPr/>
+          <a:lstStyle/>
+          <a:p>
+            <a:r>
+              <a:rPr lang="ko-KR" altLang="en-US" dirty="0" smtClean="0"/>
+              <a:t>우체부 몬스터</a:t>
+            </a:r>
+            <a:endParaRPr lang="ko-KR" altLang="en-US" dirty="0"/>
+          </a:p>
+        </p:txBody>
+      </p:sp>
+      <p:sp>
+        <p:nvSpPr>
+          <p:cNvPr id="10" name="내용 개체 틀 2"/>
+          <p:cNvSpPr>
+            <a:spLocks noGrp="1"/>
+          </p:cNvSpPr>
+          <p:nvPr>
+            <p:ph idx="1"/>
+          </p:nvPr>
+        </p:nvSpPr>
+        <p:spPr>
+          <a:xfrm>
+            <a:off x="4018085" y="1825625"/>
+            <a:ext cx="7335715" cy="4351338"/>
+          </a:xfrm>
+        </p:spPr>
+        <p:txBody>
+          <a:bodyPr/>
+          <a:lstStyle/>
+          <a:p>
+            <a:r>
+              <a:rPr lang="ko-KR" altLang="en-US" sz="2400" dirty="0" smtClean="0"/>
+              <a:t>이 몬스터는 </a:t>
+            </a:r>
+            <a:r>
+              <a:rPr lang="ko-KR" altLang="en-US" sz="2400" b="1" dirty="0" smtClean="0">
+                <a:solidFill>
+                  <a:srgbClr val="FF0000"/>
+                </a:solidFill>
+              </a:rPr>
+              <a:t>특수 몬스터</a:t>
+            </a:r>
+            <a:r>
+              <a:rPr lang="ko-KR" altLang="en-US" sz="2400" dirty="0" smtClean="0"/>
+              <a:t>이다</a:t>
+            </a:r>
+            <a:r>
+              <a:rPr lang="en-US" altLang="ko-KR" sz="2400" dirty="0" smtClean="0"/>
+              <a:t>.</a:t>
+            </a:r>
+          </a:p>
+          <a:p>
+            <a:r>
+              <a:rPr lang="ko-KR" altLang="en-US" sz="2400" dirty="0" smtClean="0"/>
+              <a:t>이 몬스터와 충돌하면 </a:t>
+            </a:r>
+            <a:r>
+              <a:rPr lang="ko-KR" altLang="en-US" sz="2400" b="1" dirty="0" smtClean="0">
+                <a:solidFill>
+                  <a:srgbClr val="FF0000"/>
+                </a:solidFill>
+              </a:rPr>
+              <a:t>편지</a:t>
+            </a:r>
+            <a:r>
+              <a:rPr lang="ko-KR" altLang="en-US" sz="2400" dirty="0" smtClean="0"/>
+              <a:t>를 준다</a:t>
+            </a:r>
+            <a:r>
+              <a:rPr lang="en-US" altLang="ko-KR" sz="2400" dirty="0" smtClean="0"/>
+              <a:t>.</a:t>
+            </a:r>
+          </a:p>
+          <a:p>
+            <a:r>
+              <a:rPr lang="ko-KR" altLang="en-US" sz="2400" dirty="0" smtClean="0"/>
+              <a:t>편지는 내용에 따라 </a:t>
+            </a:r>
+            <a:r>
+              <a:rPr lang="ko-KR" altLang="en-US" sz="2400" b="1" dirty="0" smtClean="0">
+                <a:solidFill>
+                  <a:srgbClr val="FF0000"/>
+                </a:solidFill>
+              </a:rPr>
+              <a:t>퀘스트</a:t>
+            </a:r>
+            <a:r>
+              <a:rPr lang="ko-KR" altLang="en-US" sz="2400" dirty="0" smtClean="0"/>
+              <a:t>가 부여된다</a:t>
+            </a:r>
+            <a:r>
+              <a:rPr lang="en-US" altLang="ko-KR" sz="2400" dirty="0" smtClean="0"/>
+              <a:t>.</a:t>
+            </a:r>
+            <a:endParaRPr lang="en-US" altLang="ko-KR" sz="2400" dirty="0" smtClean="0"/>
+          </a:p>
+          <a:p>
+            <a:pPr marL="0" indent="0">
+              <a:buNone/>
+            </a:pPr>
+            <a:endParaRPr lang="en-US" altLang="ko-KR" sz="2400" dirty="0" smtClean="0"/>
+          </a:p>
+          <a:p>
+            <a:r>
+              <a:rPr lang="ko-KR" altLang="en-US" sz="2400" dirty="0"/>
+              <a:t>해당 몬스터의 처치 방법은 </a:t>
+            </a:r>
+            <a:r>
+              <a:rPr lang="en-US" altLang="ko-KR" sz="2400" b="1" dirty="0">
+                <a:solidFill>
+                  <a:srgbClr val="FF0000"/>
+                </a:solidFill>
+              </a:rPr>
+              <a:t>&lt;</a:t>
+            </a:r>
+            <a:r>
+              <a:rPr lang="ko-KR" altLang="en-US" sz="2400" b="1" dirty="0">
+                <a:solidFill>
+                  <a:srgbClr val="FF0000"/>
+                </a:solidFill>
+              </a:rPr>
+              <a:t>터치</a:t>
+            </a:r>
+            <a:r>
+              <a:rPr lang="en-US" altLang="ko-KR" sz="2400" b="1" dirty="0">
+                <a:solidFill>
+                  <a:srgbClr val="FF0000"/>
+                </a:solidFill>
+              </a:rPr>
+              <a:t>&gt;</a:t>
+            </a:r>
+            <a:r>
+              <a:rPr lang="ko-KR" altLang="en-US" sz="2400" dirty="0"/>
+              <a:t>이다</a:t>
+            </a:r>
+            <a:r>
+              <a:rPr lang="en-US" altLang="ko-KR" sz="2400" dirty="0"/>
+              <a:t>.</a:t>
+            </a:r>
+          </a:p>
+          <a:p>
+            <a:r>
+              <a:rPr lang="ko-KR" altLang="en-US" sz="2400" dirty="0"/>
+              <a:t>이 몬스터는 캐릭터와 충돌하면 죽는다</a:t>
+            </a:r>
+            <a:r>
+              <a:rPr lang="en-US" altLang="ko-KR" sz="2400" dirty="0"/>
+              <a:t>.</a:t>
+            </a:r>
+          </a:p>
+          <a:p>
+            <a:r>
+              <a:rPr lang="ko-KR" altLang="en-US" sz="2400" dirty="0"/>
+              <a:t>이 몬스터와 충돌해도 데미지를 받지 않는다</a:t>
+            </a:r>
+            <a:r>
+              <a:rPr lang="en-US" altLang="ko-KR" sz="2400" dirty="0"/>
+              <a:t>.</a:t>
+            </a:r>
+          </a:p>
+          <a:p>
+            <a:endParaRPr lang="ko-KR" altLang="en-US" dirty="0"/>
+          </a:p>
+        </p:txBody>
+      </p:sp>
+      <p:pic>
+        <p:nvPicPr>
+          <p:cNvPr id="8" name="그림 7"/>
+          <p:cNvPicPr>
+            <a:picLocks noChangeAspect="1"/>
+          </p:cNvPicPr>
+          <p:nvPr/>
+        </p:nvPicPr>
+        <p:blipFill>
+          <a:blip r:embed="rId2"/>
+          <a:stretch>
+            <a:fillRect/>
+          </a:stretch>
+        </p:blipFill>
+        <p:spPr>
+          <a:xfrm>
+            <a:off x="959095" y="2791619"/>
+            <a:ext cx="2114550" cy="2419350"/>
+          </a:xfrm>
+          <a:prstGeom prst="rect">
+            <a:avLst/>
+          </a:prstGeom>
+        </p:spPr>
+      </p:pic>
+    </p:spTree>
+    <p:extLst>
+      <p:ext uri="{BB962C8B-B14F-4D97-AF65-F5344CB8AC3E}">
+        <p14:creationId xmlns:p14="http://schemas.microsoft.com/office/powerpoint/2010/main" val="3348535418"/>
+      </p:ext>
+    </p:extLst>
+  </p:cSld>
+  <p:clrMapOvr>
+    <a:masterClrMapping/>
+  </p:clrMapOvr>
+  <p:timing>
+    <p:tnLst>
+      <p:par>
+        <p:cTn id="1" dur="indefinite" restart="never" nodeType="tmRoot"/>
+      </p:par>
+    </p:tnLst>
+  </p:timing>
+</p:sld>
+</file>
+
+<file path=ppt/slides/slide12.xml><?xml version="1.0" encoding="utf-8"?>
+<p:sld xmlns:a="http://schemas.openxmlformats.org/drawingml/2006/main" xmlns:r="http://schemas.openxmlformats.org/officeDocument/2006/relationships" xmlns:p="http://schemas.openxmlformats.org/presentationml/2006/main">
+  <p:cSld>
+    <p:spTree>
+      <p:nvGrpSpPr>
+        <p:cNvPr id="1" name=""/>
+        <p:cNvGrpSpPr/>
+        <p:nvPr/>
+      </p:nvGrpSpPr>
+      <p:grpSpPr>
+        <a:xfrm>
+          <a:off x="0" y="0"/>
+          <a:ext cx="0" cy="0"/>
+          <a:chOff x="0" y="0"/>
+          <a:chExt cx="0" cy="0"/>
+        </a:xfrm>
+      </p:grpSpPr>
+      <p:sp>
+        <p:nvSpPr>
+          <p:cNvPr id="2" name="제목 1"/>
+          <p:cNvSpPr>
+            <a:spLocks noGrp="1"/>
+          </p:cNvSpPr>
+          <p:nvPr>
+            <p:ph type="title"/>
+          </p:nvPr>
+        </p:nvSpPr>
+        <p:spPr/>
+        <p:txBody>
+          <a:bodyPr/>
+          <a:lstStyle/>
+          <a:p>
+            <a:r>
+              <a:rPr lang="ko-KR" altLang="en-US" dirty="0" smtClean="0"/>
+              <a:t>간호사 몬스터</a:t>
+            </a:r>
+            <a:endParaRPr lang="ko-KR" altLang="en-US" dirty="0"/>
+          </a:p>
+        </p:txBody>
+      </p:sp>
+      <p:sp>
+        <p:nvSpPr>
+          <p:cNvPr id="10" name="내용 개체 틀 2"/>
+          <p:cNvSpPr>
+            <a:spLocks noGrp="1"/>
+          </p:cNvSpPr>
+          <p:nvPr>
+            <p:ph idx="1"/>
+          </p:nvPr>
+        </p:nvSpPr>
+        <p:spPr>
+          <a:xfrm>
+            <a:off x="4018085" y="1825625"/>
+            <a:ext cx="7335715" cy="4351338"/>
+          </a:xfrm>
+        </p:spPr>
+        <p:txBody>
+          <a:bodyPr/>
+          <a:lstStyle/>
+          <a:p>
+            <a:r>
+              <a:rPr lang="ko-KR" altLang="en-US" sz="2400" dirty="0"/>
+              <a:t>이 몬스터는 </a:t>
+            </a:r>
+            <a:r>
+              <a:rPr lang="ko-KR" altLang="en-US" sz="2400" b="1" dirty="0">
+                <a:solidFill>
+                  <a:srgbClr val="FF0000"/>
+                </a:solidFill>
+              </a:rPr>
+              <a:t>특수 몬스터</a:t>
+            </a:r>
+            <a:r>
+              <a:rPr lang="ko-KR" altLang="en-US" sz="2400" dirty="0"/>
+              <a:t>이다</a:t>
+            </a:r>
+            <a:r>
+              <a:rPr lang="en-US" altLang="ko-KR" sz="2400" dirty="0"/>
+              <a:t>.</a:t>
+            </a:r>
+          </a:p>
+          <a:p>
+            <a:r>
+              <a:rPr lang="ko-KR" altLang="en-US" sz="2400" dirty="0"/>
+              <a:t>이 몬스터와 충돌하면 </a:t>
+            </a:r>
+            <a:r>
+              <a:rPr lang="ko-KR" altLang="en-US" sz="2400" b="1" dirty="0" smtClean="0">
+                <a:solidFill>
+                  <a:srgbClr val="FF0000"/>
+                </a:solidFill>
+              </a:rPr>
+              <a:t>체력을 회복</a:t>
+            </a:r>
+            <a:r>
+              <a:rPr lang="ko-KR" altLang="en-US" sz="2400" dirty="0" smtClean="0"/>
+              <a:t>시켜준다</a:t>
+            </a:r>
+            <a:r>
+              <a:rPr lang="en-US" altLang="ko-KR" sz="2400" dirty="0" smtClean="0"/>
+              <a:t>.</a:t>
+            </a:r>
+          </a:p>
+          <a:p>
+            <a:endParaRPr lang="en-US" altLang="ko-KR" sz="2400" dirty="0"/>
+          </a:p>
+          <a:p>
+            <a:r>
+              <a:rPr lang="ko-KR" altLang="en-US" sz="2400" dirty="0"/>
+              <a:t>해당 몬스터의 처치 방법은 </a:t>
+            </a:r>
+            <a:r>
+              <a:rPr lang="en-US" altLang="ko-KR" sz="2400" b="1" dirty="0">
+                <a:solidFill>
+                  <a:srgbClr val="FF0000"/>
+                </a:solidFill>
+              </a:rPr>
+              <a:t>&lt;</a:t>
+            </a:r>
+            <a:r>
+              <a:rPr lang="ko-KR" altLang="en-US" sz="2400" b="1" dirty="0">
+                <a:solidFill>
+                  <a:srgbClr val="FF0000"/>
+                </a:solidFill>
+              </a:rPr>
+              <a:t>터치</a:t>
+            </a:r>
+            <a:r>
+              <a:rPr lang="en-US" altLang="ko-KR" sz="2400" b="1" dirty="0">
+                <a:solidFill>
+                  <a:srgbClr val="FF0000"/>
+                </a:solidFill>
+              </a:rPr>
+              <a:t>&gt;</a:t>
+            </a:r>
+            <a:r>
+              <a:rPr lang="ko-KR" altLang="en-US" sz="2400" dirty="0"/>
+              <a:t>이다</a:t>
+            </a:r>
+            <a:r>
+              <a:rPr lang="en-US" altLang="ko-KR" sz="2400" dirty="0"/>
+              <a:t>.</a:t>
+            </a:r>
+          </a:p>
+          <a:p>
+            <a:r>
+              <a:rPr lang="ko-KR" altLang="en-US" sz="2400" dirty="0"/>
+              <a:t>이 몬스터는 캐릭터와 충돌하면 죽는다</a:t>
+            </a:r>
+            <a:r>
+              <a:rPr lang="en-US" altLang="ko-KR" sz="2400" dirty="0"/>
+              <a:t>.</a:t>
+            </a:r>
+          </a:p>
+          <a:p>
+            <a:r>
+              <a:rPr lang="ko-KR" altLang="en-US" sz="2400" dirty="0"/>
+              <a:t>이 몬스터와 충돌해도 데미지를 받지 않는다</a:t>
+            </a:r>
+            <a:r>
+              <a:rPr lang="en-US" altLang="ko-KR" sz="2400" dirty="0"/>
+              <a:t>.</a:t>
+            </a:r>
+          </a:p>
+          <a:p>
+            <a:endParaRPr lang="ko-KR" altLang="en-US" dirty="0"/>
+          </a:p>
+        </p:txBody>
+      </p:sp>
+      <p:pic>
+        <p:nvPicPr>
+          <p:cNvPr id="4" name="그림 3"/>
+          <p:cNvPicPr>
+            <a:picLocks noChangeAspect="1"/>
+          </p:cNvPicPr>
+          <p:nvPr/>
+        </p:nvPicPr>
+        <p:blipFill>
+          <a:blip r:embed="rId2"/>
+          <a:stretch>
+            <a:fillRect/>
+          </a:stretch>
+        </p:blipFill>
+        <p:spPr>
+          <a:xfrm>
+            <a:off x="838200" y="2734469"/>
+            <a:ext cx="2276475" cy="2533650"/>
+          </a:xfrm>
+          <a:prstGeom prst="rect">
+            <a:avLst/>
+          </a:prstGeom>
+        </p:spPr>
+      </p:pic>
+    </p:spTree>
+    <p:extLst>
+      <p:ext uri="{BB962C8B-B14F-4D97-AF65-F5344CB8AC3E}">
+        <p14:creationId xmlns:p14="http://schemas.microsoft.com/office/powerpoint/2010/main" val="1553338746"/>
+      </p:ext>
+    </p:extLst>
+  </p:cSld>
+  <p:clrMapOvr>
+    <a:masterClrMapping/>
+  </p:clrMapOvr>
+  <p:timing>
+    <p:tnLst>
+      <p:par>
+        <p:cTn id="1" dur="indefinite" restart="never" nodeType="tmRoot"/>
+      </p:par>
+    </p:tnLst>
+  </p:timing>
+</p:sld>
+</file>
+
+<file path=ppt/slides/slide13.xml><?xml version="1.0" encoding="utf-8"?>
+<p:sld xmlns:a="http://schemas.openxmlformats.org/drawingml/2006/main" xmlns:r="http://schemas.openxmlformats.org/officeDocument/2006/relationships" xmlns:p="http://schemas.openxmlformats.org/presentationml/2006/main">
+  <p:cSld>
+    <p:spTree>
+      <p:nvGrpSpPr>
+        <p:cNvPr id="1" name=""/>
+        <p:cNvGrpSpPr/>
+        <p:nvPr/>
+      </p:nvGrpSpPr>
+      <p:grpSpPr>
+        <a:xfrm>
+          <a:off x="0" y="0"/>
+          <a:ext cx="0" cy="0"/>
+          <a:chOff x="0" y="0"/>
+          <a:chExt cx="0" cy="0"/>
+        </a:xfrm>
+      </p:grpSpPr>
+      <p:sp>
+        <p:nvSpPr>
+          <p:cNvPr id="2" name="제목 1"/>
+          <p:cNvSpPr>
+            <a:spLocks noGrp="1"/>
+          </p:cNvSpPr>
+          <p:nvPr>
+            <p:ph type="title"/>
+          </p:nvPr>
+        </p:nvSpPr>
+        <p:spPr/>
+        <p:txBody>
+          <a:bodyPr/>
+          <a:lstStyle/>
+          <a:p>
+            <a:r>
+              <a:rPr lang="ko-KR" altLang="en-US" dirty="0" smtClean="0"/>
+              <a:t>바이킹 몬스터</a:t>
+            </a:r>
+            <a:endParaRPr lang="ko-KR" altLang="en-US" dirty="0"/>
+          </a:p>
+        </p:txBody>
+      </p:sp>
+      <p:sp>
+        <p:nvSpPr>
+          <p:cNvPr id="10" name="내용 개체 틀 2"/>
+          <p:cNvSpPr>
+            <a:spLocks noGrp="1"/>
+          </p:cNvSpPr>
+          <p:nvPr>
+            <p:ph idx="1"/>
+          </p:nvPr>
+        </p:nvSpPr>
+        <p:spPr>
+          <a:xfrm>
+            <a:off x="4018085" y="1825625"/>
+            <a:ext cx="7335715" cy="4351338"/>
+          </a:xfrm>
+        </p:spPr>
+        <p:txBody>
+          <a:bodyPr>
+            <a:normAutofit/>
+          </a:bodyPr>
+          <a:lstStyle/>
+          <a:p>
+            <a:r>
+              <a:rPr lang="ko-KR" altLang="en-US" sz="2400" dirty="0" smtClean="0"/>
+              <a:t>이 몬스터는 물 블록 위에서 움직인다</a:t>
+            </a:r>
+            <a:r>
+              <a:rPr lang="en-US" altLang="ko-KR" sz="2400" dirty="0" smtClean="0"/>
+              <a:t>.</a:t>
+            </a:r>
+          </a:p>
+          <a:p>
+            <a:r>
+              <a:rPr lang="ko-KR" altLang="en-US" sz="2400" dirty="0" smtClean="0"/>
+              <a:t>같은 물 블록 내에 있을 경우 </a:t>
+            </a:r>
+            <a:r>
+              <a:rPr lang="ko-KR" altLang="en-US" sz="2400" b="1" dirty="0" smtClean="0">
+                <a:solidFill>
+                  <a:srgbClr val="FF0000"/>
+                </a:solidFill>
+              </a:rPr>
+              <a:t>탐지 범위에 상관없이</a:t>
+            </a:r>
+            <a:r>
+              <a:rPr lang="ko-KR" altLang="en-US" sz="2400" dirty="0" smtClean="0"/>
+              <a:t> 캐릭터를 추격한다</a:t>
+            </a:r>
+            <a:r>
+              <a:rPr lang="en-US" altLang="ko-KR" sz="2400" dirty="0" smtClean="0"/>
+              <a:t>.</a:t>
+            </a:r>
+          </a:p>
+          <a:p>
+            <a:r>
+              <a:rPr lang="ko-KR" altLang="en-US" sz="2400" dirty="0" smtClean="0"/>
+              <a:t>추격 시 </a:t>
+            </a:r>
+            <a:r>
+              <a:rPr lang="en-US" altLang="ko-KR" sz="2400" b="1" dirty="0" smtClean="0">
+                <a:solidFill>
+                  <a:srgbClr val="FF0000"/>
+                </a:solidFill>
+              </a:rPr>
+              <a:t>1</a:t>
+            </a:r>
+            <a:r>
+              <a:rPr lang="ko-KR" altLang="en-US" sz="2400" b="1" dirty="0">
+                <a:solidFill>
+                  <a:srgbClr val="FF0000"/>
+                </a:solidFill>
+              </a:rPr>
+              <a:t>초에 </a:t>
+            </a:r>
+            <a:r>
+              <a:rPr lang="en-US" altLang="ko-KR" sz="2400" b="1" dirty="0">
+                <a:solidFill>
+                  <a:srgbClr val="FF0000"/>
+                </a:solidFill>
+              </a:rPr>
+              <a:t>3</a:t>
+            </a:r>
+            <a:r>
+              <a:rPr lang="ko-KR" altLang="en-US" sz="2400" b="1" dirty="0">
+                <a:solidFill>
+                  <a:srgbClr val="FF0000"/>
+                </a:solidFill>
+              </a:rPr>
+              <a:t>블록 이동</a:t>
+            </a:r>
+            <a:r>
+              <a:rPr lang="ko-KR" altLang="en-US" sz="2400" dirty="0"/>
+              <a:t>한다</a:t>
+            </a:r>
+            <a:r>
+              <a:rPr lang="en-US" altLang="ko-KR" sz="2400" dirty="0"/>
+              <a:t>.</a:t>
+            </a:r>
+          </a:p>
+          <a:p>
+            <a:pPr marL="0" indent="0">
+              <a:buNone/>
+            </a:pPr>
+            <a:endParaRPr lang="en-US" altLang="ko-KR" sz="2400" dirty="0"/>
+          </a:p>
+          <a:p>
+            <a:r>
+              <a:rPr lang="ko-KR" altLang="en-US" sz="2400" dirty="0"/>
+              <a:t>해당 몬스터의 처치 방법은 </a:t>
+            </a:r>
+            <a:r>
+              <a:rPr lang="en-US" altLang="ko-KR" sz="2400" b="1" dirty="0" smtClean="0">
+                <a:solidFill>
+                  <a:srgbClr val="FF0000"/>
+                </a:solidFill>
+              </a:rPr>
+              <a:t>&lt;</a:t>
+            </a:r>
+            <a:r>
+              <a:rPr lang="ko-KR" altLang="en-US" sz="2400" b="1" dirty="0" smtClean="0">
+                <a:solidFill>
+                  <a:srgbClr val="FF0000"/>
+                </a:solidFill>
+              </a:rPr>
+              <a:t>제거</a:t>
+            </a:r>
+            <a:r>
+              <a:rPr lang="en-US" altLang="ko-KR" sz="2400" b="1" dirty="0" smtClean="0">
+                <a:solidFill>
+                  <a:srgbClr val="FF0000"/>
+                </a:solidFill>
+              </a:rPr>
+              <a:t>&gt;</a:t>
+            </a:r>
+            <a:r>
+              <a:rPr lang="ko-KR" altLang="en-US" sz="2400" dirty="0"/>
+              <a:t>이다</a:t>
+            </a:r>
+            <a:r>
+              <a:rPr lang="en-US" altLang="ko-KR" sz="2400" dirty="0" smtClean="0"/>
+              <a:t>.</a:t>
+            </a:r>
+          </a:p>
+          <a:p>
+            <a:r>
+              <a:rPr lang="ko-KR" altLang="en-US" sz="2400" dirty="0" smtClean="0"/>
+              <a:t>이 몬스터는 물을 벗어나면 죽는다</a:t>
+            </a:r>
+            <a:r>
+              <a:rPr lang="en-US" altLang="ko-KR" sz="2400" dirty="0" smtClean="0"/>
+              <a:t>.</a:t>
+            </a:r>
+          </a:p>
+          <a:p>
+            <a:r>
+              <a:rPr lang="ko-KR" altLang="en-US" sz="2400" dirty="0" smtClean="0"/>
+              <a:t>물의 근원을 증발시켜 물을 없앤다</a:t>
+            </a:r>
+            <a:r>
+              <a:rPr lang="en-US" altLang="ko-KR" sz="2400" dirty="0" smtClean="0"/>
+              <a:t>.</a:t>
+            </a:r>
+          </a:p>
+          <a:p>
+            <a:r>
+              <a:rPr lang="ko-KR" altLang="en-US" sz="2400" dirty="0" smtClean="0"/>
+              <a:t>바이킹을 유인한 후 물의 흐름을 막아 물을 없앤다</a:t>
+            </a:r>
+            <a:r>
+              <a:rPr lang="en-US" altLang="ko-KR" sz="2400" dirty="0" smtClean="0"/>
+              <a:t>.</a:t>
+            </a:r>
+            <a:endParaRPr lang="ko-KR" altLang="en-US" sz="2400" dirty="0"/>
+          </a:p>
+        </p:txBody>
+      </p:sp>
+      <p:pic>
+        <p:nvPicPr>
+          <p:cNvPr id="6" name="그림 5"/>
+          <p:cNvPicPr>
+            <a:picLocks noChangeAspect="1"/>
+          </p:cNvPicPr>
+          <p:nvPr/>
+        </p:nvPicPr>
+        <p:blipFill>
+          <a:blip r:embed="rId2"/>
+          <a:stretch>
+            <a:fillRect/>
+          </a:stretch>
+        </p:blipFill>
+        <p:spPr>
+          <a:xfrm>
+            <a:off x="838199" y="2605881"/>
+            <a:ext cx="2476500" cy="2790825"/>
+          </a:xfrm>
+          <a:prstGeom prst="rect">
+            <a:avLst/>
+          </a:prstGeom>
+        </p:spPr>
+      </p:pic>
+    </p:spTree>
+    <p:extLst>
+      <p:ext uri="{BB962C8B-B14F-4D97-AF65-F5344CB8AC3E}">
+        <p14:creationId xmlns:p14="http://schemas.microsoft.com/office/powerpoint/2010/main" val="1187943549"/>
+      </p:ext>
+    </p:extLst>
+  </p:cSld>
+  <p:clrMapOvr>
+    <a:masterClrMapping/>
+  </p:clrMapOvr>
+  <p:timing>
+    <p:tnLst>
+      <p:par>
+        <p:cTn id="1" dur="indefinite" restart="never" nodeType="tmRoot"/>
+      </p:par>
+    </p:tnLst>
+  </p:timing>
+</p:sld>
+</file>
+
+<file path=ppt/slides/slide14.xml><?xml version="1.0" encoding="utf-8"?>
+<p:sld xmlns:a="http://schemas.openxmlformats.org/drawingml/2006/main" xmlns:r="http://schemas.openxmlformats.org/officeDocument/2006/relationships" xmlns:p="http://schemas.openxmlformats.org/presentationml/2006/main">
+  <p:cSld>
+    <p:spTree>
+      <p:nvGrpSpPr>
+        <p:cNvPr id="1" name=""/>
+        <p:cNvGrpSpPr/>
+        <p:nvPr/>
+      </p:nvGrpSpPr>
+      <p:grpSpPr>
+        <a:xfrm>
+          <a:off x="0" y="0"/>
+          <a:ext cx="0" cy="0"/>
+          <a:chOff x="0" y="0"/>
+          <a:chExt cx="0" cy="0"/>
+        </a:xfrm>
+      </p:grpSpPr>
+      <p:sp>
+        <p:nvSpPr>
+          <p:cNvPr id="2" name="제목 1"/>
+          <p:cNvSpPr>
+            <a:spLocks noGrp="1"/>
+          </p:cNvSpPr>
+          <p:nvPr>
+            <p:ph type="title"/>
+          </p:nvPr>
+        </p:nvSpPr>
+        <p:spPr/>
+        <p:txBody>
+          <a:bodyPr/>
+          <a:lstStyle/>
+          <a:p>
+            <a:r>
+              <a:rPr lang="ko-KR" altLang="en-US" dirty="0" smtClean="0"/>
+              <a:t>석사 몬스터</a:t>
+            </a:r>
+            <a:endParaRPr lang="ko-KR" altLang="en-US" dirty="0"/>
+          </a:p>
+        </p:txBody>
+      </p:sp>
+      <p:sp>
+        <p:nvSpPr>
+          <p:cNvPr id="10" name="내용 개체 틀 2"/>
+          <p:cNvSpPr>
+            <a:spLocks noGrp="1"/>
+          </p:cNvSpPr>
+          <p:nvPr>
+            <p:ph idx="1"/>
+          </p:nvPr>
+        </p:nvSpPr>
+        <p:spPr>
+          <a:xfrm>
+            <a:off x="4018085" y="1825625"/>
+            <a:ext cx="7335715" cy="4351338"/>
+          </a:xfrm>
+        </p:spPr>
+        <p:txBody>
+          <a:bodyPr/>
+          <a:lstStyle/>
+          <a:p>
+            <a:endParaRPr lang="ko-KR" altLang="en-US" dirty="0"/>
+          </a:p>
+        </p:txBody>
+      </p:sp>
+      <p:pic>
+        <p:nvPicPr>
+          <p:cNvPr id="12" name="그림 11"/>
+          <p:cNvPicPr>
+            <a:picLocks noChangeAspect="1"/>
+          </p:cNvPicPr>
+          <p:nvPr/>
+        </p:nvPicPr>
+        <p:blipFill>
+          <a:blip r:embed="rId2"/>
+          <a:stretch>
+            <a:fillRect/>
+          </a:stretch>
+        </p:blipFill>
+        <p:spPr>
+          <a:xfrm>
+            <a:off x="842230" y="2829719"/>
+            <a:ext cx="2438400" cy="2343150"/>
+          </a:xfrm>
+          <a:prstGeom prst="rect">
+            <a:avLst/>
+          </a:prstGeom>
+        </p:spPr>
+      </p:pic>
+    </p:spTree>
+    <p:extLst>
+      <p:ext uri="{BB962C8B-B14F-4D97-AF65-F5344CB8AC3E}">
+        <p14:creationId xmlns:p14="http://schemas.microsoft.com/office/powerpoint/2010/main" val="55637616"/>
+      </p:ext>
+    </p:extLst>
+  </p:cSld>
+  <p:clrMapOvr>
+    <a:masterClrMapping/>
+  </p:clrMapOvr>
+  <p:timing>
+    <p:tnLst>
+      <p:par>
+        <p:cTn id="1" dur="indefinite" restart="never" nodeType="tmRoot"/>
+      </p:par>
+    </p:tnLst>
+  </p:timing>
+</p:sld>
+</file>
+
+<file path=ppt/slides/slide15.xml><?xml version="1.0" encoding="utf-8"?>
+<p:sld xmlns:a="http://schemas.openxmlformats.org/drawingml/2006/main" xmlns:r="http://schemas.openxmlformats.org/officeDocument/2006/relationships" xmlns:p="http://schemas.openxmlformats.org/presentationml/2006/main">
+  <p:cSld>
+    <p:spTree>
+      <p:nvGrpSpPr>
+        <p:cNvPr id="1" name=""/>
+        <p:cNvGrpSpPr/>
+        <p:nvPr/>
+      </p:nvGrpSpPr>
+      <p:grpSpPr>
+        <a:xfrm>
+          <a:off x="0" y="0"/>
+          <a:ext cx="0" cy="0"/>
+          <a:chOff x="0" y="0"/>
+          <a:chExt cx="0" cy="0"/>
+        </a:xfrm>
+      </p:grpSpPr>
+      <p:sp>
+        <p:nvSpPr>
+          <p:cNvPr id="2" name="제목 1"/>
+          <p:cNvSpPr>
+            <a:spLocks noGrp="1"/>
+          </p:cNvSpPr>
+          <p:nvPr>
+            <p:ph type="title"/>
+          </p:nvPr>
+        </p:nvSpPr>
+        <p:spPr/>
+        <p:txBody>
+          <a:bodyPr/>
+          <a:lstStyle/>
+          <a:p>
+            <a:r>
+              <a:rPr lang="ko-KR" altLang="en-US" dirty="0" smtClean="0"/>
+              <a:t>날라리 몬스터</a:t>
+            </a:r>
+            <a:endParaRPr lang="ko-KR" altLang="en-US" dirty="0"/>
+          </a:p>
+        </p:txBody>
+      </p:sp>
+      <p:sp>
+        <p:nvSpPr>
+          <p:cNvPr id="10" name="내용 개체 틀 2"/>
+          <p:cNvSpPr>
+            <a:spLocks noGrp="1"/>
+          </p:cNvSpPr>
+          <p:nvPr>
+            <p:ph idx="1"/>
+          </p:nvPr>
+        </p:nvSpPr>
+        <p:spPr>
+          <a:xfrm>
+            <a:off x="4018085" y="1825625"/>
+            <a:ext cx="7335715" cy="4351338"/>
+          </a:xfrm>
+        </p:spPr>
+        <p:txBody>
+          <a:bodyPr/>
+          <a:lstStyle/>
+          <a:p>
+            <a:endParaRPr lang="ko-KR" altLang="en-US" dirty="0"/>
+          </a:p>
+        </p:txBody>
+      </p:sp>
+      <p:pic>
+        <p:nvPicPr>
+          <p:cNvPr id="11" name="그림 10"/>
+          <p:cNvPicPr>
+            <a:picLocks noChangeAspect="1"/>
+          </p:cNvPicPr>
+          <p:nvPr/>
+        </p:nvPicPr>
+        <p:blipFill>
+          <a:blip r:embed="rId2"/>
+          <a:stretch>
+            <a:fillRect/>
+          </a:stretch>
+        </p:blipFill>
+        <p:spPr>
+          <a:xfrm>
+            <a:off x="838199" y="2839244"/>
+            <a:ext cx="2209800" cy="2324100"/>
+          </a:xfrm>
+          <a:prstGeom prst="rect">
+            <a:avLst/>
+          </a:prstGeom>
+        </p:spPr>
+      </p:pic>
+    </p:spTree>
+    <p:extLst>
+      <p:ext uri="{BB962C8B-B14F-4D97-AF65-F5344CB8AC3E}">
+        <p14:creationId xmlns:p14="http://schemas.microsoft.com/office/powerpoint/2010/main" val="2386501708"/>
+      </p:ext>
+    </p:extLst>
+  </p:cSld>
+  <p:clrMapOvr>
+    <a:masterClrMapping/>
+  </p:clrMapOvr>
+  <p:timing>
+    <p:tnLst>
+      <p:par>
+        <p:cTn id="1" dur="indefinite" restart="never" nodeType="tmRoot"/>
+      </p:par>
+    </p:tnLst>
+  </p:timing>
+</p:sld>
+</file>
+
+<file path=ppt/slides/slide16.xml><?xml version="1.0" encoding="utf-8"?>
+<p:sld xmlns:a="http://schemas.openxmlformats.org/drawingml/2006/main" xmlns:r="http://schemas.openxmlformats.org/officeDocument/2006/relationships" xmlns:p="http://schemas.openxmlformats.org/presentationml/2006/main">
+  <p:cSld>
+    <p:spTree>
+      <p:nvGrpSpPr>
+        <p:cNvPr id="1" name=""/>
+        <p:cNvGrpSpPr/>
+        <p:nvPr/>
+      </p:nvGrpSpPr>
+      <p:grpSpPr>
+        <a:xfrm>
+          <a:off x="0" y="0"/>
+          <a:ext cx="0" cy="0"/>
+          <a:chOff x="0" y="0"/>
+          <a:chExt cx="0" cy="0"/>
+        </a:xfrm>
+      </p:grpSpPr>
+      <p:sp>
+        <p:nvSpPr>
+          <p:cNvPr id="2" name="제목 1"/>
+          <p:cNvSpPr>
+            <a:spLocks noGrp="1"/>
+          </p:cNvSpPr>
+          <p:nvPr>
+            <p:ph type="title"/>
+          </p:nvPr>
+        </p:nvSpPr>
+        <p:spPr/>
+        <p:txBody>
+          <a:bodyPr/>
+          <a:lstStyle/>
+          <a:p>
+            <a:r>
+              <a:rPr lang="ko-KR" altLang="en-US" dirty="0" smtClean="0"/>
+              <a:t>악마 몬스터</a:t>
+            </a:r>
+            <a:endParaRPr lang="ko-KR" altLang="en-US" dirty="0"/>
+          </a:p>
+        </p:txBody>
+      </p:sp>
+      <p:sp>
+        <p:nvSpPr>
+          <p:cNvPr id="10" name="내용 개체 틀 2"/>
+          <p:cNvSpPr>
+            <a:spLocks noGrp="1"/>
+          </p:cNvSpPr>
+          <p:nvPr>
+            <p:ph idx="1"/>
+          </p:nvPr>
+        </p:nvSpPr>
+        <p:spPr>
+          <a:xfrm>
+            <a:off x="4018085" y="1825625"/>
+            <a:ext cx="7335715" cy="4351338"/>
+          </a:xfrm>
+        </p:spPr>
+        <p:txBody>
+          <a:bodyPr/>
+          <a:lstStyle/>
+          <a:p>
+            <a:endParaRPr lang="ko-KR" altLang="en-US" dirty="0"/>
+          </a:p>
+        </p:txBody>
+      </p:sp>
+      <p:pic>
+        <p:nvPicPr>
+          <p:cNvPr id="4" name="그림 3"/>
+          <p:cNvPicPr>
+            <a:picLocks noChangeAspect="1"/>
+          </p:cNvPicPr>
+          <p:nvPr/>
+        </p:nvPicPr>
+        <p:blipFill>
+          <a:blip r:embed="rId2"/>
+          <a:stretch>
+            <a:fillRect/>
+          </a:stretch>
+        </p:blipFill>
+        <p:spPr>
+          <a:xfrm>
+            <a:off x="838200" y="2815431"/>
+            <a:ext cx="2428875" cy="2371725"/>
+          </a:xfrm>
+          <a:prstGeom prst="rect">
+            <a:avLst/>
+          </a:prstGeom>
+        </p:spPr>
+      </p:pic>
+    </p:spTree>
+    <p:extLst>
+      <p:ext uri="{BB962C8B-B14F-4D97-AF65-F5344CB8AC3E}">
+        <p14:creationId xmlns:p14="http://schemas.microsoft.com/office/powerpoint/2010/main" val="1604077054"/>
+      </p:ext>
+    </p:extLst>
+  </p:cSld>
+  <p:clrMapOvr>
+    <a:masterClrMapping/>
+  </p:clrMapOvr>
+  <p:timing>
+    <p:tnLst>
+      <p:par>
+        <p:cTn id="1" dur="indefinite" restart="never" nodeType="tmRoot"/>
+      </p:par>
+    </p:tnLst>
+  </p:timing>
+</p:sld>
+</file>
+
+<file path=ppt/slides/slide17.xml><?xml version="1.0" encoding="utf-8"?>
+<p:sld xmlns:a="http://schemas.openxmlformats.org/drawingml/2006/main" xmlns:r="http://schemas.openxmlformats.org/officeDocument/2006/relationships" xmlns:p="http://schemas.openxmlformats.org/presentationml/2006/main">
+  <p:cSld>
+    <p:spTree>
+      <p:nvGrpSpPr>
+        <p:cNvPr id="1" name=""/>
+        <p:cNvGrpSpPr/>
+        <p:nvPr/>
+      </p:nvGrpSpPr>
+      <p:grpSpPr>
+        <a:xfrm>
+          <a:off x="0" y="0"/>
+          <a:ext cx="0" cy="0"/>
+          <a:chOff x="0" y="0"/>
+          <a:chExt cx="0" cy="0"/>
+        </a:xfrm>
+      </p:grpSpPr>
+      <p:sp>
+        <p:nvSpPr>
+          <p:cNvPr id="2" name="제목 1"/>
+          <p:cNvSpPr>
+            <a:spLocks noGrp="1"/>
+          </p:cNvSpPr>
+          <p:nvPr>
+            <p:ph type="title"/>
+          </p:nvPr>
+        </p:nvSpPr>
+        <p:spPr/>
+        <p:txBody>
+          <a:bodyPr/>
+          <a:lstStyle/>
+          <a:p>
+            <a:r>
+              <a:rPr lang="ko-KR" altLang="en-US" dirty="0" smtClean="0"/>
+              <a:t>천사 몬스터</a:t>
+            </a:r>
+            <a:endParaRPr lang="ko-KR" altLang="en-US" dirty="0"/>
+          </a:p>
+        </p:txBody>
+      </p:sp>
+      <p:sp>
+        <p:nvSpPr>
+          <p:cNvPr id="10" name="내용 개체 틀 2"/>
+          <p:cNvSpPr>
+            <a:spLocks noGrp="1"/>
+          </p:cNvSpPr>
+          <p:nvPr>
+            <p:ph idx="1"/>
+          </p:nvPr>
+        </p:nvSpPr>
+        <p:spPr>
+          <a:xfrm>
+            <a:off x="4018085" y="1825625"/>
+            <a:ext cx="7335715" cy="4351338"/>
+          </a:xfrm>
+        </p:spPr>
+        <p:txBody>
+          <a:bodyPr/>
+          <a:lstStyle/>
+          <a:p>
+            <a:endParaRPr lang="ko-KR" altLang="en-US" dirty="0"/>
+          </a:p>
+        </p:txBody>
+      </p:sp>
+      <p:pic>
+        <p:nvPicPr>
+          <p:cNvPr id="5" name="그림 4"/>
+          <p:cNvPicPr>
+            <a:picLocks noChangeAspect="1"/>
+          </p:cNvPicPr>
+          <p:nvPr/>
+        </p:nvPicPr>
+        <p:blipFill>
+          <a:blip r:embed="rId2"/>
+          <a:stretch>
+            <a:fillRect/>
+          </a:stretch>
+        </p:blipFill>
+        <p:spPr>
+          <a:xfrm>
+            <a:off x="838199" y="2696369"/>
+            <a:ext cx="2295525" cy="2609850"/>
+          </a:xfrm>
+          <a:prstGeom prst="rect">
+            <a:avLst/>
+          </a:prstGeom>
+        </p:spPr>
+      </p:pic>
+    </p:spTree>
+    <p:extLst>
+      <p:ext uri="{BB962C8B-B14F-4D97-AF65-F5344CB8AC3E}">
+        <p14:creationId xmlns:p14="http://schemas.microsoft.com/office/powerpoint/2010/main" val="3545452950"/>
+      </p:ext>
+    </p:extLst>
+  </p:cSld>
+  <p:clrMapOvr>
+    <a:masterClrMapping/>
+  </p:clrMapOvr>
+  <p:timing>
+    <p:tnLst>
+      <p:par>
+        <p:cTn id="1" dur="indefinite" restart="never" nodeType="tmRoot"/>
+      </p:par>
+    </p:tnLst>
+  </p:timing>
+</p:sld>
+</file>
+
+<file path=ppt/slides/slide18.xml><?xml version="1.0" encoding="utf-8"?>
+<p:sld xmlns:a="http://schemas.openxmlformats.org/drawingml/2006/main" xmlns:r="http://schemas.openxmlformats.org/officeDocument/2006/relationships" xmlns:p="http://schemas.openxmlformats.org/presentationml/2006/main">
+  <p:cSld>
+    <p:spTree>
+      <p:nvGrpSpPr>
+        <p:cNvPr id="1" name=""/>
+        <p:cNvGrpSpPr/>
+        <p:nvPr/>
+      </p:nvGrpSpPr>
+      <p:grpSpPr>
+        <a:xfrm>
+          <a:off x="0" y="0"/>
+          <a:ext cx="0" cy="0"/>
+          <a:chOff x="0" y="0"/>
+          <a:chExt cx="0" cy="0"/>
+        </a:xfrm>
+      </p:grpSpPr>
+      <p:sp>
+        <p:nvSpPr>
+          <p:cNvPr id="2" name="제목 1"/>
+          <p:cNvSpPr>
+            <a:spLocks noGrp="1"/>
+          </p:cNvSpPr>
+          <p:nvPr>
+            <p:ph type="title"/>
+          </p:nvPr>
+        </p:nvSpPr>
+        <p:spPr/>
+        <p:txBody>
+          <a:bodyPr/>
+          <a:lstStyle/>
+          <a:p>
+            <a:r>
+              <a:rPr lang="ko-KR" altLang="en-US" dirty="0" err="1" smtClean="0"/>
+              <a:t>셰프</a:t>
+            </a:r>
+            <a:r>
+              <a:rPr lang="ko-KR" altLang="en-US" dirty="0" smtClean="0"/>
+              <a:t> 몬스터</a:t>
+            </a:r>
+            <a:endParaRPr lang="ko-KR" altLang="en-US" dirty="0"/>
+          </a:p>
+        </p:txBody>
+      </p:sp>
+      <p:sp>
+        <p:nvSpPr>
+          <p:cNvPr id="10" name="내용 개체 틀 2"/>
+          <p:cNvSpPr>
+            <a:spLocks noGrp="1"/>
+          </p:cNvSpPr>
+          <p:nvPr>
+            <p:ph idx="1"/>
+          </p:nvPr>
+        </p:nvSpPr>
+        <p:spPr>
+          <a:xfrm>
+            <a:off x="4018085" y="1825625"/>
+            <a:ext cx="7335715" cy="4351338"/>
+          </a:xfrm>
+        </p:spPr>
+        <p:txBody>
+          <a:bodyPr/>
+          <a:lstStyle/>
+          <a:p>
+            <a:endParaRPr lang="ko-KR" altLang="en-US" dirty="0"/>
+          </a:p>
+        </p:txBody>
+      </p:sp>
+      <p:pic>
+        <p:nvPicPr>
+          <p:cNvPr id="3" name="그림 2"/>
+          <p:cNvPicPr>
+            <a:picLocks noChangeAspect="1"/>
+          </p:cNvPicPr>
+          <p:nvPr/>
+        </p:nvPicPr>
+        <p:blipFill>
+          <a:blip r:embed="rId2"/>
+          <a:stretch>
+            <a:fillRect/>
+          </a:stretch>
+        </p:blipFill>
+        <p:spPr>
+          <a:xfrm>
+            <a:off x="838200" y="2743994"/>
+            <a:ext cx="2228850" cy="2514600"/>
+          </a:xfrm>
+          <a:prstGeom prst="rect">
+            <a:avLst/>
+          </a:prstGeom>
+        </p:spPr>
+      </p:pic>
+    </p:spTree>
+    <p:extLst>
+      <p:ext uri="{BB962C8B-B14F-4D97-AF65-F5344CB8AC3E}">
+        <p14:creationId xmlns:p14="http://schemas.microsoft.com/office/powerpoint/2010/main" val="178007259"/>
+      </p:ext>
+    </p:extLst>
+  </p:cSld>
+  <p:clrMapOvr>
+    <a:masterClrMapping/>
+  </p:clrMapOvr>
+  <p:timing>
+    <p:tnLst>
+      <p:par>
+        <p:cTn id="1" dur="indefinite" restart="never" nodeType="tmRoot"/>
+      </p:par>
+    </p:tnLst>
+  </p:timing>
 </p:sld>
 </file>
 
@@ -3591,20 +5098,20 @@
               <a:t>1</a:t>
             </a:r>
             <a:r>
-              <a:rPr lang="ko-KR" altLang="en-US" sz="2600" b="1" dirty="0" err="1" smtClean="0">
-                <a:solidFill>
-                  <a:srgbClr val="FF0000"/>
-                </a:solidFill>
-              </a:rPr>
-              <a:t>블럭</a:t>
-            </a:r>
-            <a:r>
               <a:rPr lang="ko-KR" altLang="en-US" sz="2600" b="1" dirty="0" smtClean="0">
                 <a:solidFill>
                   <a:srgbClr val="FF0000"/>
                 </a:solidFill>
               </a:rPr>
-              <a:t> 사이즈</a:t>
+              <a:t>블록 </a:t>
+            </a:r>
+            <a:r>
+              <a:rPr lang="ko-KR" altLang="en-US" sz="2600" b="1" dirty="0" smtClean="0">
+                <a:solidFill>
+                  <a:srgbClr val="FF0000"/>
+                </a:solidFill>
+              </a:rPr>
+              <a:t>사이즈</a:t>
             </a:r>
             <a:r>
               <a:rPr lang="ko-KR" altLang="en-US" sz="2600" dirty="0" smtClean="0"/>
@@ -3621,7 +5128,7 @@
               <a:t>모든 몬스터는 </a:t>
             </a:r>
             <a:r>
-              <a:rPr lang="ko-KR" altLang="en-US" sz="2600" b="1" dirty="0" smtClean="0">
+              <a:rPr lang="ko-KR" altLang="en-US" sz="2600" b="1" u="sng" dirty="0" smtClean="0">
                 <a:solidFill>
                   <a:srgbClr val="FF0000"/>
                 </a:solidFill>
@@ -3706,7 +5213,27 @@
           <a:p>
             <a:r>
               <a:rPr lang="ko-KR" altLang="en-US" sz="2600" dirty="0" smtClean="0"/>
-              <a:t>이동이 불가능하면 다시 랜덤 방향으로 이동한다</a:t>
+              <a:t>이동이 </a:t>
+            </a:r>
+            <a:r>
+              <a:rPr lang="ko-KR" altLang="en-US" sz="2600" dirty="0" smtClean="0"/>
+              <a:t>불가능하거나 </a:t>
+            </a:r>
+            <a:r>
+              <a:rPr lang="en-US" altLang="ko-KR" sz="2600" dirty="0" smtClean="0"/>
+              <a:t>5</a:t>
+            </a:r>
+            <a:r>
+              <a:rPr lang="ko-KR" altLang="en-US" sz="2600" dirty="0" smtClean="0"/>
+              <a:t>블록을 이동했다면</a:t>
+            </a:r>
+            <a:r>
+              <a:rPr lang="ko-KR" altLang="en-US" sz="2600" dirty="0" smtClean="0"/>
+              <a:t> </a:t>
+            </a:r>
+            <a:r>
+              <a:rPr lang="ko-KR" altLang="en-US" sz="2600" dirty="0" smtClean="0"/>
+              <a:t>다시 랜덤 방향으로 이동한다</a:t>
             </a:r>
             <a:r>
               <a:rPr lang="en-US" altLang="ko-KR" sz="2600" dirty="0" smtClean="0"/>
@@ -3787,7 +5314,7 @@
               <a:t>칸 </a:t>
             </a:r>
             <a:r>
-              <a:rPr lang="ko-KR" altLang="en-US" sz="2600" b="1" dirty="0" smtClean="0">
+              <a:rPr lang="ko-KR" altLang="en-US" sz="2600" b="1" u="sng" dirty="0" smtClean="0">
                 <a:solidFill>
                   <a:srgbClr val="FF0000"/>
                 </a:solidFill>
@@ -3796,11 +5323,7 @@
             </a:r>
             <a:r>
               <a:rPr lang="ko-KR" altLang="en-US" sz="2600" dirty="0" smtClean="0"/>
-              <a:t> 내에 </a:t>
-            </a:r>
-            <a:r>
-              <a:rPr lang="ko-KR" altLang="en-US" sz="2600" dirty="0" smtClean="0"/>
-              <a:t>캐릭터가 있으면 캐릭터를 추격한다</a:t>
+              <a:t> 내에 캐릭터가 있으면 캐릭터를 추격한다</a:t>
             </a:r>
             <a:r>
               <a:rPr lang="en-US" altLang="ko-KR" sz="2600" dirty="0" smtClean="0"/>
@@ -3829,12 +5352,20 @@
               <a:t>칸 </a:t>
             </a:r>
             <a:r>
-              <a:rPr lang="ko-KR" altLang="en-US" sz="2600" b="1" dirty="0" smtClean="0">
-                <a:solidFill>
-                  <a:srgbClr val="FF0000"/>
-                </a:solidFill>
-              </a:rPr>
-              <a:t>탐지 해제 범위 </a:t>
+              <a:rPr lang="ko-KR" altLang="en-US" sz="2600" b="1" u="sng" dirty="0" smtClean="0">
+                <a:solidFill>
+                  <a:srgbClr val="FF0000"/>
+                </a:solidFill>
+              </a:rPr>
+              <a:t>탐지 해제 </a:t>
+            </a:r>
+            <a:r>
+              <a:rPr lang="ko-KR" altLang="en-US" sz="2600" b="1" u="sng" dirty="0" smtClean="0">
+                <a:solidFill>
+                  <a:srgbClr val="FF0000"/>
+                </a:solidFill>
+              </a:rPr>
+              <a:t>범위 </a:t>
             </a:r>
             <a:r>
               <a:rPr lang="ko-KR" altLang="en-US" sz="2600" dirty="0" smtClean="0"/>
@@ -3934,6 +5465,13 @@
   <p:clrMapOvr>
     <a:masterClrMapping/>
   </p:clrMapOvr>
+  <p:timing>
+    <p:tnLst>
+      <p:par>
+        <p:cTn id="1" dur="indefinite" restart="never" nodeType="tmRoot"/>
+      </p:par>
+    </p:tnLst>
+  </p:timing>
 </p:sld>
 </file>
 
@@ -4211,6 +5749,13 @@
   <p:clrMapOvr>
     <a:masterClrMapping/>
   </p:clrMapOvr>
+  <p:timing>
+    <p:tnLst>
+      <p:par>
+        <p:cTn id="1" dur="indefinite" restart="never" nodeType="tmRoot"/>
+      </p:par>
+    </p:tnLst>
+  </p:timing>
 </p:sld>
 </file>
 
@@ -4524,11 +6069,7 @@
           <a:p>
             <a:r>
               <a:rPr lang="ko-KR" altLang="en-US" sz="2400" dirty="0" smtClean="0"/>
-              <a:t>공중에 </a:t>
-            </a:r>
-            <a:r>
-              <a:rPr lang="ko-KR" altLang="en-US" sz="2400" dirty="0" smtClean="0"/>
-              <a:t>떠오르면 </a:t>
+              <a:t>공중에 떠오르면 </a:t>
             </a:r>
             <a:r>
               <a:rPr lang="ko-KR" altLang="en-US" sz="2400" b="1" dirty="0">
@@ -4566,15 +6107,7 @@
           <a:p>
             <a:r>
               <a:rPr lang="ko-KR" altLang="en-US" sz="2400" dirty="0" smtClean="0"/>
-              <a:t>공중에서 </a:t>
-            </a:r>
-            <a:r>
-              <a:rPr lang="ko-KR" altLang="en-US" sz="2400" dirty="0" smtClean="0"/>
-              <a:t>캐릭터 탐지 </a:t>
-            </a:r>
-            <a:r>
-              <a:rPr lang="ko-KR" altLang="en-US" sz="2400" dirty="0" smtClean="0"/>
-              <a:t>시 </a:t>
+              <a:t>공중에서 캐릭터 탐지 시 </a:t>
             </a:r>
             <a:r>
               <a:rPr lang="en-US" altLang="ko-KR" sz="2400" b="1" dirty="0" smtClean="0">
@@ -4698,6 +6231,13 @@
   <p:clrMapOvr>
     <a:masterClrMapping/>
   </p:clrMapOvr>
+  <p:timing>
+    <p:tnLst>
+      <p:par>
+        <p:cTn id="1" dur="indefinite" restart="never" nodeType="tmRoot"/>
+      </p:par>
+    </p:tnLst>
+  </p:timing>
 </p:sld>
 </file>
 
@@ -4840,9 +6380,56 @@
               <a:t>한다</a:t>
             </a:r>
             <a:r>
-              <a:rPr lang="en-US" altLang="ko-KR" sz="2400" dirty="0"/>
+              <a:rPr lang="en-US" altLang="ko-KR" sz="2400" dirty="0" smtClean="0"/>
               <a:t>.</a:t>
             </a:r>
+          </a:p>
+          <a:p>
+            <a:r>
+              <a:rPr lang="ko-KR" altLang="en-US" sz="2400" dirty="0" smtClean="0"/>
+              <a:t>이 몬스터는 </a:t>
+            </a:r>
+            <a:r>
+              <a:rPr lang="en-US" altLang="ko-KR" sz="2400" b="1" dirty="0" smtClean="0">
+                <a:solidFill>
+                  <a:srgbClr val="FF0000"/>
+                </a:solidFill>
+              </a:rPr>
+              <a:t>5</a:t>
+            </a:r>
+            <a:r>
+              <a:rPr lang="ko-KR" altLang="en-US" sz="2400" b="1" dirty="0" smtClean="0">
+                <a:solidFill>
+                  <a:srgbClr val="FF0000"/>
+                </a:solidFill>
+              </a:rPr>
+              <a:t>초마다 </a:t>
+            </a:r>
+            <a:r>
+              <a:rPr lang="en-US" altLang="ko-KR" sz="2400" b="1" dirty="0" smtClean="0">
+                <a:solidFill>
+                  <a:srgbClr val="FF0000"/>
+                </a:solidFill>
+              </a:rPr>
+              <a:t>1</a:t>
+            </a:r>
+            <a:r>
+              <a:rPr lang="ko-KR" altLang="en-US" sz="2400" b="1" dirty="0" smtClean="0">
+                <a:solidFill>
+                  <a:srgbClr val="FF0000"/>
+                </a:solidFill>
+              </a:rPr>
+              <a:t>초간 은신</a:t>
+            </a:r>
+            <a:r>
+              <a:rPr lang="ko-KR" altLang="en-US" sz="2400" dirty="0" smtClean="0"/>
+              <a:t>을 한다</a:t>
+            </a:r>
+            <a:r>
+              <a:rPr lang="en-US" altLang="ko-KR" sz="2400" dirty="0" smtClean="0"/>
+              <a:t>.</a:t>
+            </a:r>
+            <a:endParaRPr lang="en-US" altLang="ko-KR" sz="2400" dirty="0"/>
           </a:p>
           <a:p>
             <a:endParaRPr lang="en-US" altLang="ko-KR" sz="2400" dirty="0"/>
@@ -4866,7 +6453,15 @@
                   <a:srgbClr val="FF0000"/>
                 </a:solidFill>
               </a:rPr>
-              <a:t>유인</a:t>
+              <a:t>전</a:t>
+            </a:r>
+            <a:r>
+              <a:rPr lang="ko-KR" altLang="en-US" sz="2400" b="1" dirty="0" smtClean="0">
+                <a:solidFill>
+                  <a:srgbClr val="FF0000"/>
+                </a:solidFill>
+              </a:rPr>
+              <a:t>투</a:t>
             </a:r>
             <a:r>
               <a:rPr lang="en-US" altLang="ko-KR" sz="2400" b="1" dirty="0" smtClean="0">
@@ -4961,10 +6556,251 @@
   <p:clrMapOvr>
     <a:masterClrMapping/>
   </p:clrMapOvr>
+  <p:timing>
+    <p:tnLst>
+      <p:par>
+        <p:cTn id="1" dur="indefinite" restart="never" nodeType="tmRoot"/>
+      </p:par>
+    </p:tnLst>
+  </p:timing>
 </p:sld>
 </file>
 
 <file path=ppt/slides/slide6.xml><?xml version="1.0" encoding="utf-8"?>
+<p:sld xmlns:a="http://schemas.openxmlformats.org/drawingml/2006/main" xmlns:r="http://schemas.openxmlformats.org/officeDocument/2006/relationships" xmlns:p="http://schemas.openxmlformats.org/presentationml/2006/main">
+  <p:cSld>
+    <p:spTree>
+      <p:nvGrpSpPr>
+        <p:cNvPr id="1" name=""/>
+        <p:cNvGrpSpPr/>
+        <p:nvPr/>
+      </p:nvGrpSpPr>
+      <p:grpSpPr>
+        <a:xfrm>
+          <a:off x="0" y="0"/>
+          <a:ext cx="0" cy="0"/>
+          <a:chOff x="0" y="0"/>
+          <a:chExt cx="0" cy="0"/>
+        </a:xfrm>
+      </p:grpSpPr>
+      <p:sp>
+        <p:nvSpPr>
+          <p:cNvPr id="2" name="제목 1"/>
+          <p:cNvSpPr>
+            <a:spLocks noGrp="1"/>
+          </p:cNvSpPr>
+          <p:nvPr>
+            <p:ph type="title"/>
+          </p:nvPr>
+        </p:nvSpPr>
+        <p:spPr/>
+        <p:txBody>
+          <a:bodyPr/>
+          <a:lstStyle/>
+          <a:p>
+            <a:r>
+              <a:rPr lang="ko-KR" altLang="en-US" dirty="0" smtClean="0"/>
+              <a:t>죄수 몬스터</a:t>
+            </a:r>
+            <a:endParaRPr lang="ko-KR" altLang="en-US" dirty="0"/>
+          </a:p>
+        </p:txBody>
+      </p:sp>
+      <p:sp>
+        <p:nvSpPr>
+          <p:cNvPr id="10" name="내용 개체 틀 2"/>
+          <p:cNvSpPr>
+            <a:spLocks noGrp="1"/>
+          </p:cNvSpPr>
+          <p:nvPr>
+            <p:ph idx="1"/>
+          </p:nvPr>
+        </p:nvSpPr>
+        <p:spPr>
+          <a:xfrm>
+            <a:off x="4018085" y="1825625"/>
+            <a:ext cx="7335715" cy="4351338"/>
+          </a:xfrm>
+        </p:spPr>
+        <p:txBody>
+          <a:bodyPr>
+            <a:normAutofit/>
+          </a:bodyPr>
+          <a:lstStyle/>
+          <a:p>
+            <a:endParaRPr lang="en-US" altLang="ko-KR" sz="2400" dirty="0" smtClean="0"/>
+          </a:p>
+          <a:p>
+            <a:endParaRPr lang="en-US" altLang="ko-KR" sz="2400" dirty="0"/>
+          </a:p>
+          <a:p>
+            <a:r>
+              <a:rPr lang="ko-KR" altLang="en-US" sz="2400" dirty="0"/>
+              <a:t>해당 몬스터의 처치 방법은 </a:t>
+            </a:r>
+            <a:r>
+              <a:rPr lang="en-US" altLang="ko-KR" sz="2400" b="1" dirty="0">
+                <a:solidFill>
+                  <a:srgbClr val="FF0000"/>
+                </a:solidFill>
+              </a:rPr>
+              <a:t>&lt;</a:t>
+            </a:r>
+            <a:r>
+              <a:rPr lang="ko-KR" altLang="en-US" sz="2400" b="1" dirty="0">
+                <a:solidFill>
+                  <a:srgbClr val="FF0000"/>
+                </a:solidFill>
+              </a:rPr>
+              <a:t>전투</a:t>
+            </a:r>
+            <a:r>
+              <a:rPr lang="en-US" altLang="ko-KR" sz="2400" b="1" dirty="0">
+                <a:solidFill>
+                  <a:srgbClr val="FF0000"/>
+                </a:solidFill>
+              </a:rPr>
+              <a:t>&gt;</a:t>
+            </a:r>
+            <a:r>
+              <a:rPr lang="ko-KR" altLang="en-US" sz="2400" dirty="0"/>
+              <a:t>이다</a:t>
+            </a:r>
+            <a:r>
+              <a:rPr lang="en-US" altLang="ko-KR" sz="2400" dirty="0"/>
+              <a:t>.</a:t>
+            </a:r>
+          </a:p>
+          <a:p>
+            <a:r>
+              <a:rPr lang="ko-KR" altLang="en-US" sz="2400" dirty="0"/>
+              <a:t>이 몬스터를 끌고 </a:t>
+            </a:r>
+            <a:r>
+              <a:rPr lang="ko-KR" altLang="en-US" sz="2400" b="1" dirty="0">
+                <a:solidFill>
+                  <a:srgbClr val="FF0000"/>
+                </a:solidFill>
+              </a:rPr>
+              <a:t>경찰 몬스터</a:t>
+            </a:r>
+            <a:r>
+              <a:rPr lang="ko-KR" altLang="en-US" sz="2400" dirty="0"/>
+              <a:t> 근처로 간다</a:t>
+            </a:r>
+            <a:r>
+              <a:rPr lang="en-US" altLang="ko-KR" sz="2400" dirty="0"/>
+              <a:t>.</a:t>
+            </a:r>
+          </a:p>
+          <a:p>
+            <a:r>
+              <a:rPr lang="ko-KR" altLang="en-US" sz="2400" dirty="0"/>
+              <a:t>경찰 몬스터는 이 몬스터를 우선적으로 추격한다</a:t>
+            </a:r>
+            <a:r>
+              <a:rPr lang="en-US" altLang="ko-KR" sz="2400" dirty="0"/>
+              <a:t>.</a:t>
+            </a:r>
+          </a:p>
+          <a:p>
+            <a:r>
+              <a:rPr lang="ko-KR" altLang="en-US" sz="2400" dirty="0"/>
+              <a:t>추격을 당하면 </a:t>
+            </a:r>
+            <a:r>
+              <a:rPr lang="ko-KR" altLang="en-US" sz="2400" dirty="0" smtClean="0"/>
+              <a:t>죄수 </a:t>
+            </a:r>
+            <a:r>
+              <a:rPr lang="ko-KR" altLang="en-US" sz="2400" dirty="0"/>
+              <a:t>몬스터는 </a:t>
+            </a:r>
+            <a:r>
+              <a:rPr lang="ko-KR" altLang="en-US" sz="2400" b="1" dirty="0">
+                <a:solidFill>
+                  <a:srgbClr val="FF0000"/>
+                </a:solidFill>
+              </a:rPr>
+              <a:t>정지</a:t>
+            </a:r>
+            <a:r>
+              <a:rPr lang="ko-KR" altLang="en-US" sz="2400" dirty="0"/>
+              <a:t>한다</a:t>
+            </a:r>
+            <a:r>
+              <a:rPr lang="en-US" altLang="ko-KR" sz="2400" dirty="0"/>
+              <a:t>.</a:t>
+            </a:r>
+          </a:p>
+          <a:p>
+            <a:r>
+              <a:rPr lang="ko-KR" altLang="en-US" sz="2400" dirty="0"/>
+              <a:t>두 몬스터가 접촉 시 </a:t>
+            </a:r>
+            <a:r>
+              <a:rPr lang="ko-KR" altLang="en-US" sz="2400" dirty="0" smtClean="0"/>
+              <a:t>죄수 </a:t>
+            </a:r>
+            <a:r>
+              <a:rPr lang="ko-KR" altLang="en-US" sz="2400" dirty="0"/>
+              <a:t>몬스터는 죽는다</a:t>
+            </a:r>
+            <a:r>
+              <a:rPr lang="en-US" altLang="ko-KR" sz="2400" dirty="0"/>
+              <a:t>.</a:t>
+            </a:r>
+          </a:p>
+          <a:p>
+            <a:endParaRPr lang="ko-KR" altLang="en-US" dirty="0"/>
+          </a:p>
+        </p:txBody>
+      </p:sp>
+      <p:pic>
+        <p:nvPicPr>
+          <p:cNvPr id="9" name="그림 8"/>
+          <p:cNvPicPr>
+            <a:picLocks noChangeAspect="1"/>
+          </p:cNvPicPr>
+          <p:nvPr/>
+        </p:nvPicPr>
+        <p:blipFill>
+          <a:blip r:embed="rId2"/>
+          <a:stretch>
+            <a:fillRect/>
+          </a:stretch>
+        </p:blipFill>
+        <p:spPr>
+          <a:xfrm>
+            <a:off x="838199" y="2820194"/>
+            <a:ext cx="2257425" cy="2362200"/>
+          </a:xfrm>
+          <a:prstGeom prst="rect">
+            <a:avLst/>
+          </a:prstGeom>
+        </p:spPr>
+      </p:pic>
+    </p:spTree>
+    <p:extLst>
+      <p:ext uri="{BB962C8B-B14F-4D97-AF65-F5344CB8AC3E}">
+        <p14:creationId xmlns:p14="http://schemas.microsoft.com/office/powerpoint/2010/main" val="2187305576"/>
+      </p:ext>
+    </p:extLst>
+  </p:cSld>
+  <p:clrMapOvr>
+    <a:masterClrMapping/>
+  </p:clrMapOvr>
+  <p:timing>
+    <p:tnLst>
+      <p:par>
+        <p:cTn id="1" dur="indefinite" restart="never" nodeType="tmRoot"/>
+      </p:par>
+    </p:tnLst>
+  </p:timing>
+</p:sld>
+</file>
+
+<file path=ppt/slides/slide7.xml><?xml version="1.0" encoding="utf-8"?>
 <p:sld xmlns:a="http://schemas.openxmlformats.org/drawingml/2006/main" xmlns:r="http://schemas.openxmlformats.org/officeDocument/2006/relationships" xmlns:p="http://schemas.openxmlformats.org/presentationml/2006/main">
   <p:cSld>
     <p:spTree>
@@ -5050,11 +6886,7 @@
           <a:p>
             <a:r>
               <a:rPr lang="ko-KR" altLang="en-US" sz="2400" dirty="0" smtClean="0"/>
-              <a:t>이 몬스터는 </a:t>
-            </a:r>
-            <a:r>
-              <a:rPr lang="ko-KR" altLang="en-US" sz="2400" dirty="0" smtClean="0"/>
-              <a:t>캐릭터를 탐지 시 </a:t>
+              <a:t>이 몬스터는 캐릭터를 탐지 시 </a:t>
             </a:r>
             <a:r>
               <a:rPr lang="en-US" altLang="ko-KR" sz="2400" b="1" dirty="0" smtClean="0">
@@ -5070,7 +6902,7 @@
                   <a:srgbClr val="FF0000"/>
                 </a:solidFill>
               </a:rPr>
-              <a:t>초에 한 번 </a:t>
+              <a:t>초마다 </a:t>
             </a:r>
             <a:r>
               <a:rPr lang="en-US" altLang="ko-KR" sz="2400" b="1" dirty="0" smtClean="0">
@@ -5103,7 +6935,15 @@
           <a:p>
             <a:r>
               <a:rPr lang="ko-KR" altLang="en-US" sz="2400" dirty="0"/>
-              <a:t>해당 몬스터의 </a:t>
+              <a:t>해당 몬스터의 처치 방법은 </a:t>
+            </a:r>
+            <a:r>
+              <a:rPr lang="en-US" altLang="ko-KR" sz="2400" b="1" dirty="0">
+                <a:solidFill>
+                  <a:srgbClr val="FF0000"/>
+                </a:solidFill>
+              </a:rPr>
+              <a:t>&lt;</a:t>
             </a:r>
             <a:r>
               <a:rPr lang="ko-KR" altLang="en-US" sz="2400" b="1" dirty="0">
@@ -5111,41 +6951,7 @@
                   <a:srgbClr val="FF0000"/>
                 </a:solidFill>
               </a:rPr>
-              <a:t>처치 방법은 </a:t>
-            </a:r>
-            <a:r>
-              <a:rPr lang="ko-KR" altLang="en-US" sz="2400" b="1" dirty="0" smtClean="0">
-                <a:solidFill>
-                  <a:srgbClr val="FF0000"/>
-                </a:solidFill>
-              </a:rPr>
-              <a:t>없다</a:t>
-            </a:r>
-            <a:r>
-              <a:rPr lang="en-US" altLang="ko-KR" sz="2400" dirty="0" smtClean="0"/>
-              <a:t>.</a:t>
-            </a:r>
-          </a:p>
-          <a:p>
-            <a:r>
-              <a:rPr lang="ko-KR" altLang="en-US" sz="2400" dirty="0" smtClean="0"/>
-              <a:t>다만 벗어나는 방법은 </a:t>
-            </a:r>
-            <a:r>
-              <a:rPr lang="en-US" altLang="ko-KR" sz="2400" b="1" dirty="0" smtClean="0">
-                <a:solidFill>
-                  <a:srgbClr val="FF0000"/>
-                </a:solidFill>
-              </a:rPr>
-              <a:t>&lt;</a:t>
-            </a:r>
-            <a:r>
-              <a:rPr lang="ko-KR" altLang="en-US" sz="2400" b="1" dirty="0">
-                <a:solidFill>
-                  <a:srgbClr val="FF0000"/>
-                </a:solidFill>
-              </a:rPr>
-              <a:t>유인</a:t>
+              <a:t>전투</a:t>
             </a:r>
             <a:r>
               <a:rPr lang="en-US" altLang="ko-KR" sz="2400" b="1" dirty="0">
@@ -5160,48 +6966,153 @@
               <a:t>이다</a:t>
             </a:r>
             <a:r>
+              <a:rPr lang="en-US" altLang="ko-KR" sz="2400" dirty="0"/>
+              <a:t>.</a:t>
+            </a:r>
+          </a:p>
+          <a:p>
+            <a:r>
+              <a:rPr lang="ko-KR" altLang="en-US" sz="2400" dirty="0"/>
+              <a:t>이 몬스터를 끌고 </a:t>
+            </a:r>
+            <a:r>
+              <a:rPr lang="ko-KR" altLang="en-US" sz="2400" b="1" dirty="0" smtClean="0">
+                <a:solidFill>
+                  <a:srgbClr val="FF0000"/>
+                </a:solidFill>
+              </a:rPr>
+              <a:t>도둑</a:t>
+            </a:r>
+            <a:r>
+              <a:rPr lang="en-US" altLang="ko-KR" sz="2400" b="1" dirty="0" smtClean="0">
+                <a:solidFill>
+                  <a:srgbClr val="FF0000"/>
+                </a:solidFill>
+              </a:rPr>
+              <a:t>, </a:t>
+            </a:r>
+            <a:r>
+              <a:rPr lang="ko-KR" altLang="en-US" sz="2400" b="1" dirty="0" smtClean="0">
+                <a:solidFill>
+                  <a:srgbClr val="FF0000"/>
+                </a:solidFill>
+              </a:rPr>
+              <a:t>죄수</a:t>
+            </a:r>
+            <a:r>
+              <a:rPr lang="ko-KR" altLang="en-US" sz="2400" dirty="0" smtClean="0"/>
+              <a:t> </a:t>
+            </a:r>
+            <a:r>
+              <a:rPr lang="ko-KR" altLang="en-US" sz="2400" dirty="0"/>
+              <a:t>근처로 간다</a:t>
+            </a:r>
+            <a:r>
+              <a:rPr lang="en-US" altLang="ko-KR" sz="2400" dirty="0"/>
+              <a:t>.</a:t>
+            </a:r>
+          </a:p>
+          <a:p>
+            <a:r>
+              <a:rPr lang="ko-KR" altLang="en-US" sz="2400" dirty="0" smtClean="0"/>
+              <a:t>경찰은 </a:t>
+            </a:r>
+            <a:r>
+              <a:rPr lang="ko-KR" altLang="en-US" sz="2400" b="1" dirty="0">
+                <a:solidFill>
+                  <a:srgbClr val="FF0000"/>
+                </a:solidFill>
+              </a:rPr>
+              <a:t>도둑</a:t>
+            </a:r>
+            <a:r>
+              <a:rPr lang="en-US" altLang="ko-KR" sz="2400" b="1" dirty="0">
+                <a:solidFill>
+                  <a:srgbClr val="FF0000"/>
+                </a:solidFill>
+              </a:rPr>
+              <a:t>, </a:t>
+            </a:r>
+            <a:r>
+              <a:rPr lang="ko-KR" altLang="en-US" sz="2400" b="1" dirty="0" smtClean="0">
+                <a:solidFill>
+                  <a:srgbClr val="FF0000"/>
+                </a:solidFill>
+              </a:rPr>
+              <a:t>죄수</a:t>
+            </a:r>
+            <a:r>
+              <a:rPr lang="ko-KR" altLang="en-US" sz="2400" dirty="0" smtClean="0"/>
+              <a:t>를 우선적으로 </a:t>
+            </a:r>
+            <a:r>
+              <a:rPr lang="ko-KR" altLang="en-US" sz="2400" b="1" dirty="0">
+                <a:solidFill>
+                  <a:srgbClr val="FF0000"/>
+                </a:solidFill>
+              </a:rPr>
+              <a:t>추격</a:t>
+            </a:r>
+            <a:r>
+              <a:rPr lang="ko-KR" altLang="en-US" sz="2400" dirty="0"/>
+              <a:t>한다</a:t>
+            </a:r>
+            <a:r>
+              <a:rPr lang="en-US" altLang="ko-KR" sz="2400" dirty="0"/>
+              <a:t>.</a:t>
+            </a:r>
+          </a:p>
+          <a:p>
+            <a:r>
+              <a:rPr lang="ko-KR" altLang="en-US" sz="2400" dirty="0"/>
+              <a:t>추격을 당하면 </a:t>
+            </a:r>
+            <a:r>
+              <a:rPr lang="ko-KR" altLang="en-US" sz="2400" dirty="0" smtClean="0"/>
+              <a:t>도둑</a:t>
+            </a:r>
+            <a:r>
               <a:rPr lang="en-US" altLang="ko-KR" sz="2400" dirty="0" smtClean="0"/>
+              <a:t>, </a:t>
+            </a:r>
+            <a:r>
+              <a:rPr lang="ko-KR" altLang="en-US" sz="2400" dirty="0" smtClean="0"/>
+              <a:t>죄수는 </a:t>
+            </a:r>
+            <a:r>
+              <a:rPr lang="ko-KR" altLang="en-US" sz="2400" b="1" dirty="0">
+                <a:solidFill>
+                  <a:srgbClr val="FF0000"/>
+                </a:solidFill>
+              </a:rPr>
+              <a:t>정지</a:t>
+            </a:r>
+            <a:r>
+              <a:rPr lang="ko-KR" altLang="en-US" sz="2400" dirty="0"/>
+              <a:t>한다</a:t>
+            </a:r>
+            <a:r>
+              <a:rPr lang="en-US" altLang="ko-KR" sz="2400" dirty="0"/>
               <a:t>.</a:t>
             </a:r>
           </a:p>
           <a:p>
             <a:r>
+              <a:rPr lang="ko-KR" altLang="en-US" sz="2400" dirty="0"/>
+              <a:t>두 몬스터가 접촉 시 </a:t>
+            </a:r>
+            <a:r>
               <a:rPr lang="ko-KR" altLang="en-US" sz="2400" dirty="0" smtClean="0"/>
-              <a:t>이 몬스터가 </a:t>
-            </a:r>
-            <a:r>
-              <a:rPr lang="ko-KR" altLang="en-US" sz="2400" b="1" dirty="0" smtClean="0">
-                <a:solidFill>
-                  <a:srgbClr val="FF0000"/>
-                </a:solidFill>
-              </a:rPr>
-              <a:t>도둑 몬스터를 처치하면 그 자리에서 </a:t>
-            </a:r>
-            <a:r>
-              <a:rPr lang="en-US" altLang="ko-KR" sz="2400" b="1" dirty="0" smtClean="0">
-                <a:solidFill>
-                  <a:srgbClr val="FF0000"/>
-                </a:solidFill>
-              </a:rPr>
-              <a:t>5</a:t>
-            </a:r>
-            <a:r>
-              <a:rPr lang="ko-KR" altLang="en-US" sz="2400" b="1" dirty="0" smtClean="0">
-                <a:solidFill>
-                  <a:srgbClr val="FF0000"/>
-                </a:solidFill>
-              </a:rPr>
-              <a:t>초간 정지</a:t>
-            </a:r>
-            <a:r>
-              <a:rPr lang="ko-KR" altLang="en-US" sz="2400" dirty="0" smtClean="0"/>
-              <a:t>한다</a:t>
-            </a:r>
-            <a:r>
-              <a:rPr lang="en-US" altLang="ko-KR" sz="2400" dirty="0" smtClean="0"/>
+              <a:t>경찰 </a:t>
+            </a:r>
+            <a:r>
+              <a:rPr lang="ko-KR" altLang="en-US" sz="2400" dirty="0"/>
+              <a:t>몬스터는 죽는다</a:t>
+            </a:r>
+            <a:r>
+              <a:rPr lang="en-US" altLang="ko-KR" sz="2400" dirty="0"/>
               <a:t>.</a:t>
             </a:r>
-            <a:endParaRPr lang="en-US" altLang="ko-KR" sz="2400" dirty="0"/>
           </a:p>
           <a:p>
             <a:endParaRPr lang="en-US" altLang="ko-KR" sz="2400" dirty="0"/>
@@ -5221,10 +7132,17 @@
   <p:clrMapOvr>
     <a:masterClrMapping/>
   </p:clrMapOvr>
+  <p:timing>
+    <p:tnLst>
+      <p:par>
+        <p:cTn id="1" dur="indefinite" restart="never" nodeType="tmRoot"/>
+      </p:par>
+    </p:tnLst>
+  </p:timing>
 </p:sld>
 </file>
 
-<file path=ppt/slides/slide7.xml><?xml version="1.0" encoding="utf-8"?>
+<file path=ppt/slides/slide8.xml><?xml version="1.0" encoding="utf-8"?>
 <p:sld xmlns:a="http://schemas.openxmlformats.org/drawingml/2006/main" xmlns:r="http://schemas.openxmlformats.org/officeDocument/2006/relationships" xmlns:p="http://schemas.openxmlformats.org/presentationml/2006/main">
   <p:cSld>
     <p:spTree>
@@ -5258,15 +7176,7 @@
           <a:p>
             <a:r>
               <a:rPr lang="ko-KR" altLang="en-US" dirty="0" smtClean="0"/>
-              <a:t>소녀</a:t>
-            </a:r>
-            <a:r>
-              <a:rPr lang="ko-KR" altLang="en-US" dirty="0" smtClean="0"/>
-              <a:t> </a:t>
-            </a:r>
-            <a:r>
-              <a:rPr lang="ko-KR" altLang="en-US" dirty="0" smtClean="0"/>
-              <a:t>몬스터</a:t>
+              <a:t>소방관 몬스터</a:t>
             </a:r>
             <a:endParaRPr lang="ko-KR" altLang="en-US" dirty="0"/>
           </a:p>
@@ -5289,8 +7199,337 @@
           </a:xfrm>
         </p:spPr>
         <p:txBody>
+          <a:bodyPr>
+            <a:normAutofit/>
+          </a:bodyPr>
+          <a:lstStyle/>
+          <a:p>
+            <a:r>
+              <a:rPr lang="ko-KR" altLang="en-US" sz="2400" dirty="0" smtClean="0"/>
+              <a:t>탐지 범위 내에 </a:t>
+            </a:r>
+            <a:r>
+              <a:rPr lang="ko-KR" altLang="en-US" sz="2400" b="1" dirty="0" smtClean="0">
+                <a:solidFill>
+                  <a:srgbClr val="FF0000"/>
+                </a:solidFill>
+              </a:rPr>
+              <a:t>불 블록</a:t>
+            </a:r>
+            <a:r>
+              <a:rPr lang="ko-KR" altLang="en-US" sz="2400" dirty="0" smtClean="0"/>
+              <a:t>이 있을 경우</a:t>
+            </a:r>
+            <a:r>
+              <a:rPr lang="en-US" altLang="ko-KR" sz="2400" dirty="0" smtClean="0"/>
+              <a:t>,</a:t>
+            </a:r>
+            <a:r>
+              <a:rPr lang="ko-KR" altLang="en-US" sz="2400" dirty="0" smtClean="0"/>
+              <a:t> 해당 블록을 </a:t>
+            </a:r>
+            <a:r>
+              <a:rPr lang="ko-KR" altLang="en-US" sz="2400" b="1" dirty="0" smtClean="0">
+                <a:solidFill>
+                  <a:srgbClr val="FF0000"/>
+                </a:solidFill>
+              </a:rPr>
+              <a:t>물 블록</a:t>
+            </a:r>
+            <a:r>
+              <a:rPr lang="ko-KR" altLang="en-US" sz="2400" dirty="0" smtClean="0"/>
+              <a:t>으로 바꾼다</a:t>
+            </a:r>
+            <a:r>
+              <a:rPr lang="en-US" altLang="ko-KR" sz="2400" dirty="0" smtClean="0"/>
+              <a:t>.</a:t>
+            </a:r>
+          </a:p>
+          <a:p>
+            <a:endParaRPr lang="en-US" altLang="ko-KR" sz="2400" dirty="0" smtClean="0"/>
+          </a:p>
+          <a:p>
+            <a:r>
+              <a:rPr lang="ko-KR" altLang="en-US" sz="2400" dirty="0"/>
+              <a:t>해당 몬스터의 처치 방법은 </a:t>
+            </a:r>
+            <a:r>
+              <a:rPr lang="en-US" altLang="ko-KR" sz="2400" b="1" dirty="0" smtClean="0">
+                <a:solidFill>
+                  <a:srgbClr val="FF0000"/>
+                </a:solidFill>
+              </a:rPr>
+              <a:t>&lt;</a:t>
+            </a:r>
+            <a:r>
+              <a:rPr lang="ko-KR" altLang="en-US" sz="2400" b="1" dirty="0" smtClean="0">
+                <a:solidFill>
+                  <a:srgbClr val="FF0000"/>
+                </a:solidFill>
+              </a:rPr>
+              <a:t>유인</a:t>
+            </a:r>
+            <a:r>
+              <a:rPr lang="en-US" altLang="ko-KR" sz="2400" b="1" dirty="0" smtClean="0">
+                <a:solidFill>
+                  <a:srgbClr val="FF0000"/>
+                </a:solidFill>
+              </a:rPr>
+              <a:t>&gt;</a:t>
+            </a:r>
+            <a:r>
+              <a:rPr lang="ko-KR" altLang="en-US" sz="2400" dirty="0"/>
+              <a:t>이다</a:t>
+            </a:r>
+            <a:r>
+              <a:rPr lang="en-US" altLang="ko-KR" sz="2400" dirty="0"/>
+              <a:t>.</a:t>
+            </a:r>
+          </a:p>
+          <a:p>
+            <a:r>
+              <a:rPr lang="ko-KR" altLang="en-US" sz="2400" dirty="0" smtClean="0"/>
+              <a:t>불 블록을 물 블록으로 바꾸면 죽는다</a:t>
+            </a:r>
+            <a:r>
+              <a:rPr lang="en-US" altLang="ko-KR" sz="2400" dirty="0" smtClean="0"/>
+              <a:t>.</a:t>
+            </a:r>
+          </a:p>
+          <a:p>
+            <a:r>
+              <a:rPr lang="ko-KR" altLang="en-US" sz="2400" dirty="0" smtClean="0"/>
+              <a:t>소방관을 불 블록 근처로 유인한다</a:t>
+            </a:r>
+            <a:r>
+              <a:rPr lang="en-US" altLang="ko-KR" sz="2400" dirty="0" smtClean="0"/>
+              <a:t>.</a:t>
+            </a:r>
+            <a:endParaRPr lang="ko-KR" altLang="en-US" sz="2400" dirty="0"/>
+          </a:p>
+        </p:txBody>
+      </p:sp>
+      <p:pic>
+        <p:nvPicPr>
+          <p:cNvPr id="6" name="그림 5"/>
+          <p:cNvPicPr>
+            <a:picLocks noChangeAspect="1"/>
+          </p:cNvPicPr>
+          <p:nvPr/>
+        </p:nvPicPr>
+        <p:blipFill>
+          <a:blip r:embed="rId2"/>
+          <a:stretch>
+            <a:fillRect/>
+          </a:stretch>
+        </p:blipFill>
+        <p:spPr>
+          <a:xfrm>
+            <a:off x="810541" y="2824956"/>
+            <a:ext cx="2105025" cy="2352675"/>
+          </a:xfrm>
+          <a:prstGeom prst="rect">
+            <a:avLst/>
+          </a:prstGeom>
+        </p:spPr>
+      </p:pic>
+    </p:spTree>
+    <p:extLst>
+      <p:ext uri="{BB962C8B-B14F-4D97-AF65-F5344CB8AC3E}">
+        <p14:creationId xmlns:p14="http://schemas.microsoft.com/office/powerpoint/2010/main" val="3633235241"/>
+      </p:ext>
+    </p:extLst>
+  </p:cSld>
+  <p:clrMapOvr>
+    <a:masterClrMapping/>
+  </p:clrMapOvr>
+  <p:timing>
+    <p:tnLst>
+      <p:par>
+        <p:cTn id="1" dur="indefinite" restart="never" nodeType="tmRoot"/>
+      </p:par>
+    </p:tnLst>
+  </p:timing>
+</p:sld>
+</file>
+
+<file path=ppt/slides/slide9.xml><?xml version="1.0" encoding="utf-8"?>
+<p:sld xmlns:a="http://schemas.openxmlformats.org/drawingml/2006/main" xmlns:r="http://schemas.openxmlformats.org/officeDocument/2006/relationships" xmlns:p="http://schemas.openxmlformats.org/presentationml/2006/main">
+  <p:cSld>
+    <p:spTree>
+      <p:nvGrpSpPr>
+        <p:cNvPr id="1" name=""/>
+        <p:cNvGrpSpPr/>
+        <p:nvPr/>
+      </p:nvGrpSpPr>
+      <p:grpSpPr>
+        <a:xfrm>
+          <a:off x="0" y="0"/>
+          <a:ext cx="0" cy="0"/>
+          <a:chOff x="0" y="0"/>
+          <a:chExt cx="0" cy="0"/>
+        </a:xfrm>
+      </p:grpSpPr>
+      <p:sp>
+        <p:nvSpPr>
+          <p:cNvPr id="2" name="제목 1"/>
+          <p:cNvSpPr>
+            <a:spLocks noGrp="1"/>
+          </p:cNvSpPr>
+          <p:nvPr>
+            <p:ph type="title"/>
+          </p:nvPr>
+        </p:nvSpPr>
+        <p:spPr/>
+        <p:txBody>
           <a:bodyPr/>
           <a:lstStyle/>
+          <a:p>
+            <a:r>
+              <a:rPr lang="ko-KR" altLang="en-US" dirty="0" smtClean="0"/>
+              <a:t>소녀 몬스터</a:t>
+            </a:r>
+            <a:endParaRPr lang="ko-KR" altLang="en-US" dirty="0"/>
+          </a:p>
+        </p:txBody>
+      </p:sp>
+      <p:sp>
+        <p:nvSpPr>
+          <p:cNvPr id="10" name="내용 개체 틀 2"/>
+          <p:cNvSpPr>
+            <a:spLocks noGrp="1"/>
+          </p:cNvSpPr>
+          <p:nvPr>
+            <p:ph idx="1"/>
+          </p:nvPr>
+        </p:nvSpPr>
+        <p:spPr>
+          <a:xfrm>
+            <a:off x="4018085" y="1825625"/>
+            <a:ext cx="7335715" cy="4351338"/>
+          </a:xfrm>
+        </p:spPr>
+        <p:txBody>
+          <a:bodyPr/>
+          <a:lstStyle/>
+          <a:p>
+            <a:r>
+              <a:rPr lang="ko-KR" altLang="en-US" sz="2400" dirty="0" smtClean="0"/>
+              <a:t>이 몬스터는 캐릭터가 탐지 범위 내에 있을 경우 제자리에 멈추고</a:t>
+            </a:r>
+            <a:r>
+              <a:rPr lang="en-US" altLang="ko-KR" sz="2400" dirty="0" smtClean="0"/>
+              <a:t>,</a:t>
+            </a:r>
+            <a:r>
+              <a:rPr lang="ko-KR" altLang="en-US" sz="2400" dirty="0" smtClean="0"/>
+              <a:t> 소리친다</a:t>
+            </a:r>
+            <a:r>
+              <a:rPr lang="en-US" altLang="ko-KR" sz="2400" dirty="0" smtClean="0"/>
+              <a:t>.</a:t>
+            </a:r>
+          </a:p>
+          <a:p>
+            <a:r>
+              <a:rPr lang="ko-KR" altLang="en-US" sz="2400" b="1" dirty="0" smtClean="0">
+                <a:solidFill>
+                  <a:srgbClr val="FF0000"/>
+                </a:solidFill>
+              </a:rPr>
+              <a:t>소리치기는 </a:t>
+            </a:r>
+            <a:r>
+              <a:rPr lang="en-US" altLang="ko-KR" sz="2400" b="1" dirty="0" smtClean="0">
+                <a:solidFill>
+                  <a:srgbClr val="FF0000"/>
+                </a:solidFill>
+              </a:rPr>
+              <a:t>5</a:t>
+            </a:r>
+            <a:r>
+              <a:rPr lang="ko-KR" altLang="en-US" sz="2400" b="1" dirty="0" smtClean="0">
+                <a:solidFill>
+                  <a:srgbClr val="FF0000"/>
+                </a:solidFill>
+              </a:rPr>
+              <a:t>칸 범위</a:t>
+            </a:r>
+            <a:r>
+              <a:rPr lang="ko-KR" altLang="en-US" sz="2400" dirty="0" smtClean="0"/>
+              <a:t>에 영향을 미친다</a:t>
+            </a:r>
+            <a:r>
+              <a:rPr lang="en-US" altLang="ko-KR" sz="2400" dirty="0" smtClean="0"/>
+              <a:t>.</a:t>
+            </a:r>
+          </a:p>
+          <a:p>
+            <a:r>
+              <a:rPr lang="ko-KR" altLang="en-US" sz="2400" dirty="0" smtClean="0"/>
+              <a:t>소리치기 범위 내에 있으면 </a:t>
+            </a:r>
+            <a:r>
+              <a:rPr lang="ko-KR" altLang="en-US" sz="2400" b="1" dirty="0" smtClean="0">
+                <a:solidFill>
+                  <a:srgbClr val="FF0000"/>
+                </a:solidFill>
+              </a:rPr>
+              <a:t>캐릭터 속도가 절반</a:t>
+            </a:r>
+            <a:r>
+              <a:rPr lang="en-US" altLang="ko-KR" sz="2400" dirty="0" smtClean="0"/>
+              <a:t>.</a:t>
+            </a:r>
+          </a:p>
+          <a:p>
+            <a:pPr marL="0" indent="0">
+              <a:buNone/>
+            </a:pPr>
+            <a:endParaRPr lang="en-US" altLang="ko-KR" sz="2400" dirty="0"/>
+          </a:p>
+          <a:p>
+            <a:r>
+              <a:rPr lang="ko-KR" altLang="en-US" sz="2400" dirty="0"/>
+              <a:t>해당 몬스터의 처치 </a:t>
+            </a:r>
+            <a:r>
+              <a:rPr lang="ko-KR" altLang="en-US" sz="2400" dirty="0" smtClean="0"/>
+              <a:t>방법은 </a:t>
+            </a:r>
+            <a:r>
+              <a:rPr lang="en-US" altLang="ko-KR" sz="2400" b="1" dirty="0" smtClean="0">
+                <a:solidFill>
+                  <a:srgbClr val="FF0000"/>
+                </a:solidFill>
+              </a:rPr>
+              <a:t>&lt;</a:t>
+            </a:r>
+            <a:r>
+              <a:rPr lang="ko-KR" altLang="en-US" sz="2400" b="1" dirty="0" smtClean="0">
+                <a:solidFill>
+                  <a:srgbClr val="FF0000"/>
+                </a:solidFill>
+              </a:rPr>
+              <a:t>터치</a:t>
+            </a:r>
+            <a:r>
+              <a:rPr lang="en-US" altLang="ko-KR" sz="2400" b="1" dirty="0" smtClean="0">
+                <a:solidFill>
+                  <a:srgbClr val="FF0000"/>
+                </a:solidFill>
+              </a:rPr>
+              <a:t>&gt;</a:t>
+            </a:r>
+            <a:r>
+              <a:rPr lang="ko-KR" altLang="en-US" sz="2400" dirty="0"/>
+              <a:t>이다</a:t>
+            </a:r>
+            <a:r>
+              <a:rPr lang="en-US" altLang="ko-KR" sz="2400" dirty="0" smtClean="0"/>
+              <a:t>.</a:t>
+            </a:r>
+          </a:p>
           <a:p>
             <a:r>
               <a:rPr lang="ko-KR" altLang="en-US" sz="2400" dirty="0" smtClean="0"/>
@@ -5298,15 +7537,11 @@
             </a:r>
             <a:r>
               <a:rPr lang="ko-KR" altLang="en-US" sz="2400" dirty="0" smtClean="0"/>
-              <a:t>캐릭터가 탐지 범위 내에 있을 경우 제자리에 멈추고</a:t>
-            </a:r>
-            <a:r>
-              <a:rPr lang="en-US" altLang="ko-KR" sz="2400" dirty="0" smtClean="0"/>
-              <a:t>,</a:t>
+              <a:t>캐릭터와 </a:t>
             </a:r>
             <a:r>
               <a:rPr lang="ko-KR" altLang="en-US" sz="2400" dirty="0" smtClean="0"/>
-              <a:t> 소리친다</a:t>
+              <a:t>충돌하면 죽는다</a:t>
             </a:r>
             <a:r>
               <a:rPr lang="en-US" altLang="ko-KR" sz="2400" dirty="0" smtClean="0"/>
@@ -5315,114 +7550,15 @@
           </a:p>
           <a:p>
             <a:r>
-              <a:rPr lang="ko-KR" altLang="en-US" sz="2400" b="1" dirty="0" smtClean="0">
-                <a:solidFill>
-                  <a:srgbClr val="FF0000"/>
-                </a:solidFill>
-              </a:rPr>
-              <a:t>소리치기는 </a:t>
-            </a:r>
-            <a:r>
-              <a:rPr lang="en-US" altLang="ko-KR" sz="2400" b="1" dirty="0" smtClean="0">
-                <a:solidFill>
-                  <a:srgbClr val="FF0000"/>
-                </a:solidFill>
-              </a:rPr>
-              <a:t>5</a:t>
-            </a:r>
-            <a:r>
-              <a:rPr lang="ko-KR" altLang="en-US" sz="2400" b="1" dirty="0" smtClean="0">
-                <a:solidFill>
-                  <a:srgbClr val="FF0000"/>
-                </a:solidFill>
-              </a:rPr>
-              <a:t>칸 범위</a:t>
-            </a:r>
-            <a:r>
-              <a:rPr lang="ko-KR" altLang="en-US" sz="2400" dirty="0" smtClean="0"/>
-              <a:t>에 영향을 미친다</a:t>
-            </a:r>
-            <a:r>
-              <a:rPr lang="en-US" altLang="ko-KR" sz="2400" dirty="0" smtClean="0"/>
+              <a:rPr lang="ko-KR" altLang="en-US" sz="2400" dirty="0"/>
+              <a:t>이 몬스터와 충돌해도 데미지를 받지 않는다</a:t>
+            </a:r>
+            <a:r>
+              <a:rPr lang="en-US" altLang="ko-KR" sz="2400" dirty="0"/>
               <a:t>.</a:t>
             </a:r>
-            <a:endParaRPr lang="en-US" altLang="ko-KR" sz="2400" dirty="0" smtClean="0"/>
-          </a:p>
-          <a:p>
-            <a:r>
-              <a:rPr lang="ko-KR" altLang="en-US" sz="2400" dirty="0" smtClean="0"/>
-              <a:t>소리치기 범위 내에 있으면 </a:t>
-            </a:r>
-            <a:r>
-              <a:rPr lang="ko-KR" altLang="en-US" sz="2400" b="1" dirty="0" smtClean="0">
-                <a:solidFill>
-                  <a:srgbClr val="FF0000"/>
-                </a:solidFill>
-              </a:rPr>
-              <a:t>캐릭터 속도가 절반</a:t>
-            </a:r>
-            <a:r>
-              <a:rPr lang="en-US" altLang="ko-KR" sz="2400" dirty="0" smtClean="0"/>
-              <a:t>.</a:t>
-            </a:r>
-          </a:p>
-          <a:p>
-            <a:endParaRPr lang="en-US" altLang="ko-KR" sz="2400" dirty="0" smtClean="0"/>
-          </a:p>
-          <a:p>
-            <a:endParaRPr lang="en-US" altLang="ko-KR" sz="2400" dirty="0"/>
-          </a:p>
-          <a:p>
-            <a:r>
-              <a:rPr lang="ko-KR" altLang="en-US" sz="2400" dirty="0"/>
-              <a:t>해당 몬스터의 처치 </a:t>
-            </a:r>
-            <a:r>
-              <a:rPr lang="ko-KR" altLang="en-US" sz="2400" dirty="0" smtClean="0"/>
-              <a:t>방법은 </a:t>
-            </a:r>
-            <a:r>
-              <a:rPr lang="en-US" altLang="ko-KR" sz="2400" b="1" dirty="0" smtClean="0">
-                <a:solidFill>
-                  <a:srgbClr val="FF0000"/>
-                </a:solidFill>
-              </a:rPr>
-              <a:t>&lt;</a:t>
-            </a:r>
-            <a:r>
-              <a:rPr lang="ko-KR" altLang="en-US" sz="2400" b="1" dirty="0" smtClean="0">
-                <a:solidFill>
-                  <a:srgbClr val="FF0000"/>
-                </a:solidFill>
-              </a:rPr>
-              <a:t>터치</a:t>
-            </a:r>
-            <a:r>
-              <a:rPr lang="en-US" altLang="ko-KR" sz="2400" b="1" dirty="0" smtClean="0">
-                <a:solidFill>
-                  <a:srgbClr val="FF0000"/>
-                </a:solidFill>
-              </a:rPr>
-              <a:t>&gt;</a:t>
-            </a:r>
-            <a:r>
-              <a:rPr lang="ko-KR" altLang="en-US" sz="2400" dirty="0"/>
-              <a:t>이다</a:t>
-            </a:r>
-            <a:r>
-              <a:rPr lang="en-US" altLang="ko-KR" sz="2400" dirty="0" smtClean="0"/>
-              <a:t>.</a:t>
-            </a:r>
-          </a:p>
-          <a:p>
-            <a:r>
-              <a:rPr lang="ko-KR" altLang="en-US" sz="2400" dirty="0" smtClean="0"/>
-              <a:t>이 몬스터와 캐릭터가 충돌하면 죽는다</a:t>
-            </a:r>
-            <a:r>
-              <a:rPr lang="en-US" altLang="ko-KR" sz="2400" dirty="0" smtClean="0"/>
-              <a:t>.</a:t>
-            </a:r>
+          </a:p>
+          <a:p>
             <a:endParaRPr lang="en-US" altLang="ko-KR" sz="2400" dirty="0"/>
           </a:p>
           <a:p>
@@ -5464,417 +7600,13 @@
   <p:clrMapOvr>
     <a:masterClrMapping/>
   </p:clrMapOvr>
-</p:sld>
-</file>
-
-<file path=ppt/slides/slide8.xml><?xml version="1.0" encoding="utf-8"?>
-<p:sld xmlns:a="http://schemas.openxmlformats.org/drawingml/2006/main" xmlns:r="http://schemas.openxmlformats.org/officeDocument/2006/relationships" xmlns:p="http://schemas.openxmlformats.org/presentationml/2006/main">
-  <p:cSld>
-    <p:spTree>
-      <p:nvGrpSpPr>
-        <p:cNvPr id="1" name=""/>
-        <p:cNvGrpSpPr/>
-        <p:nvPr/>
-      </p:nvGrpSpPr>
-      <p:grpSpPr>
-        <a:xfrm>
-          <a:off x="0" y="0"/>
-          <a:ext cx="0" cy="0"/>
-          <a:chOff x="0" y="0"/>
-          <a:chExt cx="0" cy="0"/>
-        </a:xfrm>
-      </p:grpSpPr>
-      <p:sp>
-        <p:nvSpPr>
-          <p:cNvPr id="2" name="제목 1"/>
-          <p:cNvSpPr>
-            <a:spLocks noGrp="1"/>
-          </p:cNvSpPr>
-          <p:nvPr>
-            <p:ph type="title"/>
-          </p:nvPr>
-        </p:nvSpPr>
-        <p:spPr/>
-        <p:txBody>
-          <a:bodyPr/>
-          <a:lstStyle/>
-          <a:p>
-            <a:r>
-              <a:rPr lang="ko-KR" altLang="en-US" dirty="0" smtClean="0"/>
-              <a:t>소년</a:t>
-            </a:r>
-            <a:r>
-              <a:rPr lang="ko-KR" altLang="en-US" dirty="0" smtClean="0"/>
-              <a:t> </a:t>
-            </a:r>
-            <a:r>
-              <a:rPr lang="ko-KR" altLang="en-US" dirty="0" smtClean="0"/>
-              <a:t>몬스터</a:t>
-            </a:r>
-            <a:endParaRPr lang="ko-KR" altLang="en-US" dirty="0"/>
-          </a:p>
-        </p:txBody>
-      </p:sp>
-      <p:sp>
-        <p:nvSpPr>
-          <p:cNvPr id="10" name="내용 개체 틀 2"/>
-          <p:cNvSpPr>
-            <a:spLocks noGrp="1"/>
-          </p:cNvSpPr>
-          <p:nvPr>
-            <p:ph idx="1"/>
-          </p:nvPr>
-        </p:nvSpPr>
-        <p:spPr>
-          <a:xfrm>
-            <a:off x="4018085" y="1825625"/>
-            <a:ext cx="7335715" cy="4351338"/>
-          </a:xfrm>
-        </p:spPr>
-        <p:txBody>
-          <a:bodyPr/>
-          <a:lstStyle/>
-          <a:p>
-            <a:r>
-              <a:rPr lang="ko-KR" altLang="en-US" sz="2400" dirty="0" smtClean="0"/>
-              <a:t>이 몬스터는 </a:t>
-            </a:r>
-            <a:r>
-              <a:rPr lang="ko-KR" altLang="en-US" sz="2400" dirty="0" smtClean="0"/>
-              <a:t>캐릭터가 탐지 범위 내에 있을 경우 제자리에 멈추고</a:t>
-            </a:r>
-            <a:r>
-              <a:rPr lang="en-US" altLang="ko-KR" sz="2400" dirty="0" smtClean="0"/>
-              <a:t>, </a:t>
-            </a:r>
-            <a:r>
-              <a:rPr lang="ko-KR" altLang="en-US" sz="2400" dirty="0" smtClean="0"/>
-              <a:t>공을 던진다</a:t>
-            </a:r>
-            <a:r>
-              <a:rPr lang="en-US" altLang="ko-KR" sz="2400" dirty="0" smtClean="0"/>
-              <a:t>.</a:t>
-            </a:r>
-          </a:p>
-          <a:p>
-            <a:r>
-              <a:rPr lang="ko-KR" altLang="en-US" sz="2400" b="1" dirty="0" smtClean="0">
-                <a:solidFill>
-                  <a:srgbClr val="FF0000"/>
-                </a:solidFill>
-              </a:rPr>
-              <a:t>소리치기는 </a:t>
-            </a:r>
-            <a:r>
-              <a:rPr lang="en-US" altLang="ko-KR" sz="2400" b="1" dirty="0" smtClean="0">
-                <a:solidFill>
-                  <a:srgbClr val="FF0000"/>
-                </a:solidFill>
-              </a:rPr>
-              <a:t>5</a:t>
-            </a:r>
-            <a:r>
-              <a:rPr lang="ko-KR" altLang="en-US" sz="2400" b="1" dirty="0" smtClean="0">
-                <a:solidFill>
-                  <a:srgbClr val="FF0000"/>
-                </a:solidFill>
-              </a:rPr>
-              <a:t>칸 범위</a:t>
-            </a:r>
-            <a:r>
-              <a:rPr lang="ko-KR" altLang="en-US" sz="2400" dirty="0" smtClean="0"/>
-              <a:t>에 영향을 미친다</a:t>
-            </a:r>
-            <a:r>
-              <a:rPr lang="en-US" altLang="ko-KR" sz="2400" dirty="0" smtClean="0"/>
-              <a:t>.</a:t>
-            </a:r>
-            <a:endParaRPr lang="en-US" altLang="ko-KR" sz="2400" dirty="0" smtClean="0"/>
-          </a:p>
-          <a:p>
-            <a:r>
-              <a:rPr lang="ko-KR" altLang="en-US" sz="2400" dirty="0" smtClean="0"/>
-              <a:t>소리치기 범위 내에 있으면 </a:t>
-            </a:r>
-            <a:r>
-              <a:rPr lang="ko-KR" altLang="en-US" sz="2400" b="1" dirty="0" smtClean="0">
-                <a:solidFill>
-                  <a:srgbClr val="FF0000"/>
-                </a:solidFill>
-              </a:rPr>
-              <a:t>캐릭터 속도가 절반</a:t>
-            </a:r>
-            <a:r>
-              <a:rPr lang="en-US" altLang="ko-KR" sz="2400" dirty="0" smtClean="0"/>
-              <a:t>.</a:t>
-            </a:r>
-          </a:p>
-          <a:p>
-            <a:endParaRPr lang="en-US" altLang="ko-KR" sz="2400" dirty="0" smtClean="0"/>
-          </a:p>
-          <a:p>
-            <a:endParaRPr lang="en-US" altLang="ko-KR" sz="2400" dirty="0"/>
-          </a:p>
-          <a:p>
-            <a:r>
-              <a:rPr lang="ko-KR" altLang="en-US" sz="2400" dirty="0"/>
-              <a:t>해당 몬스터의 처치 </a:t>
-            </a:r>
-            <a:r>
-              <a:rPr lang="ko-KR" altLang="en-US" sz="2400" dirty="0" smtClean="0"/>
-              <a:t>방법은 </a:t>
-            </a:r>
-            <a:r>
-              <a:rPr lang="en-US" altLang="ko-KR" sz="2400" b="1" dirty="0" smtClean="0">
-                <a:solidFill>
-                  <a:srgbClr val="FF0000"/>
-                </a:solidFill>
-              </a:rPr>
-              <a:t>&lt;</a:t>
-            </a:r>
-            <a:r>
-              <a:rPr lang="ko-KR" altLang="en-US" sz="2400" b="1" dirty="0" smtClean="0">
-                <a:solidFill>
-                  <a:srgbClr val="FF0000"/>
-                </a:solidFill>
-              </a:rPr>
-              <a:t>터치</a:t>
-            </a:r>
-            <a:r>
-              <a:rPr lang="en-US" altLang="ko-KR" sz="2400" b="1" dirty="0" smtClean="0">
-                <a:solidFill>
-                  <a:srgbClr val="FF0000"/>
-                </a:solidFill>
-              </a:rPr>
-              <a:t>&gt;</a:t>
-            </a:r>
-            <a:r>
-              <a:rPr lang="ko-KR" altLang="en-US" sz="2400" dirty="0"/>
-              <a:t>이다</a:t>
-            </a:r>
-            <a:r>
-              <a:rPr lang="en-US" altLang="ko-KR" sz="2400" dirty="0" smtClean="0"/>
-              <a:t>.</a:t>
-            </a:r>
-          </a:p>
-          <a:p>
-            <a:r>
-              <a:rPr lang="ko-KR" altLang="en-US" sz="2400" dirty="0" smtClean="0"/>
-              <a:t>이 몬스터와 캐릭터가 충돌하면 죽는다</a:t>
-            </a:r>
-            <a:r>
-              <a:rPr lang="en-US" altLang="ko-KR" sz="2400" dirty="0" smtClean="0"/>
-              <a:t>.</a:t>
-            </a:r>
-            <a:endParaRPr lang="en-US" altLang="ko-KR" sz="2400" dirty="0"/>
-          </a:p>
-          <a:p>
-            <a:endParaRPr lang="ko-KR" altLang="en-US" dirty="0"/>
-          </a:p>
-        </p:txBody>
-      </p:sp>
-      <p:pic>
-        <p:nvPicPr>
-          <p:cNvPr id="7" name="그림 6"/>
-          <p:cNvPicPr>
-            <a:picLocks noChangeAspect="1"/>
-          </p:cNvPicPr>
-          <p:nvPr/>
-        </p:nvPicPr>
-        <p:blipFill>
-          <a:blip r:embed="rId2"/>
-          <a:stretch>
-            <a:fillRect/>
-          </a:stretch>
-        </p:blipFill>
-        <p:spPr>
-          <a:xfrm>
-            <a:off x="838200" y="2824956"/>
-            <a:ext cx="2266950" cy="2352675"/>
-          </a:xfrm>
-          <a:prstGeom prst="rect">
-            <a:avLst/>
-          </a:prstGeom>
-        </p:spPr>
-      </p:pic>
-      <p:pic>
-        <p:nvPicPr>
-          <p:cNvPr id="3" name="그림 2"/>
-          <p:cNvPicPr>
-            <a:picLocks noChangeAspect="1"/>
-          </p:cNvPicPr>
-          <p:nvPr/>
-        </p:nvPicPr>
-        <p:blipFill>
-          <a:blip r:embed="rId3"/>
-          <a:stretch>
-            <a:fillRect/>
-          </a:stretch>
-        </p:blipFill>
-        <p:spPr>
-          <a:xfrm>
-            <a:off x="4981575" y="2171700"/>
-            <a:ext cx="2228850" cy="2514600"/>
-          </a:xfrm>
-          <a:prstGeom prst="rect">
-            <a:avLst/>
-          </a:prstGeom>
-        </p:spPr>
-      </p:pic>
-      <p:pic>
-        <p:nvPicPr>
-          <p:cNvPr id="4" name="그림 3"/>
-          <p:cNvPicPr>
-            <a:picLocks noChangeAspect="1"/>
-          </p:cNvPicPr>
-          <p:nvPr/>
-        </p:nvPicPr>
-        <p:blipFill>
-          <a:blip r:embed="rId4"/>
-          <a:stretch>
-            <a:fillRect/>
-          </a:stretch>
-        </p:blipFill>
-        <p:spPr>
-          <a:xfrm>
-            <a:off x="4881562" y="2243137"/>
-            <a:ext cx="2428875" cy="2371725"/>
-          </a:xfrm>
-          <a:prstGeom prst="rect">
-            <a:avLst/>
-          </a:prstGeom>
-        </p:spPr>
-      </p:pic>
-      <p:pic>
-        <p:nvPicPr>
-          <p:cNvPr id="6" name="그림 5"/>
-          <p:cNvPicPr>
-            <a:picLocks noChangeAspect="1"/>
-          </p:cNvPicPr>
-          <p:nvPr/>
-        </p:nvPicPr>
-        <p:blipFill>
-          <a:blip r:embed="rId5"/>
-          <a:stretch>
-            <a:fillRect/>
-          </a:stretch>
-        </p:blipFill>
-        <p:spPr>
-          <a:xfrm>
-            <a:off x="5043487" y="2252662"/>
-            <a:ext cx="2105025" cy="2352675"/>
-          </a:xfrm>
-          <a:prstGeom prst="rect">
-            <a:avLst/>
-          </a:prstGeom>
-        </p:spPr>
-      </p:pic>
-      <p:pic>
-        <p:nvPicPr>
-          <p:cNvPr id="8" name="그림 7"/>
-          <p:cNvPicPr>
-            <a:picLocks noChangeAspect="1"/>
-          </p:cNvPicPr>
-          <p:nvPr/>
-        </p:nvPicPr>
-        <p:blipFill>
-          <a:blip r:embed="rId6"/>
-          <a:stretch>
-            <a:fillRect/>
-          </a:stretch>
-        </p:blipFill>
-        <p:spPr>
-          <a:xfrm>
-            <a:off x="5038725" y="2219325"/>
-            <a:ext cx="2114550" cy="2419350"/>
-          </a:xfrm>
-          <a:prstGeom prst="rect">
-            <a:avLst/>
-          </a:prstGeom>
-        </p:spPr>
-      </p:pic>
-      <p:pic>
-        <p:nvPicPr>
-          <p:cNvPr id="9" name="그림 8"/>
-          <p:cNvPicPr>
-            <a:picLocks noChangeAspect="1"/>
-          </p:cNvPicPr>
-          <p:nvPr/>
-        </p:nvPicPr>
-        <p:blipFill>
-          <a:blip r:embed="rId7"/>
-          <a:stretch>
-            <a:fillRect/>
-          </a:stretch>
-        </p:blipFill>
-        <p:spPr>
-          <a:xfrm>
-            <a:off x="4967287" y="2247900"/>
-            <a:ext cx="2257425" cy="2362200"/>
-          </a:xfrm>
-          <a:prstGeom prst="rect">
-            <a:avLst/>
-          </a:prstGeom>
-        </p:spPr>
-      </p:pic>
-      <p:pic>
-        <p:nvPicPr>
-          <p:cNvPr id="11" name="그림 10"/>
-          <p:cNvPicPr>
-            <a:picLocks noChangeAspect="1"/>
-          </p:cNvPicPr>
-          <p:nvPr/>
-        </p:nvPicPr>
-        <p:blipFill>
-          <a:blip r:embed="rId8"/>
-          <a:stretch>
-            <a:fillRect/>
-          </a:stretch>
-        </p:blipFill>
-        <p:spPr>
-          <a:xfrm>
-            <a:off x="4991100" y="2266950"/>
-            <a:ext cx="2209800" cy="2324100"/>
-          </a:xfrm>
-          <a:prstGeom prst="rect">
-            <a:avLst/>
-          </a:prstGeom>
-        </p:spPr>
-      </p:pic>
-      <p:pic>
-        <p:nvPicPr>
-          <p:cNvPr id="12" name="그림 11"/>
-          <p:cNvPicPr>
-            <a:picLocks noChangeAspect="1"/>
-          </p:cNvPicPr>
-          <p:nvPr/>
-        </p:nvPicPr>
-        <p:blipFill>
-          <a:blip r:embed="rId9"/>
-          <a:stretch>
-            <a:fillRect/>
-          </a:stretch>
-        </p:blipFill>
-        <p:spPr>
-          <a:xfrm>
-            <a:off x="4876800" y="2257425"/>
-            <a:ext cx="2438400" cy="2343150"/>
-          </a:xfrm>
-          <a:prstGeom prst="rect">
-            <a:avLst/>
-          </a:prstGeom>
-        </p:spPr>
-      </p:pic>
-    </p:spTree>
-    <p:extLst>
-      <p:ext uri="{BB962C8B-B14F-4D97-AF65-F5344CB8AC3E}">
-        <p14:creationId xmlns:p14="http://schemas.microsoft.com/office/powerpoint/2010/main" val="55637616"/>
-      </p:ext>
-    </p:extLst>
-  </p:cSld>
-  <p:clrMapOvr>
-    <a:masterClrMapping/>
-  </p:clrMapOvr>
+  <p:timing>
+    <p:tnLst>
+      <p:par>
+        <p:cTn id="1" dur="indefinite" restart="never" nodeType="tmRoot"/>
+      </p:par>
+    </p:tnLst>
+  </p:timing>
 </p:sld>
 </file>
 

--- a/시간의 마녀_몬스터 기획.pptx
+++ b/시간의 마녀_몬스터 기획.pptx
@@ -14,17 +14,17 @@
     <p:sldId id="260" r:id="rId5"/>
     <p:sldId id="263" r:id="rId6"/>
     <p:sldId id="268" r:id="rId7"/>
-    <p:sldId id="261" r:id="rId8"/>
-    <p:sldId id="270" r:id="rId9"/>
-    <p:sldId id="264" r:id="rId10"/>
-    <p:sldId id="266" r:id="rId11"/>
-    <p:sldId id="269" r:id="rId12"/>
-    <p:sldId id="275" r:id="rId13"/>
-    <p:sldId id="273" r:id="rId14"/>
-    <p:sldId id="265" r:id="rId15"/>
-    <p:sldId id="267" r:id="rId16"/>
-    <p:sldId id="272" r:id="rId17"/>
-    <p:sldId id="274" r:id="rId18"/>
+    <p:sldId id="267" r:id="rId8"/>
+    <p:sldId id="261" r:id="rId9"/>
+    <p:sldId id="270" r:id="rId10"/>
+    <p:sldId id="264" r:id="rId11"/>
+    <p:sldId id="266" r:id="rId12"/>
+    <p:sldId id="269" r:id="rId13"/>
+    <p:sldId id="275" r:id="rId14"/>
+    <p:sldId id="273" r:id="rId15"/>
+    <p:sldId id="272" r:id="rId16"/>
+    <p:sldId id="274" r:id="rId17"/>
+    <p:sldId id="265" r:id="rId18"/>
     <p:sldId id="271" r:id="rId19"/>
   </p:sldIdLst>
   <p:sldSz cx="12192000" cy="6858000"/>
@@ -3572,7 +3572,7 @@
           <a:p>
             <a:r>
               <a:rPr lang="ko-KR" altLang="en-US" dirty="0" smtClean="0"/>
-              <a:t>소년 몬스터</a:t>
+              <a:t>소녀 몬스터</a:t>
             </a:r>
             <a:endParaRPr lang="ko-KR" altLang="en-US" dirty="0"/>
           </a:p>
@@ -3604,6 +3604,255 @@
             </a:r>
             <a:r>
               <a:rPr lang="en-US" altLang="ko-KR" sz="2400" dirty="0" smtClean="0"/>
+              <a:t>,</a:t>
+            </a:r>
+            <a:r>
+              <a:rPr lang="ko-KR" altLang="en-US" sz="2400" dirty="0" smtClean="0"/>
+              <a:t> 소리친다</a:t>
+            </a:r>
+            <a:r>
+              <a:rPr lang="en-US" altLang="ko-KR" sz="2400" dirty="0" smtClean="0"/>
+              <a:t>.</a:t>
+            </a:r>
+          </a:p>
+          <a:p>
+            <a:r>
+              <a:rPr lang="ko-KR" altLang="en-US" sz="2400" b="1" dirty="0" smtClean="0">
+                <a:solidFill>
+                  <a:srgbClr val="FF0000"/>
+                </a:solidFill>
+              </a:rPr>
+              <a:t>소리치기는 </a:t>
+            </a:r>
+            <a:r>
+              <a:rPr lang="en-US" altLang="ko-KR" sz="2400" b="1" dirty="0" smtClean="0">
+                <a:solidFill>
+                  <a:srgbClr val="FF0000"/>
+                </a:solidFill>
+              </a:rPr>
+              <a:t>5</a:t>
+            </a:r>
+            <a:r>
+              <a:rPr lang="ko-KR" altLang="en-US" sz="2400" b="1" dirty="0" smtClean="0">
+                <a:solidFill>
+                  <a:srgbClr val="FF0000"/>
+                </a:solidFill>
+              </a:rPr>
+              <a:t>칸 범위</a:t>
+            </a:r>
+            <a:r>
+              <a:rPr lang="ko-KR" altLang="en-US" sz="2400" dirty="0" smtClean="0"/>
+              <a:t>에 영향을 미친다</a:t>
+            </a:r>
+            <a:r>
+              <a:rPr lang="en-US" altLang="ko-KR" sz="2400" dirty="0" smtClean="0"/>
+              <a:t>.</a:t>
+            </a:r>
+          </a:p>
+          <a:p>
+            <a:r>
+              <a:rPr lang="ko-KR" altLang="en-US" sz="2400" dirty="0" smtClean="0"/>
+              <a:t>소리치기 범위 내에 있으면 </a:t>
+            </a:r>
+            <a:r>
+              <a:rPr lang="ko-KR" altLang="en-US" sz="2400" b="1" dirty="0" smtClean="0">
+                <a:solidFill>
+                  <a:srgbClr val="FF0000"/>
+                </a:solidFill>
+              </a:rPr>
+              <a:t>캐릭터 속도가 절반</a:t>
+            </a:r>
+            <a:r>
+              <a:rPr lang="en-US" altLang="ko-KR" sz="2400" dirty="0" smtClean="0"/>
+              <a:t>.</a:t>
+            </a:r>
+          </a:p>
+          <a:p>
+            <a:pPr marL="0" indent="0">
+              <a:buNone/>
+            </a:pPr>
+            <a:endParaRPr lang="en-US" altLang="ko-KR" sz="2400" dirty="0"/>
+          </a:p>
+          <a:p>
+            <a:r>
+              <a:rPr lang="ko-KR" altLang="en-US" sz="2400" dirty="0"/>
+              <a:t>해당 몬스터의 처치 </a:t>
+            </a:r>
+            <a:r>
+              <a:rPr lang="ko-KR" altLang="en-US" sz="2400" dirty="0" smtClean="0"/>
+              <a:t>방법은 </a:t>
+            </a:r>
+            <a:r>
+              <a:rPr lang="en-US" altLang="ko-KR" sz="2400" b="1" dirty="0" smtClean="0">
+                <a:solidFill>
+                  <a:srgbClr val="FF0000"/>
+                </a:solidFill>
+              </a:rPr>
+              <a:t>&lt;</a:t>
+            </a:r>
+            <a:r>
+              <a:rPr lang="ko-KR" altLang="en-US" sz="2400" b="1" dirty="0" smtClean="0">
+                <a:solidFill>
+                  <a:srgbClr val="FF0000"/>
+                </a:solidFill>
+              </a:rPr>
+              <a:t>터치</a:t>
+            </a:r>
+            <a:r>
+              <a:rPr lang="en-US" altLang="ko-KR" sz="2400" b="1" dirty="0" smtClean="0">
+                <a:solidFill>
+                  <a:srgbClr val="FF0000"/>
+                </a:solidFill>
+              </a:rPr>
+              <a:t>&gt;</a:t>
+            </a:r>
+            <a:r>
+              <a:rPr lang="ko-KR" altLang="en-US" sz="2400" dirty="0"/>
+              <a:t>이다</a:t>
+            </a:r>
+            <a:r>
+              <a:rPr lang="en-US" altLang="ko-KR" sz="2400" dirty="0" smtClean="0"/>
+              <a:t>.</a:t>
+            </a:r>
+          </a:p>
+          <a:p>
+            <a:r>
+              <a:rPr lang="ko-KR" altLang="en-US" sz="2400" dirty="0" smtClean="0"/>
+              <a:t>이 몬스터는 캐릭터와 충돌하면 죽는다</a:t>
+            </a:r>
+            <a:r>
+              <a:rPr lang="en-US" altLang="ko-KR" sz="2400" dirty="0" smtClean="0"/>
+              <a:t>.</a:t>
+            </a:r>
+          </a:p>
+          <a:p>
+            <a:r>
+              <a:rPr lang="ko-KR" altLang="en-US" sz="2400" dirty="0"/>
+              <a:t>이 몬스터와 충돌해도 데미지를 받지 않는다</a:t>
+            </a:r>
+            <a:r>
+              <a:rPr lang="en-US" altLang="ko-KR" sz="2400" dirty="0"/>
+              <a:t>.</a:t>
+            </a:r>
+          </a:p>
+          <a:p>
+            <a:endParaRPr lang="en-US" altLang="ko-KR" sz="2400" dirty="0"/>
+          </a:p>
+          <a:p>
+            <a:endParaRPr lang="ko-KR" altLang="en-US" dirty="0"/>
+          </a:p>
+        </p:txBody>
+      </p:sp>
+      <p:pic>
+        <p:nvPicPr>
+          <p:cNvPr id="5" name="그림 4"/>
+          <p:cNvPicPr>
+            <a:picLocks noChangeAspect="1"/>
+          </p:cNvPicPr>
+          <p:nvPr/>
+        </p:nvPicPr>
+        <p:blipFill>
+          <a:blip r:embed="rId2"/>
+          <a:stretch>
+            <a:fillRect/>
+          </a:stretch>
+        </p:blipFill>
+        <p:spPr>
+          <a:xfrm>
+            <a:off x="838200" y="2753519"/>
+            <a:ext cx="2286000" cy="2495550"/>
+          </a:xfrm>
+          <a:prstGeom prst="rect">
+            <a:avLst/>
+          </a:prstGeom>
+        </p:spPr>
+      </p:pic>
+    </p:spTree>
+    <p:extLst>
+      <p:ext uri="{BB962C8B-B14F-4D97-AF65-F5344CB8AC3E}">
+        <p14:creationId xmlns:p14="http://schemas.microsoft.com/office/powerpoint/2010/main" val="2124013835"/>
+      </p:ext>
+    </p:extLst>
+  </p:cSld>
+  <p:clrMapOvr>
+    <a:masterClrMapping/>
+  </p:clrMapOvr>
+  <p:timing>
+    <p:tnLst>
+      <p:par>
+        <p:cTn id="1" dur="indefinite" restart="never" nodeType="tmRoot"/>
+      </p:par>
+    </p:tnLst>
+  </p:timing>
+</p:sld>
+</file>
+
+<file path=ppt/slides/slide11.xml><?xml version="1.0" encoding="utf-8"?>
+<p:sld xmlns:a="http://schemas.openxmlformats.org/drawingml/2006/main" xmlns:r="http://schemas.openxmlformats.org/officeDocument/2006/relationships" xmlns:p="http://schemas.openxmlformats.org/presentationml/2006/main">
+  <p:cSld>
+    <p:spTree>
+      <p:nvGrpSpPr>
+        <p:cNvPr id="1" name=""/>
+        <p:cNvGrpSpPr/>
+        <p:nvPr/>
+      </p:nvGrpSpPr>
+      <p:grpSpPr>
+        <a:xfrm>
+          <a:off x="0" y="0"/>
+          <a:ext cx="0" cy="0"/>
+          <a:chOff x="0" y="0"/>
+          <a:chExt cx="0" cy="0"/>
+        </a:xfrm>
+      </p:grpSpPr>
+      <p:sp>
+        <p:nvSpPr>
+          <p:cNvPr id="2" name="제목 1"/>
+          <p:cNvSpPr>
+            <a:spLocks noGrp="1"/>
+          </p:cNvSpPr>
+          <p:nvPr>
+            <p:ph type="title"/>
+          </p:nvPr>
+        </p:nvSpPr>
+        <p:spPr/>
+        <p:txBody>
+          <a:bodyPr/>
+          <a:lstStyle/>
+          <a:p>
+            <a:r>
+              <a:rPr lang="ko-KR" altLang="en-US" dirty="0" smtClean="0"/>
+              <a:t>소년 몬스터</a:t>
+            </a:r>
+            <a:endParaRPr lang="ko-KR" altLang="en-US" dirty="0"/>
+          </a:p>
+        </p:txBody>
+      </p:sp>
+      <p:sp>
+        <p:nvSpPr>
+          <p:cNvPr id="10" name="내용 개체 틀 2"/>
+          <p:cNvSpPr>
+            <a:spLocks noGrp="1"/>
+          </p:cNvSpPr>
+          <p:nvPr>
+            <p:ph idx="1"/>
+          </p:nvPr>
+        </p:nvSpPr>
+        <p:spPr>
+          <a:xfrm>
+            <a:off x="4018085" y="1825625"/>
+            <a:ext cx="7335715" cy="4351338"/>
+          </a:xfrm>
+        </p:spPr>
+        <p:txBody>
+          <a:bodyPr/>
+          <a:lstStyle/>
+          <a:p>
+            <a:r>
+              <a:rPr lang="ko-KR" altLang="en-US" sz="2400" dirty="0" smtClean="0"/>
+              <a:t>이 몬스터는 캐릭터가 탐지 범위 내에 있을 경우 제자리에 멈추고</a:t>
+            </a:r>
+            <a:r>
+              <a:rPr lang="en-US" altLang="ko-KR" sz="2400" dirty="0" smtClean="0"/>
               <a:t>, </a:t>
             </a:r>
             <a:r>
@@ -3636,7 +3885,6 @@
               <a:rPr lang="en-US" altLang="ko-KR" sz="2400" dirty="0" smtClean="0"/>
               <a:t>.</a:t>
             </a:r>
-            <a:endParaRPr lang="en-US" altLang="ko-KR" sz="2400" dirty="0" smtClean="0"/>
           </a:p>
           <a:p>
             <a:endParaRPr lang="en-US" altLang="ko-KR" sz="2400" dirty="0"/>
@@ -3686,23 +3934,7 @@
           <a:p>
             <a:r>
               <a:rPr lang="ko-KR" altLang="en-US" sz="2400" dirty="0" smtClean="0"/>
-              <a:t>이 몬스터는 </a:t>
-            </a:r>
-            <a:r>
-              <a:rPr lang="ko-KR" altLang="en-US" sz="2400" dirty="0" smtClean="0"/>
-              <a:t>캐릭터</a:t>
-            </a:r>
-            <a:r>
-              <a:rPr lang="ko-KR" altLang="en-US" sz="2400" dirty="0" smtClean="0"/>
-              <a:t>와</a:t>
-            </a:r>
-            <a:r>
-              <a:rPr lang="ko-KR" altLang="en-US" sz="2400" dirty="0" smtClean="0"/>
-              <a:t> </a:t>
-            </a:r>
-            <a:r>
-              <a:rPr lang="ko-KR" altLang="en-US" sz="2400" dirty="0" smtClean="0"/>
-              <a:t>충돌하면 죽는다</a:t>
+              <a:t>이 몬스터는 캐릭터와 충돌하면 죽는다</a:t>
             </a:r>
             <a:r>
               <a:rPr lang="en-US" altLang="ko-KR" sz="2400" dirty="0" smtClean="0"/>
@@ -3772,7 +4004,7 @@
 </p:sld>
 </file>
 
-<file path=ppt/slides/slide11.xml><?xml version="1.0" encoding="utf-8"?>
+<file path=ppt/slides/slide12.xml><?xml version="1.0" encoding="utf-8"?>
 <p:sld xmlns:a="http://schemas.openxmlformats.org/drawingml/2006/main" xmlns:r="http://schemas.openxmlformats.org/officeDocument/2006/relationships" xmlns:p="http://schemas.openxmlformats.org/presentationml/2006/main">
   <p:cSld>
     <p:spTree>
@@ -3896,7 +4128,6 @@
               <a:rPr lang="en-US" altLang="ko-KR" sz="2400" dirty="0" smtClean="0"/>
               <a:t>.</a:t>
             </a:r>
-            <a:endParaRPr lang="en-US" altLang="ko-KR" sz="2400" dirty="0" smtClean="0"/>
           </a:p>
           <a:p>
             <a:pPr marL="0" indent="0">
@@ -4011,7 +4242,7 @@
 </p:sld>
 </file>
 
-<file path=ppt/slides/slide12.xml><?xml version="1.0" encoding="utf-8"?>
+<file path=ppt/slides/slide13.xml><?xml version="1.0" encoding="utf-8"?>
 <p:sld xmlns:a="http://schemas.openxmlformats.org/drawingml/2006/main" xmlns:r="http://schemas.openxmlformats.org/officeDocument/2006/relationships" xmlns:p="http://schemas.openxmlformats.org/presentationml/2006/main">
   <p:cSld>
     <p:spTree>
@@ -4103,16 +4334,17 @@
                   <a:srgbClr val="FF0000"/>
                 </a:solidFill>
               </a:rPr>
-              <a:t>체력을 회복</a:t>
-            </a:r>
-            <a:r>
-              <a:rPr lang="ko-KR" altLang="en-US" sz="2400" dirty="0" smtClean="0"/>
-              <a:t>시켜준다</a:t>
+              <a:t>최대 체력으로 회복</a:t>
+            </a:r>
+            <a:r>
+              <a:rPr lang="ko-KR" altLang="en-US" sz="2400" dirty="0" smtClean="0"/>
+              <a:t>시킨다</a:t>
             </a:r>
             <a:r>
               <a:rPr lang="en-US" altLang="ko-KR" sz="2400" dirty="0" smtClean="0"/>
               <a:t>.</a:t>
             </a:r>
+            <a:endParaRPr lang="en-US" altLang="ko-KR" sz="2400" dirty="0" smtClean="0"/>
           </a:p>
           <a:p>
             <a:endParaRPr lang="en-US" altLang="ko-KR" sz="2400" dirty="0"/>
@@ -4224,7 +4456,7 @@
 </p:sld>
 </file>
 
-<file path=ppt/slides/slide13.xml><?xml version="1.0" encoding="utf-8"?>
+<file path=ppt/slides/slide14.xml><?xml version="1.0" encoding="utf-8"?>
 <p:sld xmlns:a="http://schemas.openxmlformats.org/drawingml/2006/main" xmlns:r="http://schemas.openxmlformats.org/officeDocument/2006/relationships" xmlns:p="http://schemas.openxmlformats.org/presentationml/2006/main">
   <p:cSld>
     <p:spTree>
@@ -4410,7 +4642,19 @@
           <a:p>
             <a:r>
               <a:rPr lang="ko-KR" altLang="en-US" sz="2400" dirty="0" smtClean="0"/>
-              <a:t>이 몬스터는 물을 벗어나면 죽는다</a:t>
+              <a:t>이 몬스터는 </a:t>
+            </a:r>
+            <a:r>
+              <a:rPr lang="ko-KR" altLang="en-US" sz="2400" b="1" dirty="0" smtClean="0">
+                <a:solidFill>
+                  <a:srgbClr val="FF0000"/>
+                </a:solidFill>
+              </a:rPr>
+              <a:t>물을 벗어나면</a:t>
+            </a:r>
+            <a:r>
+              <a:rPr lang="ko-KR" altLang="en-US" sz="2400" dirty="0" smtClean="0"/>
+              <a:t> 죽는다</a:t>
             </a:r>
             <a:r>
               <a:rPr lang="en-US" altLang="ko-KR" sz="2400" dirty="0" smtClean="0"/>
@@ -4484,7 +4728,223 @@
 </p:sld>
 </file>
 
-<file path=ppt/slides/slide14.xml><?xml version="1.0" encoding="utf-8"?>
+<file path=ppt/slides/slide15.xml><?xml version="1.0" encoding="utf-8"?>
+<p:sld xmlns:a="http://schemas.openxmlformats.org/drawingml/2006/main" xmlns:r="http://schemas.openxmlformats.org/officeDocument/2006/relationships" xmlns:p="http://schemas.openxmlformats.org/presentationml/2006/main">
+  <p:cSld>
+    <p:spTree>
+      <p:nvGrpSpPr>
+        <p:cNvPr id="1" name=""/>
+        <p:cNvGrpSpPr/>
+        <p:nvPr/>
+      </p:nvGrpSpPr>
+      <p:grpSpPr>
+        <a:xfrm>
+          <a:off x="0" y="0"/>
+          <a:ext cx="0" cy="0"/>
+          <a:chOff x="0" y="0"/>
+          <a:chExt cx="0" cy="0"/>
+        </a:xfrm>
+      </p:grpSpPr>
+      <p:sp>
+        <p:nvSpPr>
+          <p:cNvPr id="2" name="제목 1"/>
+          <p:cNvSpPr>
+            <a:spLocks noGrp="1"/>
+          </p:cNvSpPr>
+          <p:nvPr>
+            <p:ph type="title"/>
+          </p:nvPr>
+        </p:nvSpPr>
+        <p:spPr/>
+        <p:txBody>
+          <a:bodyPr/>
+          <a:lstStyle/>
+          <a:p>
+            <a:r>
+              <a:rPr lang="ko-KR" altLang="en-US" dirty="0" smtClean="0"/>
+              <a:t>악마 몬스터</a:t>
+            </a:r>
+            <a:endParaRPr lang="ko-KR" altLang="en-US" dirty="0"/>
+          </a:p>
+        </p:txBody>
+      </p:sp>
+      <p:sp>
+        <p:nvSpPr>
+          <p:cNvPr id="10" name="내용 개체 틀 2"/>
+          <p:cNvSpPr>
+            <a:spLocks noGrp="1"/>
+          </p:cNvSpPr>
+          <p:nvPr>
+            <p:ph idx="1"/>
+          </p:nvPr>
+        </p:nvSpPr>
+        <p:spPr>
+          <a:xfrm>
+            <a:off x="4018085" y="1825625"/>
+            <a:ext cx="7335715" cy="4351338"/>
+          </a:xfrm>
+        </p:spPr>
+        <p:txBody>
+          <a:bodyPr/>
+          <a:lstStyle/>
+          <a:p>
+            <a:endParaRPr lang="ko-KR" altLang="en-US" dirty="0"/>
+          </a:p>
+        </p:txBody>
+      </p:sp>
+      <p:pic>
+        <p:nvPicPr>
+          <p:cNvPr id="4" name="그림 3"/>
+          <p:cNvPicPr>
+            <a:picLocks noChangeAspect="1"/>
+          </p:cNvPicPr>
+          <p:nvPr/>
+        </p:nvPicPr>
+        <p:blipFill>
+          <a:blip r:embed="rId2"/>
+          <a:stretch>
+            <a:fillRect/>
+          </a:stretch>
+        </p:blipFill>
+        <p:spPr>
+          <a:xfrm>
+            <a:off x="838200" y="2815431"/>
+            <a:ext cx="2428875" cy="2371725"/>
+          </a:xfrm>
+          <a:prstGeom prst="rect">
+            <a:avLst/>
+          </a:prstGeom>
+        </p:spPr>
+      </p:pic>
+    </p:spTree>
+    <p:extLst>
+      <p:ext uri="{BB962C8B-B14F-4D97-AF65-F5344CB8AC3E}">
+        <p14:creationId xmlns:p14="http://schemas.microsoft.com/office/powerpoint/2010/main" val="1604077054"/>
+      </p:ext>
+    </p:extLst>
+  </p:cSld>
+  <p:clrMapOvr>
+    <a:masterClrMapping/>
+  </p:clrMapOvr>
+  <p:timing>
+    <p:tnLst>
+      <p:par>
+        <p:cTn id="1" dur="indefinite" restart="never" nodeType="tmRoot"/>
+      </p:par>
+    </p:tnLst>
+  </p:timing>
+</p:sld>
+</file>
+
+<file path=ppt/slides/slide16.xml><?xml version="1.0" encoding="utf-8"?>
+<p:sld xmlns:a="http://schemas.openxmlformats.org/drawingml/2006/main" xmlns:r="http://schemas.openxmlformats.org/officeDocument/2006/relationships" xmlns:p="http://schemas.openxmlformats.org/presentationml/2006/main">
+  <p:cSld>
+    <p:spTree>
+      <p:nvGrpSpPr>
+        <p:cNvPr id="1" name=""/>
+        <p:cNvGrpSpPr/>
+        <p:nvPr/>
+      </p:nvGrpSpPr>
+      <p:grpSpPr>
+        <a:xfrm>
+          <a:off x="0" y="0"/>
+          <a:ext cx="0" cy="0"/>
+          <a:chOff x="0" y="0"/>
+          <a:chExt cx="0" cy="0"/>
+        </a:xfrm>
+      </p:grpSpPr>
+      <p:sp>
+        <p:nvSpPr>
+          <p:cNvPr id="2" name="제목 1"/>
+          <p:cNvSpPr>
+            <a:spLocks noGrp="1"/>
+          </p:cNvSpPr>
+          <p:nvPr>
+            <p:ph type="title"/>
+          </p:nvPr>
+        </p:nvSpPr>
+        <p:spPr/>
+        <p:txBody>
+          <a:bodyPr/>
+          <a:lstStyle/>
+          <a:p>
+            <a:r>
+              <a:rPr lang="ko-KR" altLang="en-US" dirty="0" smtClean="0"/>
+              <a:t>천사 몬스터</a:t>
+            </a:r>
+            <a:endParaRPr lang="ko-KR" altLang="en-US" dirty="0"/>
+          </a:p>
+        </p:txBody>
+      </p:sp>
+      <p:sp>
+        <p:nvSpPr>
+          <p:cNvPr id="10" name="내용 개체 틀 2"/>
+          <p:cNvSpPr>
+            <a:spLocks noGrp="1"/>
+          </p:cNvSpPr>
+          <p:nvPr>
+            <p:ph idx="1"/>
+          </p:nvPr>
+        </p:nvSpPr>
+        <p:spPr>
+          <a:xfrm>
+            <a:off x="4018085" y="1825625"/>
+            <a:ext cx="7335715" cy="4351338"/>
+          </a:xfrm>
+        </p:spPr>
+        <p:txBody>
+          <a:bodyPr/>
+          <a:lstStyle/>
+          <a:p>
+            <a:endParaRPr lang="ko-KR" altLang="en-US" dirty="0"/>
+          </a:p>
+        </p:txBody>
+      </p:sp>
+      <p:pic>
+        <p:nvPicPr>
+          <p:cNvPr id="5" name="그림 4"/>
+          <p:cNvPicPr>
+            <a:picLocks noChangeAspect="1"/>
+          </p:cNvPicPr>
+          <p:nvPr/>
+        </p:nvPicPr>
+        <p:blipFill>
+          <a:blip r:embed="rId2"/>
+          <a:stretch>
+            <a:fillRect/>
+          </a:stretch>
+        </p:blipFill>
+        <p:spPr>
+          <a:xfrm>
+            <a:off x="838199" y="2696369"/>
+            <a:ext cx="2295525" cy="2609850"/>
+          </a:xfrm>
+          <a:prstGeom prst="rect">
+            <a:avLst/>
+          </a:prstGeom>
+        </p:spPr>
+      </p:pic>
+    </p:spTree>
+    <p:extLst>
+      <p:ext uri="{BB962C8B-B14F-4D97-AF65-F5344CB8AC3E}">
+        <p14:creationId xmlns:p14="http://schemas.microsoft.com/office/powerpoint/2010/main" val="3545452950"/>
+      </p:ext>
+    </p:extLst>
+  </p:cSld>
+  <p:clrMapOvr>
+    <a:masterClrMapping/>
+  </p:clrMapOvr>
+  <p:timing>
+    <p:tnLst>
+      <p:par>
+        <p:cTn id="1" dur="indefinite" restart="never" nodeType="tmRoot"/>
+      </p:par>
+    </p:tnLst>
+  </p:timing>
+</p:sld>
+</file>
+
+<file path=ppt/slides/slide17.xml><?xml version="1.0" encoding="utf-8"?>
 <p:sld xmlns:a="http://schemas.openxmlformats.org/drawingml/2006/main" xmlns:r="http://schemas.openxmlformats.org/officeDocument/2006/relationships" xmlns:p="http://schemas.openxmlformats.org/presentationml/2006/main">
   <p:cSld>
     <p:spTree>
@@ -4592,330 +5052,6 @@
 </p:sld>
 </file>
 
-<file path=ppt/slides/slide15.xml><?xml version="1.0" encoding="utf-8"?>
-<p:sld xmlns:a="http://schemas.openxmlformats.org/drawingml/2006/main" xmlns:r="http://schemas.openxmlformats.org/officeDocument/2006/relationships" xmlns:p="http://schemas.openxmlformats.org/presentationml/2006/main">
-  <p:cSld>
-    <p:spTree>
-      <p:nvGrpSpPr>
-        <p:cNvPr id="1" name=""/>
-        <p:cNvGrpSpPr/>
-        <p:nvPr/>
-      </p:nvGrpSpPr>
-      <p:grpSpPr>
-        <a:xfrm>
-          <a:off x="0" y="0"/>
-          <a:ext cx="0" cy="0"/>
-          <a:chOff x="0" y="0"/>
-          <a:chExt cx="0" cy="0"/>
-        </a:xfrm>
-      </p:grpSpPr>
-      <p:sp>
-        <p:nvSpPr>
-          <p:cNvPr id="2" name="제목 1"/>
-          <p:cNvSpPr>
-            <a:spLocks noGrp="1"/>
-          </p:cNvSpPr>
-          <p:nvPr>
-            <p:ph type="title"/>
-          </p:nvPr>
-        </p:nvSpPr>
-        <p:spPr/>
-        <p:txBody>
-          <a:bodyPr/>
-          <a:lstStyle/>
-          <a:p>
-            <a:r>
-              <a:rPr lang="ko-KR" altLang="en-US" dirty="0" smtClean="0"/>
-              <a:t>날라리 몬스터</a:t>
-            </a:r>
-            <a:endParaRPr lang="ko-KR" altLang="en-US" dirty="0"/>
-          </a:p>
-        </p:txBody>
-      </p:sp>
-      <p:sp>
-        <p:nvSpPr>
-          <p:cNvPr id="10" name="내용 개체 틀 2"/>
-          <p:cNvSpPr>
-            <a:spLocks noGrp="1"/>
-          </p:cNvSpPr>
-          <p:nvPr>
-            <p:ph idx="1"/>
-          </p:nvPr>
-        </p:nvSpPr>
-        <p:spPr>
-          <a:xfrm>
-            <a:off x="4018085" y="1825625"/>
-            <a:ext cx="7335715" cy="4351338"/>
-          </a:xfrm>
-        </p:spPr>
-        <p:txBody>
-          <a:bodyPr/>
-          <a:lstStyle/>
-          <a:p>
-            <a:endParaRPr lang="ko-KR" altLang="en-US" dirty="0"/>
-          </a:p>
-        </p:txBody>
-      </p:sp>
-      <p:pic>
-        <p:nvPicPr>
-          <p:cNvPr id="11" name="그림 10"/>
-          <p:cNvPicPr>
-            <a:picLocks noChangeAspect="1"/>
-          </p:cNvPicPr>
-          <p:nvPr/>
-        </p:nvPicPr>
-        <p:blipFill>
-          <a:blip r:embed="rId2"/>
-          <a:stretch>
-            <a:fillRect/>
-          </a:stretch>
-        </p:blipFill>
-        <p:spPr>
-          <a:xfrm>
-            <a:off x="838199" y="2839244"/>
-            <a:ext cx="2209800" cy="2324100"/>
-          </a:xfrm>
-          <a:prstGeom prst="rect">
-            <a:avLst/>
-          </a:prstGeom>
-        </p:spPr>
-      </p:pic>
-    </p:spTree>
-    <p:extLst>
-      <p:ext uri="{BB962C8B-B14F-4D97-AF65-F5344CB8AC3E}">
-        <p14:creationId xmlns:p14="http://schemas.microsoft.com/office/powerpoint/2010/main" val="2386501708"/>
-      </p:ext>
-    </p:extLst>
-  </p:cSld>
-  <p:clrMapOvr>
-    <a:masterClrMapping/>
-  </p:clrMapOvr>
-  <p:timing>
-    <p:tnLst>
-      <p:par>
-        <p:cTn id="1" dur="indefinite" restart="never" nodeType="tmRoot"/>
-      </p:par>
-    </p:tnLst>
-  </p:timing>
-</p:sld>
-</file>
-
-<file path=ppt/slides/slide16.xml><?xml version="1.0" encoding="utf-8"?>
-<p:sld xmlns:a="http://schemas.openxmlformats.org/drawingml/2006/main" xmlns:r="http://schemas.openxmlformats.org/officeDocument/2006/relationships" xmlns:p="http://schemas.openxmlformats.org/presentationml/2006/main">
-  <p:cSld>
-    <p:spTree>
-      <p:nvGrpSpPr>
-        <p:cNvPr id="1" name=""/>
-        <p:cNvGrpSpPr/>
-        <p:nvPr/>
-      </p:nvGrpSpPr>
-      <p:grpSpPr>
-        <a:xfrm>
-          <a:off x="0" y="0"/>
-          <a:ext cx="0" cy="0"/>
-          <a:chOff x="0" y="0"/>
-          <a:chExt cx="0" cy="0"/>
-        </a:xfrm>
-      </p:grpSpPr>
-      <p:sp>
-        <p:nvSpPr>
-          <p:cNvPr id="2" name="제목 1"/>
-          <p:cNvSpPr>
-            <a:spLocks noGrp="1"/>
-          </p:cNvSpPr>
-          <p:nvPr>
-            <p:ph type="title"/>
-          </p:nvPr>
-        </p:nvSpPr>
-        <p:spPr/>
-        <p:txBody>
-          <a:bodyPr/>
-          <a:lstStyle/>
-          <a:p>
-            <a:r>
-              <a:rPr lang="ko-KR" altLang="en-US" dirty="0" smtClean="0"/>
-              <a:t>악마 몬스터</a:t>
-            </a:r>
-            <a:endParaRPr lang="ko-KR" altLang="en-US" dirty="0"/>
-          </a:p>
-        </p:txBody>
-      </p:sp>
-      <p:sp>
-        <p:nvSpPr>
-          <p:cNvPr id="10" name="내용 개체 틀 2"/>
-          <p:cNvSpPr>
-            <a:spLocks noGrp="1"/>
-          </p:cNvSpPr>
-          <p:nvPr>
-            <p:ph idx="1"/>
-          </p:nvPr>
-        </p:nvSpPr>
-        <p:spPr>
-          <a:xfrm>
-            <a:off x="4018085" y="1825625"/>
-            <a:ext cx="7335715" cy="4351338"/>
-          </a:xfrm>
-        </p:spPr>
-        <p:txBody>
-          <a:bodyPr/>
-          <a:lstStyle/>
-          <a:p>
-            <a:endParaRPr lang="ko-KR" altLang="en-US" dirty="0"/>
-          </a:p>
-        </p:txBody>
-      </p:sp>
-      <p:pic>
-        <p:nvPicPr>
-          <p:cNvPr id="4" name="그림 3"/>
-          <p:cNvPicPr>
-            <a:picLocks noChangeAspect="1"/>
-          </p:cNvPicPr>
-          <p:nvPr/>
-        </p:nvPicPr>
-        <p:blipFill>
-          <a:blip r:embed="rId2"/>
-          <a:stretch>
-            <a:fillRect/>
-          </a:stretch>
-        </p:blipFill>
-        <p:spPr>
-          <a:xfrm>
-            <a:off x="838200" y="2815431"/>
-            <a:ext cx="2428875" cy="2371725"/>
-          </a:xfrm>
-          <a:prstGeom prst="rect">
-            <a:avLst/>
-          </a:prstGeom>
-        </p:spPr>
-      </p:pic>
-    </p:spTree>
-    <p:extLst>
-      <p:ext uri="{BB962C8B-B14F-4D97-AF65-F5344CB8AC3E}">
-        <p14:creationId xmlns:p14="http://schemas.microsoft.com/office/powerpoint/2010/main" val="1604077054"/>
-      </p:ext>
-    </p:extLst>
-  </p:cSld>
-  <p:clrMapOvr>
-    <a:masterClrMapping/>
-  </p:clrMapOvr>
-  <p:timing>
-    <p:tnLst>
-      <p:par>
-        <p:cTn id="1" dur="indefinite" restart="never" nodeType="tmRoot"/>
-      </p:par>
-    </p:tnLst>
-  </p:timing>
-</p:sld>
-</file>
-
-<file path=ppt/slides/slide17.xml><?xml version="1.0" encoding="utf-8"?>
-<p:sld xmlns:a="http://schemas.openxmlformats.org/drawingml/2006/main" xmlns:r="http://schemas.openxmlformats.org/officeDocument/2006/relationships" xmlns:p="http://schemas.openxmlformats.org/presentationml/2006/main">
-  <p:cSld>
-    <p:spTree>
-      <p:nvGrpSpPr>
-        <p:cNvPr id="1" name=""/>
-        <p:cNvGrpSpPr/>
-        <p:nvPr/>
-      </p:nvGrpSpPr>
-      <p:grpSpPr>
-        <a:xfrm>
-          <a:off x="0" y="0"/>
-          <a:ext cx="0" cy="0"/>
-          <a:chOff x="0" y="0"/>
-          <a:chExt cx="0" cy="0"/>
-        </a:xfrm>
-      </p:grpSpPr>
-      <p:sp>
-        <p:nvSpPr>
-          <p:cNvPr id="2" name="제목 1"/>
-          <p:cNvSpPr>
-            <a:spLocks noGrp="1"/>
-          </p:cNvSpPr>
-          <p:nvPr>
-            <p:ph type="title"/>
-          </p:nvPr>
-        </p:nvSpPr>
-        <p:spPr/>
-        <p:txBody>
-          <a:bodyPr/>
-          <a:lstStyle/>
-          <a:p>
-            <a:r>
-              <a:rPr lang="ko-KR" altLang="en-US" dirty="0" smtClean="0"/>
-              <a:t>천사 몬스터</a:t>
-            </a:r>
-            <a:endParaRPr lang="ko-KR" altLang="en-US" dirty="0"/>
-          </a:p>
-        </p:txBody>
-      </p:sp>
-      <p:sp>
-        <p:nvSpPr>
-          <p:cNvPr id="10" name="내용 개체 틀 2"/>
-          <p:cNvSpPr>
-            <a:spLocks noGrp="1"/>
-          </p:cNvSpPr>
-          <p:nvPr>
-            <p:ph idx="1"/>
-          </p:nvPr>
-        </p:nvSpPr>
-        <p:spPr>
-          <a:xfrm>
-            <a:off x="4018085" y="1825625"/>
-            <a:ext cx="7335715" cy="4351338"/>
-          </a:xfrm>
-        </p:spPr>
-        <p:txBody>
-          <a:bodyPr/>
-          <a:lstStyle/>
-          <a:p>
-            <a:endParaRPr lang="ko-KR" altLang="en-US" dirty="0"/>
-          </a:p>
-        </p:txBody>
-      </p:sp>
-      <p:pic>
-        <p:nvPicPr>
-          <p:cNvPr id="5" name="그림 4"/>
-          <p:cNvPicPr>
-            <a:picLocks noChangeAspect="1"/>
-          </p:cNvPicPr>
-          <p:nvPr/>
-        </p:nvPicPr>
-        <p:blipFill>
-          <a:blip r:embed="rId2"/>
-          <a:stretch>
-            <a:fillRect/>
-          </a:stretch>
-        </p:blipFill>
-        <p:spPr>
-          <a:xfrm>
-            <a:off x="838199" y="2696369"/>
-            <a:ext cx="2295525" cy="2609850"/>
-          </a:xfrm>
-          <a:prstGeom prst="rect">
-            <a:avLst/>
-          </a:prstGeom>
-        </p:spPr>
-      </p:pic>
-    </p:spTree>
-    <p:extLst>
-      <p:ext uri="{BB962C8B-B14F-4D97-AF65-F5344CB8AC3E}">
-        <p14:creationId xmlns:p14="http://schemas.microsoft.com/office/powerpoint/2010/main" val="3545452950"/>
-      </p:ext>
-    </p:extLst>
-  </p:cSld>
-  <p:clrMapOvr>
-    <a:masterClrMapping/>
-  </p:clrMapOvr>
-  <p:timing>
-    <p:tnLst>
-      <p:par>
-        <p:cTn id="1" dur="indefinite" restart="never" nodeType="tmRoot"/>
-      </p:par>
-    </p:tnLst>
-  </p:timing>
-</p:sld>
-</file>
-
 <file path=ppt/slides/slide18.xml><?xml version="1.0" encoding="utf-8"?>
 <p:sld xmlns:a="http://schemas.openxmlformats.org/drawingml/2006/main" xmlns:r="http://schemas.openxmlformats.org/officeDocument/2006/relationships" xmlns:p="http://schemas.openxmlformats.org/presentationml/2006/main">
   <p:cSld>
@@ -4949,12 +5085,16 @@
           <a:lstStyle/>
           <a:p>
             <a:r>
-              <a:rPr lang="ko-KR" altLang="en-US" dirty="0" err="1" smtClean="0"/>
-              <a:t>셰프</a:t>
-            </a:r>
-            <a:r>
               <a:rPr lang="ko-KR" altLang="en-US" dirty="0" smtClean="0"/>
-              <a:t> 몬스터</a:t>
+              <a:t>요리사</a:t>
+            </a:r>
+            <a:r>
+              <a:rPr lang="ko-KR" altLang="en-US" dirty="0" smtClean="0"/>
+              <a:t> </a:t>
+            </a:r>
+            <a:r>
+              <a:rPr lang="ko-KR" altLang="en-US" dirty="0" smtClean="0"/>
+              <a:t>몬스터</a:t>
             </a:r>
             <a:endParaRPr lang="ko-KR" altLang="en-US" dirty="0"/>
           </a:p>
@@ -5106,16 +5246,8 @@
               <a:t>블록 </a:t>
             </a:r>
             <a:r>
-              <a:rPr lang="ko-KR" altLang="en-US" sz="2600" b="1" dirty="0" smtClean="0">
-                <a:solidFill>
-                  <a:srgbClr val="FF0000"/>
-                </a:solidFill>
-              </a:rPr>
-              <a:t>사이즈</a:t>
-            </a:r>
-            <a:r>
               <a:rPr lang="ko-KR" altLang="en-US" sz="2600" dirty="0" smtClean="0"/>
-              <a:t>이다</a:t>
+              <a:t>사이즈이다</a:t>
             </a:r>
             <a:r>
               <a:rPr lang="en-US" altLang="ko-KR" sz="2600" dirty="0" smtClean="0"/>
@@ -5151,55 +5283,55 @@
                   <a:srgbClr val="FF0000"/>
                 </a:solidFill>
               </a:rPr>
-              <a:t>랜덤으로 앞</a:t>
-            </a:r>
-            <a:r>
-              <a:rPr lang="en-US" altLang="ko-KR" sz="2600" b="1" dirty="0" smtClean="0">
-                <a:solidFill>
-                  <a:srgbClr val="FF0000"/>
-                </a:solidFill>
-              </a:rPr>
+              <a:t>랜덤</a:t>
+            </a:r>
+            <a:r>
+              <a:rPr lang="ko-KR" altLang="en-US" sz="2600" dirty="0" smtClean="0"/>
+              <a:t>으로</a:t>
+            </a:r>
+            <a:r>
+              <a:rPr lang="ko-KR" altLang="en-US" sz="2600" b="1" dirty="0" smtClean="0">
+                <a:solidFill>
+                  <a:srgbClr val="FF0000"/>
+                </a:solidFill>
+              </a:rPr>
+              <a:t> </a:t>
+            </a:r>
+            <a:r>
+              <a:rPr lang="ko-KR" altLang="en-US" sz="2600" dirty="0" smtClean="0"/>
+              <a:t>앞</a:t>
+            </a:r>
+            <a:r>
+              <a:rPr lang="en-US" altLang="ko-KR" sz="2600" dirty="0" smtClean="0"/>
               <a:t>,</a:t>
             </a:r>
             <a:r>
+              <a:rPr lang="ko-KR" altLang="en-US" sz="2600" dirty="0" smtClean="0"/>
+              <a:t>뒤</a:t>
+            </a:r>
+            <a:r>
+              <a:rPr lang="en-US" altLang="ko-KR" sz="2600" dirty="0" smtClean="0"/>
+              <a:t>,</a:t>
+            </a:r>
+            <a:r>
+              <a:rPr lang="ko-KR" altLang="en-US" sz="2600" dirty="0" smtClean="0"/>
+              <a:t>좌</a:t>
+            </a:r>
+            <a:r>
+              <a:rPr lang="en-US" altLang="ko-KR" sz="2600" dirty="0" smtClean="0"/>
+              <a:t>,</a:t>
+            </a:r>
+            <a:r>
+              <a:rPr lang="ko-KR" altLang="en-US" sz="2600" dirty="0" smtClean="0"/>
+              <a:t>우</a:t>
+            </a:r>
+            <a:r>
               <a:rPr lang="ko-KR" altLang="en-US" sz="2600" b="1" dirty="0" smtClean="0">
                 <a:solidFill>
                   <a:srgbClr val="FF0000"/>
                 </a:solidFill>
               </a:rPr>
-              <a:t>뒤</a:t>
-            </a:r>
-            <a:r>
-              <a:rPr lang="en-US" altLang="ko-KR" sz="2600" b="1" dirty="0" smtClean="0">
-                <a:solidFill>
-                  <a:srgbClr val="FF0000"/>
-                </a:solidFill>
-              </a:rPr>
-              <a:t>,</a:t>
-            </a:r>
-            <a:r>
-              <a:rPr lang="ko-KR" altLang="en-US" sz="2600" b="1" dirty="0" smtClean="0">
-                <a:solidFill>
-                  <a:srgbClr val="FF0000"/>
-                </a:solidFill>
-              </a:rPr>
-              <a:t>좌</a:t>
-            </a:r>
-            <a:r>
-              <a:rPr lang="en-US" altLang="ko-KR" sz="2600" b="1" dirty="0" smtClean="0">
-                <a:solidFill>
-                  <a:srgbClr val="FF0000"/>
-                </a:solidFill>
-              </a:rPr>
-              <a:t>,</a:t>
-            </a:r>
-            <a:r>
-              <a:rPr lang="ko-KR" altLang="en-US" sz="2600" b="1" dirty="0" smtClean="0">
-                <a:solidFill>
-                  <a:srgbClr val="FF0000"/>
-                </a:solidFill>
-              </a:rPr>
-              <a:t>우 </a:t>
+              <a:t> </a:t>
             </a:r>
             <a:r>
               <a:rPr lang="ko-KR" altLang="en-US" sz="2600" dirty="0" smtClean="0"/>
@@ -5213,11 +5345,7 @@
           <a:p>
             <a:r>
               <a:rPr lang="ko-KR" altLang="en-US" sz="2600" dirty="0" smtClean="0"/>
-              <a:t>이동이 </a:t>
-            </a:r>
-            <a:r>
-              <a:rPr lang="ko-KR" altLang="en-US" sz="2600" dirty="0" smtClean="0"/>
-              <a:t>불가능하거나 </a:t>
+              <a:t>이동이 불가능하거나 </a:t>
             </a:r>
             <a:r>
               <a:rPr lang="en-US" altLang="ko-KR" sz="2600" dirty="0" smtClean="0"/>
@@ -5225,15 +5353,7 @@
             </a:r>
             <a:r>
               <a:rPr lang="ko-KR" altLang="en-US" sz="2600" dirty="0" smtClean="0"/>
-              <a:t>블록을 이동했다면</a:t>
-            </a:r>
-            <a:r>
-              <a:rPr lang="ko-KR" altLang="en-US" sz="2600" dirty="0" smtClean="0"/>
-              <a:t> </a:t>
-            </a:r>
-            <a:r>
-              <a:rPr lang="ko-KR" altLang="en-US" sz="2600" dirty="0" smtClean="0"/>
-              <a:t>다시 랜덤 방향으로 이동한다</a:t>
+              <a:t>블록을 이동했다면 다시 랜덤 방향으로 이동한다</a:t>
             </a:r>
             <a:r>
               <a:rPr lang="en-US" altLang="ko-KR" sz="2600" dirty="0" smtClean="0"/>
@@ -5298,19 +5418,11 @@
           </a:p>
           <a:p>
             <a:r>
-              <a:rPr lang="en-US" altLang="ko-KR" sz="2600" b="1" dirty="0" smtClean="0">
-                <a:solidFill>
-                  <a:srgbClr val="FF0000"/>
-                </a:solidFill>
-              </a:rPr>
+              <a:rPr lang="en-US" altLang="ko-KR" sz="2600" dirty="0" smtClean="0"/>
               <a:t>5</a:t>
             </a:r>
             <a:r>
-              <a:rPr lang="ko-KR" altLang="en-US" sz="2600" b="1" dirty="0" smtClean="0">
-                <a:solidFill>
-                  <a:srgbClr val="FF0000"/>
-                </a:solidFill>
-              </a:rPr>
+              <a:rPr lang="ko-KR" altLang="en-US" sz="2600" dirty="0" smtClean="0"/>
               <a:t>칸 </a:t>
             </a:r>
             <a:r>
@@ -5336,19 +5448,11 @@
               <a:t>캐릭터가 </a:t>
             </a:r>
             <a:r>
-              <a:rPr lang="en-US" altLang="ko-KR" sz="2600" b="1" dirty="0" smtClean="0">
-                <a:solidFill>
-                  <a:srgbClr val="FF0000"/>
-                </a:solidFill>
-              </a:rPr>
+              <a:rPr lang="en-US" altLang="ko-KR" sz="2600" dirty="0" smtClean="0"/>
               <a:t>10</a:t>
             </a:r>
             <a:r>
-              <a:rPr lang="ko-KR" altLang="en-US" sz="2600" b="1" dirty="0" smtClean="0">
-                <a:solidFill>
-                  <a:srgbClr val="FF0000"/>
-                </a:solidFill>
-              </a:rPr>
+              <a:rPr lang="ko-KR" altLang="en-US" sz="2600" dirty="0" smtClean="0"/>
               <a:t>칸 </a:t>
             </a:r>
             <a:r>
@@ -5357,23 +5461,11 @@
                   <a:srgbClr val="FF0000"/>
                 </a:solidFill>
               </a:rPr>
-              <a:t>탐지 해제 </a:t>
-            </a:r>
-            <a:r>
-              <a:rPr lang="ko-KR" altLang="en-US" sz="2600" b="1" u="sng" dirty="0" smtClean="0">
-                <a:solidFill>
-                  <a:srgbClr val="FF0000"/>
-                </a:solidFill>
-              </a:rPr>
-              <a:t>범위 </a:t>
+              <a:t>탐지 해제 범위 </a:t>
             </a:r>
             <a:r>
               <a:rPr lang="ko-KR" altLang="en-US" sz="2600" dirty="0" smtClean="0"/>
-              <a:t>이상 </a:t>
-            </a:r>
-            <a:r>
-              <a:rPr lang="ko-KR" altLang="en-US" sz="2600" dirty="0" smtClean="0"/>
-              <a:t>벗어나면 추격을 취소한다</a:t>
+              <a:t>이상 벗어나면 추격을 취소한다</a:t>
             </a:r>
             <a:r>
               <a:rPr lang="en-US" altLang="ko-KR" sz="2600" dirty="0" smtClean="0"/>
@@ -5412,12 +5504,16 @@
           </a:p>
           <a:p>
             <a:r>
+              <a:rPr lang="ko-KR" altLang="en-US" sz="2600" dirty="0" smtClean="0"/>
+              <a:t>데미지를 입히면 </a:t>
+            </a:r>
+            <a:r>
               <a:rPr lang="ko-KR" altLang="en-US" sz="2600" b="1" dirty="0" smtClean="0">
                 <a:solidFill>
                   <a:srgbClr val="FF0000"/>
                 </a:solidFill>
               </a:rPr>
-              <a:t>데미지를 입히면 사라진다</a:t>
+              <a:t>사라진다</a:t>
             </a:r>
             <a:r>
               <a:rPr lang="en-US" altLang="ko-KR" sz="2600" b="1" dirty="0" smtClean="0">
@@ -5431,7 +5527,7 @@
           <a:p>
             <a:r>
               <a:rPr lang="ko-KR" altLang="en-US" sz="2600" dirty="0" smtClean="0"/>
-              <a:t>각 몬스터 마다 </a:t>
+              <a:t>각 몬스터 마다 서로 다른 </a:t>
             </a:r>
             <a:r>
               <a:rPr lang="ko-KR" altLang="en-US" sz="2600" b="1" dirty="0" smtClean="0">
@@ -5439,7 +5535,7 @@
                   <a:srgbClr val="FF0000"/>
                 </a:solidFill>
               </a:rPr>
-              <a:t>서로 다른 스킬</a:t>
+              <a:t>스킬</a:t>
             </a:r>
             <a:r>
               <a:rPr lang="ko-KR" altLang="en-US" sz="2600" dirty="0" smtClean="0"/>
@@ -6429,6 +6525,40 @@
               <a:rPr lang="en-US" altLang="ko-KR" sz="2400" dirty="0" smtClean="0"/>
               <a:t>.</a:t>
             </a:r>
+          </a:p>
+          <a:p>
+            <a:r>
+              <a:rPr lang="ko-KR" altLang="en-US" sz="2400" dirty="0" smtClean="0"/>
+              <a:t>은신 상태에서 캐릭터와 충돌 </a:t>
+            </a:r>
+            <a:r>
+              <a:rPr lang="ko-KR" altLang="en-US" sz="2400" dirty="0" smtClean="0"/>
+              <a:t>시 </a:t>
+            </a:r>
+            <a:r>
+              <a:rPr lang="en-US" altLang="ko-KR" sz="2400" b="1" dirty="0" smtClean="0">
+                <a:solidFill>
+                  <a:srgbClr val="FF0000"/>
+                </a:solidFill>
+              </a:rPr>
+              <a:t>0.4</a:t>
+            </a:r>
+            <a:r>
+              <a:rPr lang="ko-KR" altLang="en-US" sz="2400" b="1" dirty="0" smtClean="0">
+                <a:solidFill>
+                  <a:srgbClr val="FF0000"/>
+                </a:solidFill>
+              </a:rPr>
+              <a:t>데미지</a:t>
+            </a:r>
+            <a:r>
+              <a:rPr lang="ko-KR" altLang="en-US" sz="2400" dirty="0" smtClean="0"/>
+              <a:t>를 준다</a:t>
+            </a:r>
+            <a:r>
+              <a:rPr lang="en-US" altLang="ko-KR" sz="2400" dirty="0" smtClean="0"/>
+              <a:t>.</a:t>
+            </a:r>
             <a:endParaRPr lang="en-US" altLang="ko-KR" sz="2400" dirty="0"/>
           </a:p>
           <a:p>
@@ -6440,7 +6570,7 @@
               <a:t>해당 몬스터의 처치 방법은 </a:t>
             </a:r>
             <a:r>
-              <a:rPr lang="en-US" altLang="ko-KR" sz="2400" b="1" dirty="0" smtClean="0">
+              <a:rPr lang="en-US" altLang="ko-KR" sz="2400" b="1" dirty="0">
                 <a:solidFill>
                   <a:srgbClr val="FF0000"/>
                 </a:solidFill>
@@ -6448,23 +6578,15 @@
               <a:t>&lt;</a:t>
             </a:r>
             <a:r>
-              <a:rPr lang="ko-KR" altLang="en-US" sz="2400" b="1" dirty="0" smtClean="0">
-                <a:solidFill>
-                  <a:srgbClr val="FF0000"/>
-                </a:solidFill>
-              </a:rPr>
-              <a:t>전</a:t>
-            </a:r>
-            <a:r>
-              <a:rPr lang="ko-KR" altLang="en-US" sz="2400" b="1" dirty="0" smtClean="0">
-                <a:solidFill>
-                  <a:srgbClr val="FF0000"/>
-                </a:solidFill>
-              </a:rPr>
-              <a:t>투</a:t>
-            </a:r>
-            <a:r>
-              <a:rPr lang="en-US" altLang="ko-KR" sz="2400" b="1" dirty="0" smtClean="0">
+              <a:rPr lang="ko-KR" altLang="en-US" sz="2400" b="1" dirty="0">
+                <a:solidFill>
+                  <a:srgbClr val="FF0000"/>
+                </a:solidFill>
+              </a:rPr>
+              <a:t>체포</a:t>
+            </a:r>
+            <a:r>
+              <a:rPr lang="en-US" altLang="ko-KR" sz="2400" b="1" dirty="0">
                 <a:solidFill>
                   <a:srgbClr val="FF0000"/>
                 </a:solidFill>
@@ -6472,18 +6594,22 @@
               <a:t>&gt;</a:t>
             </a:r>
             <a:r>
-              <a:rPr lang="ko-KR" altLang="en-US" sz="2400" dirty="0" smtClean="0"/>
+              <a:rPr lang="ko-KR" altLang="en-US" sz="2400" dirty="0"/>
               <a:t>이다</a:t>
             </a:r>
             <a:r>
-              <a:rPr lang="en-US" altLang="ko-KR" sz="2400" dirty="0" smtClean="0"/>
-              <a:t>.</a:t>
-            </a:r>
-          </a:p>
-          <a:p>
-            <a:r>
-              <a:rPr lang="ko-KR" altLang="en-US" sz="2400" dirty="0" smtClean="0"/>
-              <a:t>이 몬스터를 끌고 </a:t>
+              <a:rPr lang="en-US" altLang="ko-KR" sz="2400" dirty="0"/>
+              <a:t>.</a:t>
+            </a:r>
+          </a:p>
+          <a:p>
+            <a:r>
+              <a:rPr lang="ko-KR" altLang="en-US" sz="2400" dirty="0" smtClean="0"/>
+              <a:t>이 </a:t>
+            </a:r>
+            <a:r>
+              <a:rPr lang="ko-KR" altLang="en-US" sz="2400" dirty="0" smtClean="0"/>
+              <a:t>몬스터를 끌고 </a:t>
             </a:r>
             <a:r>
               <a:rPr lang="ko-KR" altLang="en-US" sz="2400" b="1" dirty="0" smtClean="0">
@@ -6624,10 +6750,120 @@
         </p:spPr>
         <p:txBody>
           <a:bodyPr>
-            <a:normAutofit/>
+            <a:normAutofit lnSpcReduction="10000"/>
           </a:bodyPr>
           <a:lstStyle/>
           <a:p>
+            <a:r>
+              <a:rPr lang="ko-KR" altLang="en-US" sz="2400" dirty="0" smtClean="0"/>
+              <a:t>이 몬스터는 캐릭터와 충돌 시 </a:t>
+            </a:r>
+            <a:r>
+              <a:rPr lang="ko-KR" altLang="en-US" sz="2400" b="1" dirty="0" smtClean="0">
+                <a:solidFill>
+                  <a:srgbClr val="FF0000"/>
+                </a:solidFill>
+              </a:rPr>
+              <a:t>죄수 낙인</a:t>
+            </a:r>
+            <a:r>
+              <a:rPr lang="ko-KR" altLang="en-US" sz="2400" dirty="0" smtClean="0"/>
+              <a:t>을 준다</a:t>
+            </a:r>
+            <a:r>
+              <a:rPr lang="en-US" altLang="ko-KR" sz="2400" dirty="0" smtClean="0"/>
+              <a:t>.</a:t>
+            </a:r>
+          </a:p>
+          <a:p>
+            <a:r>
+              <a:rPr lang="ko-KR" altLang="en-US" sz="2400" dirty="0" smtClean="0"/>
+              <a:t>죄수 낙인을 받으면 </a:t>
+            </a:r>
+            <a:r>
+              <a:rPr lang="ko-KR" altLang="en-US" sz="2400" b="1" dirty="0" smtClean="0">
+                <a:solidFill>
+                  <a:srgbClr val="FF0000"/>
+                </a:solidFill>
+              </a:rPr>
+              <a:t>경찰의 추격</a:t>
+            </a:r>
+            <a:r>
+              <a:rPr lang="ko-KR" altLang="en-US" sz="2400" dirty="0" smtClean="0"/>
+              <a:t>을 받는다</a:t>
+            </a:r>
+            <a:r>
+              <a:rPr lang="en-US" altLang="ko-KR" sz="2400" dirty="0" smtClean="0"/>
+              <a:t>.</a:t>
+            </a:r>
+          </a:p>
+          <a:p>
+            <a:r>
+              <a:rPr lang="ko-KR" altLang="en-US" sz="2400" dirty="0" smtClean="0"/>
+              <a:t>이 때</a:t>
+            </a:r>
+            <a:r>
+              <a:rPr lang="en-US" altLang="ko-KR" sz="2400" dirty="0" smtClean="0"/>
+              <a:t>, </a:t>
+            </a:r>
+            <a:r>
+              <a:rPr lang="ko-KR" altLang="en-US" sz="2400" dirty="0" smtClean="0"/>
+              <a:t>경찰과 충돌 시 </a:t>
+            </a:r>
+            <a:r>
+              <a:rPr lang="en-US" altLang="ko-KR" sz="2400" b="1" dirty="0" smtClean="0">
+                <a:solidFill>
+                  <a:srgbClr val="FF0000"/>
+                </a:solidFill>
+              </a:rPr>
+              <a:t>0.5</a:t>
+            </a:r>
+            <a:r>
+              <a:rPr lang="ko-KR" altLang="en-US" sz="2400" b="1" dirty="0" smtClean="0">
+                <a:solidFill>
+                  <a:srgbClr val="FF0000"/>
+                </a:solidFill>
+              </a:rPr>
+              <a:t>데미지</a:t>
+            </a:r>
+            <a:r>
+              <a:rPr lang="ko-KR" altLang="en-US" sz="2400" dirty="0" smtClean="0"/>
+              <a:t>를 받는다</a:t>
+            </a:r>
+            <a:r>
+              <a:rPr lang="en-US" altLang="ko-KR" sz="2400" dirty="0" smtClean="0"/>
+              <a:t>.</a:t>
+            </a:r>
+          </a:p>
+          <a:p>
+            <a:r>
+              <a:rPr lang="ko-KR" altLang="en-US" sz="2400" dirty="0" smtClean="0"/>
+              <a:t>죄수 낙인은 </a:t>
+            </a:r>
+            <a:r>
+              <a:rPr lang="en-US" altLang="ko-KR" sz="2400" b="1" dirty="0" smtClean="0">
+                <a:solidFill>
+                  <a:srgbClr val="FF0000"/>
+                </a:solidFill>
+              </a:rPr>
+              <a:t>1</a:t>
+            </a:r>
+            <a:r>
+              <a:rPr lang="ko-KR" altLang="en-US" sz="2400" b="1" dirty="0" smtClean="0">
+                <a:solidFill>
+                  <a:srgbClr val="FF0000"/>
+                </a:solidFill>
+              </a:rPr>
+              <a:t>분간 유지</a:t>
+            </a:r>
+            <a:r>
+              <a:rPr lang="ko-KR" altLang="en-US" sz="2400" dirty="0" smtClean="0"/>
+              <a:t>된다</a:t>
+            </a:r>
+            <a:r>
+              <a:rPr lang="en-US" altLang="ko-KR" sz="2400" dirty="0" smtClean="0"/>
+              <a:t>.</a:t>
+            </a:r>
             <a:endParaRPr lang="en-US" altLang="ko-KR" sz="2400" dirty="0" smtClean="0"/>
           </a:p>
           <a:p>
@@ -6652,7 +6888,7 @@
                   <a:srgbClr val="FF0000"/>
                 </a:solidFill>
               </a:rPr>
-              <a:t>전투</a:t>
+              <a:t>체포</a:t>
             </a:r>
             <a:r>
               <a:rPr lang="en-US" altLang="ko-KR" sz="2400" b="1" dirty="0">
@@ -6673,8 +6909,12 @@
           </a:p>
           <a:p>
             <a:r>
+              <a:rPr lang="ko-KR" altLang="en-US" sz="2400" dirty="0" smtClean="0"/>
+              <a:t>이 </a:t>
+            </a:r>
+            <a:r>
               <a:rPr lang="ko-KR" altLang="en-US" sz="2400" dirty="0"/>
-              <a:t>이 몬스터를 끌고 </a:t>
+              <a:t>몬스터를 끌고 </a:t>
             </a:r>
             <a:r>
               <a:rPr lang="ko-KR" altLang="en-US" sz="2400" b="1" dirty="0">
@@ -6834,15 +7074,214 @@
           <a:p>
             <a:r>
               <a:rPr lang="ko-KR" altLang="en-US" dirty="0" smtClean="0"/>
+              <a:t>날라리 몬스터</a:t>
+            </a:r>
+            <a:endParaRPr lang="ko-KR" altLang="en-US" dirty="0"/>
+          </a:p>
+        </p:txBody>
+      </p:sp>
+      <p:sp>
+        <p:nvSpPr>
+          <p:cNvPr id="10" name="내용 개체 틀 2"/>
+          <p:cNvSpPr>
+            <a:spLocks noGrp="1"/>
+          </p:cNvSpPr>
+          <p:nvPr>
+            <p:ph idx="1"/>
+          </p:nvPr>
+        </p:nvSpPr>
+        <p:spPr>
+          <a:xfrm>
+            <a:off x="4018085" y="1825625"/>
+            <a:ext cx="7335715" cy="4351338"/>
+          </a:xfrm>
+        </p:spPr>
+        <p:txBody>
+          <a:bodyPr>
+            <a:normAutofit/>
+          </a:bodyPr>
+          <a:lstStyle/>
+          <a:p>
+            <a:r>
+              <a:rPr lang="ko-KR" altLang="en-US" sz="2400" dirty="0" smtClean="0"/>
+              <a:t>이 몬스터는 캐릭터를 탐지하지 않는다</a:t>
+            </a:r>
+            <a:r>
+              <a:rPr lang="en-US" altLang="ko-KR" sz="2400" dirty="0" smtClean="0"/>
+              <a:t>.</a:t>
+            </a:r>
+          </a:p>
+          <a:p>
+            <a:r>
+              <a:rPr lang="ko-KR" altLang="en-US" sz="2400" dirty="0" smtClean="0"/>
+              <a:t>이 몬스터는 </a:t>
+            </a:r>
+            <a:r>
+              <a:rPr lang="en-US" altLang="ko-KR" sz="2400" dirty="0" smtClean="0"/>
+              <a:t>1</a:t>
+            </a:r>
+            <a:r>
+              <a:rPr lang="ko-KR" altLang="en-US" sz="2400" dirty="0" smtClean="0"/>
+              <a:t>초에 </a:t>
+            </a:r>
+            <a:r>
+              <a:rPr lang="en-US" altLang="ko-KR" sz="2400" dirty="0" smtClean="0"/>
+              <a:t>2</a:t>
+            </a:r>
+            <a:r>
+              <a:rPr lang="ko-KR" altLang="en-US" sz="2400" dirty="0" smtClean="0"/>
+              <a:t>블록 이동한다</a:t>
+            </a:r>
+            <a:r>
+              <a:rPr lang="en-US" altLang="ko-KR" sz="2400" dirty="0" smtClean="0"/>
+              <a:t>.</a:t>
+            </a:r>
+          </a:p>
+          <a:p>
+            <a:r>
+              <a:rPr lang="ko-KR" altLang="en-US" sz="2400" dirty="0" smtClean="0"/>
+              <a:t>이 몬스터는 </a:t>
+            </a:r>
+            <a:r>
+              <a:rPr lang="en-US" altLang="ko-KR" sz="2400" dirty="0" smtClean="0"/>
+              <a:t>0.3</a:t>
+            </a:r>
+            <a:r>
+              <a:rPr lang="ko-KR" altLang="en-US" sz="2400" dirty="0" smtClean="0"/>
+              <a:t>데미지를 준다</a:t>
+            </a:r>
+            <a:r>
+              <a:rPr lang="en-US" altLang="ko-KR" sz="2400" dirty="0" smtClean="0"/>
+              <a:t>.</a:t>
+            </a:r>
+          </a:p>
+          <a:p>
+            <a:endParaRPr lang="en-US" altLang="ko-KR" sz="2400" dirty="0"/>
+          </a:p>
+          <a:p>
+            <a:r>
+              <a:rPr lang="ko-KR" altLang="en-US" sz="2400" dirty="0"/>
+              <a:t>해당 몬스터의 처치 방법은 </a:t>
+            </a:r>
+            <a:r>
+              <a:rPr lang="en-US" altLang="ko-KR" sz="2400" b="1" dirty="0" smtClean="0">
+                <a:solidFill>
+                  <a:srgbClr val="FF0000"/>
+                </a:solidFill>
+              </a:rPr>
+              <a:t>&lt;</a:t>
+            </a:r>
+            <a:r>
+              <a:rPr lang="ko-KR" altLang="en-US" sz="2400" b="1" dirty="0" smtClean="0">
+                <a:solidFill>
+                  <a:srgbClr val="FF0000"/>
+                </a:solidFill>
+              </a:rPr>
+              <a:t>체포</a:t>
+            </a:r>
+            <a:r>
+              <a:rPr lang="en-US" altLang="ko-KR" sz="2400" b="1" dirty="0" smtClean="0">
+                <a:solidFill>
+                  <a:srgbClr val="FF0000"/>
+                </a:solidFill>
+              </a:rPr>
+              <a:t>&gt;</a:t>
+            </a:r>
+            <a:r>
+              <a:rPr lang="ko-KR" altLang="en-US" sz="2400" dirty="0"/>
+              <a:t>이다</a:t>
+            </a:r>
+            <a:r>
+              <a:rPr lang="en-US" altLang="ko-KR" sz="2400" dirty="0"/>
+              <a:t>.</a:t>
+            </a:r>
+          </a:p>
+          <a:p>
+            <a:r>
+              <a:rPr lang="ko-KR" altLang="en-US" sz="2400" dirty="0"/>
+              <a:t>이 몬스터를 끌고 </a:t>
+            </a:r>
+            <a:r>
+              <a:rPr lang="ko-KR" altLang="en-US" sz="2400" b="1" dirty="0">
+                <a:solidFill>
+                  <a:srgbClr val="FF0000"/>
+                </a:solidFill>
+              </a:rPr>
               <a:t>경찰 몬스터</a:t>
             </a:r>
-            <a:endParaRPr lang="ko-KR" altLang="en-US" dirty="0"/>
+            <a:r>
+              <a:rPr lang="ko-KR" altLang="en-US" sz="2400" dirty="0"/>
+              <a:t> 근처로 간다</a:t>
+            </a:r>
+            <a:r>
+              <a:rPr lang="en-US" altLang="ko-KR" sz="2400" dirty="0"/>
+              <a:t>.</a:t>
+            </a:r>
+          </a:p>
+          <a:p>
+            <a:r>
+              <a:rPr lang="ko-KR" altLang="en-US" sz="2400" dirty="0"/>
+              <a:t>경찰 몬스터는 이 몬스터를 우선적으로 추격한다</a:t>
+            </a:r>
+            <a:r>
+              <a:rPr lang="en-US" altLang="ko-KR" sz="2400" dirty="0"/>
+              <a:t>.</a:t>
+            </a:r>
+          </a:p>
+          <a:p>
+            <a:r>
+              <a:rPr lang="ko-KR" altLang="en-US" sz="2400" dirty="0"/>
+              <a:t>추격을 당하면 </a:t>
+            </a:r>
+            <a:r>
+              <a:rPr lang="ko-KR" altLang="en-US" sz="2400" dirty="0" smtClean="0"/>
+              <a:t>날라리 </a:t>
+            </a:r>
+            <a:r>
+              <a:rPr lang="ko-KR" altLang="en-US" sz="2400" dirty="0"/>
+              <a:t>몬스터는 </a:t>
+            </a:r>
+            <a:r>
+              <a:rPr lang="ko-KR" altLang="en-US" sz="2400" b="1" dirty="0">
+                <a:solidFill>
+                  <a:srgbClr val="FF0000"/>
+                </a:solidFill>
+              </a:rPr>
+              <a:t>정지</a:t>
+            </a:r>
+            <a:r>
+              <a:rPr lang="ko-KR" altLang="en-US" sz="2400" dirty="0"/>
+              <a:t>한다</a:t>
+            </a:r>
+            <a:r>
+              <a:rPr lang="en-US" altLang="ko-KR" sz="2400" dirty="0"/>
+              <a:t>.</a:t>
+            </a:r>
+          </a:p>
+          <a:p>
+            <a:r>
+              <a:rPr lang="ko-KR" altLang="en-US" sz="2400" dirty="0"/>
+              <a:t>두 몬스터가 접촉 시 </a:t>
+            </a:r>
+            <a:r>
+              <a:rPr lang="ko-KR" altLang="en-US" sz="2400" dirty="0" smtClean="0"/>
+              <a:t>날라리 </a:t>
+            </a:r>
+            <a:r>
+              <a:rPr lang="ko-KR" altLang="en-US" sz="2400" dirty="0"/>
+              <a:t>몬스터는 죽는다</a:t>
+            </a:r>
+            <a:r>
+              <a:rPr lang="en-US" altLang="ko-KR" sz="2400" dirty="0"/>
+              <a:t>.</a:t>
+            </a:r>
+            <a:endParaRPr lang="en-US" altLang="ko-KR" sz="2400" dirty="0"/>
           </a:p>
         </p:txBody>
       </p:sp>
       <p:pic>
         <p:nvPicPr>
-          <p:cNvPr id="6" name="그림 5"/>
+          <p:cNvPr id="11" name="그림 10"/>
           <p:cNvPicPr>
             <a:picLocks noChangeAspect="1"/>
           </p:cNvPicPr>
@@ -6856,276 +7295,18 @@
         </p:blipFill>
         <p:spPr>
           <a:xfrm>
-            <a:off x="838200" y="2872581"/>
-            <a:ext cx="2162175" cy="2257425"/>
+            <a:off x="838199" y="2839244"/>
+            <a:ext cx="2209800" cy="2324100"/>
           </a:xfrm>
           <a:prstGeom prst="rect">
             <a:avLst/>
           </a:prstGeom>
         </p:spPr>
       </p:pic>
-      <p:sp>
-        <p:nvSpPr>
-          <p:cNvPr id="10" name="내용 개체 틀 2"/>
-          <p:cNvSpPr>
-            <a:spLocks noGrp="1"/>
-          </p:cNvSpPr>
-          <p:nvPr>
-            <p:ph idx="1"/>
-          </p:nvPr>
-        </p:nvSpPr>
-        <p:spPr>
-          <a:xfrm>
-            <a:off x="4018085" y="1825625"/>
-            <a:ext cx="7335715" cy="4351338"/>
-          </a:xfrm>
-        </p:spPr>
-        <p:txBody>
-          <a:bodyPr/>
-          <a:lstStyle/>
-          <a:p>
-            <a:r>
-              <a:rPr lang="ko-KR" altLang="en-US" sz="2400" dirty="0" smtClean="0"/>
-              <a:t>이 몬스터는 캐릭터를 탐지 시 </a:t>
-            </a:r>
-            <a:r>
-              <a:rPr lang="en-US" altLang="ko-KR" sz="2400" b="1" dirty="0" smtClean="0">
-                <a:solidFill>
-                  <a:srgbClr val="FF0000"/>
-                </a:solidFill>
-              </a:rPr>
-              <a:t>10</a:t>
-            </a:r>
-            <a:r>
-              <a:rPr lang="ko-KR" altLang="en-US" sz="2400" b="1" dirty="0" smtClean="0">
-                <a:solidFill>
-                  <a:srgbClr val="FF0000"/>
-                </a:solidFill>
-              </a:rPr>
-              <a:t>초마다 </a:t>
-            </a:r>
-            <a:r>
-              <a:rPr lang="en-US" altLang="ko-KR" sz="2400" b="1" dirty="0" smtClean="0">
-                <a:solidFill>
-                  <a:srgbClr val="FF0000"/>
-                </a:solidFill>
-              </a:rPr>
-              <a:t>1</a:t>
-            </a:r>
-            <a:r>
-              <a:rPr lang="ko-KR" altLang="en-US" sz="2400" b="1" dirty="0" smtClean="0">
-                <a:solidFill>
-                  <a:srgbClr val="FF0000"/>
-                </a:solidFill>
-              </a:rPr>
-              <a:t>초간 정지</a:t>
-            </a:r>
-            <a:r>
-              <a:rPr lang="ko-KR" altLang="en-US" sz="2400" dirty="0" smtClean="0"/>
-              <a:t>시킨다</a:t>
-            </a:r>
-            <a:r>
-              <a:rPr lang="en-US" altLang="ko-KR" sz="2400" dirty="0" smtClean="0"/>
-              <a:t>.</a:t>
-            </a:r>
-          </a:p>
-          <a:p>
-            <a:endParaRPr lang="en-US" altLang="ko-KR" sz="2400" dirty="0"/>
-          </a:p>
-          <a:p>
-            <a:r>
-              <a:rPr lang="ko-KR" altLang="en-US" sz="2400" dirty="0"/>
-              <a:t>해당 몬스터의 처치 방법은 </a:t>
-            </a:r>
-            <a:r>
-              <a:rPr lang="en-US" altLang="ko-KR" sz="2400" b="1" dirty="0">
-                <a:solidFill>
-                  <a:srgbClr val="FF0000"/>
-                </a:solidFill>
-              </a:rPr>
-              <a:t>&lt;</a:t>
-            </a:r>
-            <a:r>
-              <a:rPr lang="ko-KR" altLang="en-US" sz="2400" b="1" dirty="0">
-                <a:solidFill>
-                  <a:srgbClr val="FF0000"/>
-                </a:solidFill>
-              </a:rPr>
-              <a:t>전투</a:t>
-            </a:r>
-            <a:r>
-              <a:rPr lang="en-US" altLang="ko-KR" sz="2400" b="1" dirty="0">
-                <a:solidFill>
-                  <a:srgbClr val="FF0000"/>
-                </a:solidFill>
-              </a:rPr>
-              <a:t>&gt;</a:t>
-            </a:r>
-            <a:r>
-              <a:rPr lang="ko-KR" altLang="en-US" sz="2400" dirty="0"/>
-              <a:t>이다</a:t>
-            </a:r>
-            <a:r>
-              <a:rPr lang="en-US" altLang="ko-KR" sz="2400" dirty="0"/>
-              <a:t>.</a:t>
-            </a:r>
-          </a:p>
-          <a:p>
-            <a:r>
-              <a:rPr lang="ko-KR" altLang="en-US" sz="2400" dirty="0"/>
-              <a:t>이 몬스터를 끌고 </a:t>
-            </a:r>
-            <a:r>
-              <a:rPr lang="ko-KR" altLang="en-US" sz="2400" b="1" dirty="0" smtClean="0">
-                <a:solidFill>
-                  <a:srgbClr val="FF0000"/>
-                </a:solidFill>
-              </a:rPr>
-              <a:t>도둑</a:t>
-            </a:r>
-            <a:r>
-              <a:rPr lang="en-US" altLang="ko-KR" sz="2400" b="1" dirty="0" smtClean="0">
-                <a:solidFill>
-                  <a:srgbClr val="FF0000"/>
-                </a:solidFill>
-              </a:rPr>
-              <a:t>, </a:t>
-            </a:r>
-            <a:r>
-              <a:rPr lang="ko-KR" altLang="en-US" sz="2400" b="1" dirty="0" smtClean="0">
-                <a:solidFill>
-                  <a:srgbClr val="FF0000"/>
-                </a:solidFill>
-              </a:rPr>
-              <a:t>죄수</a:t>
-            </a:r>
-            <a:r>
-              <a:rPr lang="ko-KR" altLang="en-US" sz="2400" dirty="0" smtClean="0"/>
-              <a:t> </a:t>
-            </a:r>
-            <a:r>
-              <a:rPr lang="ko-KR" altLang="en-US" sz="2400" dirty="0"/>
-              <a:t>근처로 간다</a:t>
-            </a:r>
-            <a:r>
-              <a:rPr lang="en-US" altLang="ko-KR" sz="2400" dirty="0"/>
-              <a:t>.</a:t>
-            </a:r>
-          </a:p>
-          <a:p>
-            <a:r>
-              <a:rPr lang="ko-KR" altLang="en-US" sz="2400" dirty="0" smtClean="0"/>
-              <a:t>경찰은 </a:t>
-            </a:r>
-            <a:r>
-              <a:rPr lang="ko-KR" altLang="en-US" sz="2400" b="1" dirty="0">
-                <a:solidFill>
-                  <a:srgbClr val="FF0000"/>
-                </a:solidFill>
-              </a:rPr>
-              <a:t>도둑</a:t>
-            </a:r>
-            <a:r>
-              <a:rPr lang="en-US" altLang="ko-KR" sz="2400" b="1" dirty="0">
-                <a:solidFill>
-                  <a:srgbClr val="FF0000"/>
-                </a:solidFill>
-              </a:rPr>
-              <a:t>, </a:t>
-            </a:r>
-            <a:r>
-              <a:rPr lang="ko-KR" altLang="en-US" sz="2400" b="1" dirty="0" smtClean="0">
-                <a:solidFill>
-                  <a:srgbClr val="FF0000"/>
-                </a:solidFill>
-              </a:rPr>
-              <a:t>죄수</a:t>
-            </a:r>
-            <a:r>
-              <a:rPr lang="ko-KR" altLang="en-US" sz="2400" dirty="0" smtClean="0"/>
-              <a:t>를 우선적으로 </a:t>
-            </a:r>
-            <a:r>
-              <a:rPr lang="ko-KR" altLang="en-US" sz="2400" b="1" dirty="0">
-                <a:solidFill>
-                  <a:srgbClr val="FF0000"/>
-                </a:solidFill>
-              </a:rPr>
-              <a:t>추격</a:t>
-            </a:r>
-            <a:r>
-              <a:rPr lang="ko-KR" altLang="en-US" sz="2400" dirty="0"/>
-              <a:t>한다</a:t>
-            </a:r>
-            <a:r>
-              <a:rPr lang="en-US" altLang="ko-KR" sz="2400" dirty="0"/>
-              <a:t>.</a:t>
-            </a:r>
-          </a:p>
-          <a:p>
-            <a:r>
-              <a:rPr lang="ko-KR" altLang="en-US" sz="2400" dirty="0"/>
-              <a:t>추격을 당하면 </a:t>
-            </a:r>
-            <a:r>
-              <a:rPr lang="ko-KR" altLang="en-US" sz="2400" dirty="0" smtClean="0"/>
-              <a:t>도둑</a:t>
-            </a:r>
-            <a:r>
-              <a:rPr lang="en-US" altLang="ko-KR" sz="2400" dirty="0" smtClean="0"/>
-              <a:t>, </a:t>
-            </a:r>
-            <a:r>
-              <a:rPr lang="ko-KR" altLang="en-US" sz="2400" dirty="0" smtClean="0"/>
-              <a:t>죄수는 </a:t>
-            </a:r>
-            <a:r>
-              <a:rPr lang="ko-KR" altLang="en-US" sz="2400" b="1" dirty="0">
-                <a:solidFill>
-                  <a:srgbClr val="FF0000"/>
-                </a:solidFill>
-              </a:rPr>
-              <a:t>정지</a:t>
-            </a:r>
-            <a:r>
-              <a:rPr lang="ko-KR" altLang="en-US" sz="2400" dirty="0"/>
-              <a:t>한다</a:t>
-            </a:r>
-            <a:r>
-              <a:rPr lang="en-US" altLang="ko-KR" sz="2400" dirty="0"/>
-              <a:t>.</a:t>
-            </a:r>
-          </a:p>
-          <a:p>
-            <a:r>
-              <a:rPr lang="ko-KR" altLang="en-US" sz="2400" dirty="0"/>
-              <a:t>두 몬스터가 접촉 시 </a:t>
-            </a:r>
-            <a:r>
-              <a:rPr lang="ko-KR" altLang="en-US" sz="2400" dirty="0" smtClean="0"/>
-              <a:t>경찰 </a:t>
-            </a:r>
-            <a:r>
-              <a:rPr lang="ko-KR" altLang="en-US" sz="2400" dirty="0"/>
-              <a:t>몬스터는 죽는다</a:t>
-            </a:r>
-            <a:r>
-              <a:rPr lang="en-US" altLang="ko-KR" sz="2400" dirty="0"/>
-              <a:t>.</a:t>
-            </a:r>
-          </a:p>
-          <a:p>
-            <a:endParaRPr lang="en-US" altLang="ko-KR" sz="2400" dirty="0"/>
-          </a:p>
-          <a:p>
-            <a:endParaRPr lang="ko-KR" altLang="en-US" dirty="0"/>
-          </a:p>
-        </p:txBody>
-      </p:sp>
     </p:spTree>
     <p:extLst>
       <p:ext uri="{BB962C8B-B14F-4D97-AF65-F5344CB8AC3E}">
-        <p14:creationId xmlns:p14="http://schemas.microsoft.com/office/powerpoint/2010/main" val="3696974788"/>
+        <p14:creationId xmlns:p14="http://schemas.microsoft.com/office/powerpoint/2010/main" val="2386501708"/>
       </p:ext>
     </p:extLst>
   </p:cSld>
@@ -7176,136 +7357,9 @@
           <a:p>
             <a:r>
               <a:rPr lang="ko-KR" altLang="en-US" dirty="0" smtClean="0"/>
-              <a:t>소방관 몬스터</a:t>
+              <a:t>경찰 몬스터</a:t>
             </a:r>
             <a:endParaRPr lang="ko-KR" altLang="en-US" dirty="0"/>
-          </a:p>
-        </p:txBody>
-      </p:sp>
-      <p:sp>
-        <p:nvSpPr>
-          <p:cNvPr id="10" name="내용 개체 틀 2"/>
-          <p:cNvSpPr>
-            <a:spLocks noGrp="1"/>
-          </p:cNvSpPr>
-          <p:nvPr>
-            <p:ph idx="1"/>
-          </p:nvPr>
-        </p:nvSpPr>
-        <p:spPr>
-          <a:xfrm>
-            <a:off x="4018085" y="1825625"/>
-            <a:ext cx="7335715" cy="4351338"/>
-          </a:xfrm>
-        </p:spPr>
-        <p:txBody>
-          <a:bodyPr>
-            <a:normAutofit/>
-          </a:bodyPr>
-          <a:lstStyle/>
-          <a:p>
-            <a:r>
-              <a:rPr lang="ko-KR" altLang="en-US" sz="2400" dirty="0" smtClean="0"/>
-              <a:t>탐지 범위 내에 </a:t>
-            </a:r>
-            <a:r>
-              <a:rPr lang="ko-KR" altLang="en-US" sz="2400" b="1" dirty="0" smtClean="0">
-                <a:solidFill>
-                  <a:srgbClr val="FF0000"/>
-                </a:solidFill>
-              </a:rPr>
-              <a:t>불 블록</a:t>
-            </a:r>
-            <a:r>
-              <a:rPr lang="ko-KR" altLang="en-US" sz="2400" dirty="0" smtClean="0"/>
-              <a:t>이 있을 경우</a:t>
-            </a:r>
-            <a:r>
-              <a:rPr lang="en-US" altLang="ko-KR" sz="2400" dirty="0" smtClean="0"/>
-              <a:t>,</a:t>
-            </a:r>
-            <a:r>
-              <a:rPr lang="ko-KR" altLang="en-US" sz="2400" dirty="0" smtClean="0"/>
-              <a:t> 해당 블록을 </a:t>
-            </a:r>
-            <a:r>
-              <a:rPr lang="ko-KR" altLang="en-US" sz="2400" b="1" dirty="0" smtClean="0">
-                <a:solidFill>
-                  <a:srgbClr val="FF0000"/>
-                </a:solidFill>
-              </a:rPr>
-              <a:t>물 블록</a:t>
-            </a:r>
-            <a:r>
-              <a:rPr lang="ko-KR" altLang="en-US" sz="2400" dirty="0" smtClean="0"/>
-              <a:t>으로 바꾼다</a:t>
-            </a:r>
-            <a:r>
-              <a:rPr lang="en-US" altLang="ko-KR" sz="2400" dirty="0" smtClean="0"/>
-              <a:t>.</a:t>
-            </a:r>
-          </a:p>
-          <a:p>
-            <a:endParaRPr lang="en-US" altLang="ko-KR" sz="2400" dirty="0" smtClean="0"/>
-          </a:p>
-          <a:p>
-            <a:r>
-              <a:rPr lang="ko-KR" altLang="en-US" sz="2400" dirty="0"/>
-              <a:t>해당 몬스터의 처치 방법은 </a:t>
-            </a:r>
-            <a:r>
-              <a:rPr lang="en-US" altLang="ko-KR" sz="2400" b="1" dirty="0" smtClean="0">
-                <a:solidFill>
-                  <a:srgbClr val="FF0000"/>
-                </a:solidFill>
-              </a:rPr>
-              <a:t>&lt;</a:t>
-            </a:r>
-            <a:r>
-              <a:rPr lang="ko-KR" altLang="en-US" sz="2400" b="1" dirty="0" smtClean="0">
-                <a:solidFill>
-                  <a:srgbClr val="FF0000"/>
-                </a:solidFill>
-              </a:rPr>
-              <a:t>유인</a:t>
-            </a:r>
-            <a:r>
-              <a:rPr lang="en-US" altLang="ko-KR" sz="2400" b="1" dirty="0" smtClean="0">
-                <a:solidFill>
-                  <a:srgbClr val="FF0000"/>
-                </a:solidFill>
-              </a:rPr>
-              <a:t>&gt;</a:t>
-            </a:r>
-            <a:r>
-              <a:rPr lang="ko-KR" altLang="en-US" sz="2400" dirty="0"/>
-              <a:t>이다</a:t>
-            </a:r>
-            <a:r>
-              <a:rPr lang="en-US" altLang="ko-KR" sz="2400" dirty="0"/>
-              <a:t>.</a:t>
-            </a:r>
-          </a:p>
-          <a:p>
-            <a:r>
-              <a:rPr lang="ko-KR" altLang="en-US" sz="2400" dirty="0" smtClean="0"/>
-              <a:t>불 블록을 물 블록으로 바꾸면 죽는다</a:t>
-            </a:r>
-            <a:r>
-              <a:rPr lang="en-US" altLang="ko-KR" sz="2400" dirty="0" smtClean="0"/>
-              <a:t>.</a:t>
-            </a:r>
-          </a:p>
-          <a:p>
-            <a:r>
-              <a:rPr lang="ko-KR" altLang="en-US" sz="2400" dirty="0" smtClean="0"/>
-              <a:t>소방관을 불 블록 근처로 유인한다</a:t>
-            </a:r>
-            <a:r>
-              <a:rPr lang="en-US" altLang="ko-KR" sz="2400" dirty="0" smtClean="0"/>
-              <a:t>.</a:t>
-            </a:r>
-            <a:endParaRPr lang="ko-KR" altLang="en-US" sz="2400" dirty="0"/>
           </a:p>
         </p:txBody>
       </p:sp>
@@ -7325,18 +7379,280 @@
         </p:blipFill>
         <p:spPr>
           <a:xfrm>
-            <a:off x="810541" y="2824956"/>
-            <a:ext cx="2105025" cy="2352675"/>
+            <a:off x="838200" y="2872581"/>
+            <a:ext cx="2162175" cy="2257425"/>
           </a:xfrm>
           <a:prstGeom prst="rect">
             <a:avLst/>
           </a:prstGeom>
         </p:spPr>
       </p:pic>
+      <p:sp>
+        <p:nvSpPr>
+          <p:cNvPr id="10" name="내용 개체 틀 2"/>
+          <p:cNvSpPr>
+            <a:spLocks noGrp="1"/>
+          </p:cNvSpPr>
+          <p:nvPr>
+            <p:ph idx="1"/>
+          </p:nvPr>
+        </p:nvSpPr>
+        <p:spPr>
+          <a:xfrm>
+            <a:off x="4018085" y="1825625"/>
+            <a:ext cx="7335715" cy="4351338"/>
+          </a:xfrm>
+        </p:spPr>
+        <p:txBody>
+          <a:bodyPr/>
+          <a:lstStyle/>
+          <a:p>
+            <a:r>
+              <a:rPr lang="ko-KR" altLang="en-US" sz="2400" dirty="0" smtClean="0"/>
+              <a:t>이 몬스터는 캐릭터를 탐지 시 </a:t>
+            </a:r>
+            <a:r>
+              <a:rPr lang="en-US" altLang="ko-KR" sz="2400" b="1" dirty="0" smtClean="0">
+                <a:solidFill>
+                  <a:srgbClr val="FF0000"/>
+                </a:solidFill>
+              </a:rPr>
+              <a:t>10</a:t>
+            </a:r>
+            <a:r>
+              <a:rPr lang="ko-KR" altLang="en-US" sz="2400" b="1" dirty="0" smtClean="0">
+                <a:solidFill>
+                  <a:srgbClr val="FF0000"/>
+                </a:solidFill>
+              </a:rPr>
+              <a:t>초마다 </a:t>
+            </a:r>
+            <a:r>
+              <a:rPr lang="en-US" altLang="ko-KR" sz="2400" b="1" dirty="0" smtClean="0">
+                <a:solidFill>
+                  <a:srgbClr val="FF0000"/>
+                </a:solidFill>
+              </a:rPr>
+              <a:t>1</a:t>
+            </a:r>
+            <a:r>
+              <a:rPr lang="ko-KR" altLang="en-US" sz="2400" b="1" dirty="0" smtClean="0">
+                <a:solidFill>
+                  <a:srgbClr val="FF0000"/>
+                </a:solidFill>
+              </a:rPr>
+              <a:t>초간 정지</a:t>
+            </a:r>
+            <a:r>
+              <a:rPr lang="ko-KR" altLang="en-US" sz="2400" dirty="0" smtClean="0"/>
+              <a:t>시킨다</a:t>
+            </a:r>
+            <a:r>
+              <a:rPr lang="en-US" altLang="ko-KR" sz="2400" dirty="0" smtClean="0"/>
+              <a:t>.</a:t>
+            </a:r>
+          </a:p>
+          <a:p>
+            <a:endParaRPr lang="en-US" altLang="ko-KR" sz="2400" dirty="0"/>
+          </a:p>
+          <a:p>
+            <a:r>
+              <a:rPr lang="ko-KR" altLang="en-US" sz="2400" dirty="0"/>
+              <a:t>해당 몬스터의 처치 방법은 </a:t>
+            </a:r>
+            <a:r>
+              <a:rPr lang="en-US" altLang="ko-KR" sz="2400" b="1" dirty="0">
+                <a:solidFill>
+                  <a:srgbClr val="FF0000"/>
+                </a:solidFill>
+              </a:rPr>
+              <a:t>&lt;</a:t>
+            </a:r>
+            <a:r>
+              <a:rPr lang="ko-KR" altLang="en-US" sz="2400" b="1" dirty="0">
+                <a:solidFill>
+                  <a:srgbClr val="FF0000"/>
+                </a:solidFill>
+              </a:rPr>
+              <a:t>체포</a:t>
+            </a:r>
+            <a:r>
+              <a:rPr lang="en-US" altLang="ko-KR" sz="2400" b="1" dirty="0">
+                <a:solidFill>
+                  <a:srgbClr val="FF0000"/>
+                </a:solidFill>
+              </a:rPr>
+              <a:t>&gt;</a:t>
+            </a:r>
+            <a:r>
+              <a:rPr lang="ko-KR" altLang="en-US" sz="2400" dirty="0"/>
+              <a:t>이다</a:t>
+            </a:r>
+            <a:r>
+              <a:rPr lang="en-US" altLang="ko-KR" sz="2400" dirty="0"/>
+              <a:t>.</a:t>
+            </a:r>
+          </a:p>
+          <a:p>
+            <a:r>
+              <a:rPr lang="ko-KR" altLang="en-US" sz="2400" dirty="0" smtClean="0"/>
+              <a:t>이 </a:t>
+            </a:r>
+            <a:r>
+              <a:rPr lang="ko-KR" altLang="en-US" sz="2400" dirty="0"/>
+              <a:t>몬스터를 끌고 </a:t>
+            </a:r>
+            <a:r>
+              <a:rPr lang="ko-KR" altLang="en-US" sz="2400" b="1" dirty="0" smtClean="0">
+                <a:solidFill>
+                  <a:srgbClr val="FF0000"/>
+                </a:solidFill>
+              </a:rPr>
+              <a:t>도둑</a:t>
+            </a:r>
+            <a:r>
+              <a:rPr lang="en-US" altLang="ko-KR" sz="2400" b="1" dirty="0" smtClean="0">
+                <a:solidFill>
+                  <a:srgbClr val="FF0000"/>
+                </a:solidFill>
+              </a:rPr>
+              <a:t>, </a:t>
+            </a:r>
+            <a:r>
+              <a:rPr lang="ko-KR" altLang="en-US" sz="2400" b="1" dirty="0" smtClean="0">
+                <a:solidFill>
+                  <a:srgbClr val="FF0000"/>
+                </a:solidFill>
+              </a:rPr>
+              <a:t>죄수</a:t>
+            </a:r>
+            <a:r>
+              <a:rPr lang="ko-KR" altLang="en-US" sz="2400" dirty="0" smtClean="0"/>
+              <a:t> </a:t>
+            </a:r>
+            <a:r>
+              <a:rPr lang="ko-KR" altLang="en-US" sz="2400" dirty="0"/>
+              <a:t>근처로 간다</a:t>
+            </a:r>
+            <a:r>
+              <a:rPr lang="en-US" altLang="ko-KR" sz="2400" dirty="0"/>
+              <a:t>.</a:t>
+            </a:r>
+          </a:p>
+          <a:p>
+            <a:r>
+              <a:rPr lang="ko-KR" altLang="en-US" sz="2400" dirty="0" smtClean="0"/>
+              <a:t>경찰은 </a:t>
+            </a:r>
+            <a:r>
+              <a:rPr lang="ko-KR" altLang="en-US" sz="2400" b="1" dirty="0">
+                <a:solidFill>
+                  <a:srgbClr val="FF0000"/>
+                </a:solidFill>
+              </a:rPr>
+              <a:t>도둑</a:t>
+            </a:r>
+            <a:r>
+              <a:rPr lang="en-US" altLang="ko-KR" sz="2400" b="1" dirty="0">
+                <a:solidFill>
+                  <a:srgbClr val="FF0000"/>
+                </a:solidFill>
+              </a:rPr>
+              <a:t>, </a:t>
+            </a:r>
+            <a:r>
+              <a:rPr lang="ko-KR" altLang="en-US" sz="2400" b="1" dirty="0" smtClean="0">
+                <a:solidFill>
+                  <a:srgbClr val="FF0000"/>
+                </a:solidFill>
+              </a:rPr>
+              <a:t>죄수</a:t>
+            </a:r>
+            <a:r>
+              <a:rPr lang="ko-KR" altLang="en-US" sz="2400" dirty="0" smtClean="0"/>
+              <a:t>를 우선적으로 </a:t>
+            </a:r>
+            <a:r>
+              <a:rPr lang="ko-KR" altLang="en-US" sz="2400" b="1" dirty="0">
+                <a:solidFill>
+                  <a:srgbClr val="FF0000"/>
+                </a:solidFill>
+              </a:rPr>
+              <a:t>추격</a:t>
+            </a:r>
+            <a:r>
+              <a:rPr lang="ko-KR" altLang="en-US" sz="2400" dirty="0"/>
+              <a:t>한다</a:t>
+            </a:r>
+            <a:r>
+              <a:rPr lang="en-US" altLang="ko-KR" sz="2400" dirty="0"/>
+              <a:t>.</a:t>
+            </a:r>
+          </a:p>
+          <a:p>
+            <a:r>
+              <a:rPr lang="ko-KR" altLang="en-US" sz="2400" dirty="0"/>
+              <a:t>추격을 당하면 </a:t>
+            </a:r>
+            <a:r>
+              <a:rPr lang="ko-KR" altLang="en-US" sz="2400" dirty="0" smtClean="0"/>
+              <a:t>도둑</a:t>
+            </a:r>
+            <a:r>
+              <a:rPr lang="en-US" altLang="ko-KR" sz="2400" dirty="0" smtClean="0"/>
+              <a:t>, </a:t>
+            </a:r>
+            <a:r>
+              <a:rPr lang="ko-KR" altLang="en-US" sz="2400" dirty="0" smtClean="0"/>
+              <a:t>죄수는 </a:t>
+            </a:r>
+            <a:r>
+              <a:rPr lang="ko-KR" altLang="en-US" sz="2400" b="1" dirty="0">
+                <a:solidFill>
+                  <a:srgbClr val="FF0000"/>
+                </a:solidFill>
+              </a:rPr>
+              <a:t>정지</a:t>
+            </a:r>
+            <a:r>
+              <a:rPr lang="ko-KR" altLang="en-US" sz="2400" dirty="0"/>
+              <a:t>한다</a:t>
+            </a:r>
+            <a:r>
+              <a:rPr lang="en-US" altLang="ko-KR" sz="2400" dirty="0"/>
+              <a:t>.</a:t>
+            </a:r>
+          </a:p>
+          <a:p>
+            <a:r>
+              <a:rPr lang="ko-KR" altLang="en-US" sz="2400" dirty="0"/>
+              <a:t>두 몬스터가 접촉 시 </a:t>
+            </a:r>
+            <a:r>
+              <a:rPr lang="ko-KR" altLang="en-US" sz="2400" dirty="0" smtClean="0"/>
+              <a:t>경찰 </a:t>
+            </a:r>
+            <a:r>
+              <a:rPr lang="ko-KR" altLang="en-US" sz="2400" dirty="0"/>
+              <a:t>몬스터는 죽는다</a:t>
+            </a:r>
+            <a:r>
+              <a:rPr lang="en-US" altLang="ko-KR" sz="2400" dirty="0"/>
+              <a:t>.</a:t>
+            </a:r>
+          </a:p>
+          <a:p>
+            <a:endParaRPr lang="en-US" altLang="ko-KR" sz="2400" dirty="0"/>
+          </a:p>
+          <a:p>
+            <a:endParaRPr lang="ko-KR" altLang="en-US" dirty="0"/>
+          </a:p>
+        </p:txBody>
+      </p:sp>
     </p:spTree>
     <p:extLst>
       <p:ext uri="{BB962C8B-B14F-4D97-AF65-F5344CB8AC3E}">
-        <p14:creationId xmlns:p14="http://schemas.microsoft.com/office/powerpoint/2010/main" val="3633235241"/>
+        <p14:creationId xmlns:p14="http://schemas.microsoft.com/office/powerpoint/2010/main" val="3696974788"/>
       </p:ext>
     </p:extLst>
   </p:cSld>
@@ -7387,7 +7703,7 @@
           <a:p>
             <a:r>
               <a:rPr lang="ko-KR" altLang="en-US" dirty="0" smtClean="0"/>
-              <a:t>소녀 몬스터</a:t>
+              <a:t>소방관 몬스터</a:t>
             </a:r>
             <a:endParaRPr lang="ko-KR" altLang="en-US" dirty="0"/>
           </a:p>
@@ -7410,12 +7726,26 @@
           </a:xfrm>
         </p:spPr>
         <p:txBody>
-          <a:bodyPr/>
-          <a:lstStyle/>
-          <a:p>
-            <a:r>
-              <a:rPr lang="ko-KR" altLang="en-US" sz="2400" dirty="0" smtClean="0"/>
-              <a:t>이 몬스터는 캐릭터가 탐지 범위 내에 있을 경우 제자리에 멈추고</a:t>
+          <a:bodyPr>
+            <a:normAutofit/>
+          </a:bodyPr>
+          <a:lstStyle/>
+          <a:p>
+            <a:r>
+              <a:rPr lang="ko-KR" altLang="en-US" sz="2400" dirty="0" smtClean="0"/>
+              <a:t>탐지 범위 내에 </a:t>
+            </a:r>
+            <a:r>
+              <a:rPr lang="ko-KR" altLang="en-US" sz="2400" b="1" dirty="0" smtClean="0">
+                <a:solidFill>
+                  <a:srgbClr val="FF0000"/>
+                </a:solidFill>
+              </a:rPr>
+              <a:t>불 블록</a:t>
+            </a:r>
+            <a:r>
+              <a:rPr lang="ko-KR" altLang="en-US" sz="2400" dirty="0" smtClean="0"/>
+              <a:t>이 있을 경우</a:t>
             </a:r>
             <a:r>
               <a:rPr lang="en-US" altLang="ko-KR" sz="2400" dirty="0" smtClean="0"/>
@@ -7423,7 +7753,19 @@
             </a:r>
             <a:r>
               <a:rPr lang="ko-KR" altLang="en-US" sz="2400" dirty="0" smtClean="0"/>
-              <a:t> 소리친다</a:t>
+              <a:t> 해당 블록을 </a:t>
+            </a:r>
+            <a:r>
+              <a:rPr lang="ko-KR" altLang="en-US" sz="2400" b="1" dirty="0" smtClean="0">
+                <a:solidFill>
+                  <a:srgbClr val="FF0000"/>
+                </a:solidFill>
+              </a:rPr>
+              <a:t>물 블록</a:t>
+            </a:r>
+            <a:r>
+              <a:rPr lang="ko-KR" altLang="en-US" sz="2400" dirty="0" smtClean="0"/>
+              <a:t>으로 바꾼다</a:t>
             </a:r>
             <a:r>
               <a:rPr lang="en-US" altLang="ko-KR" sz="2400" dirty="0" smtClean="0"/>
@@ -7431,87 +7773,28 @@
             </a:r>
           </a:p>
           <a:p>
+            <a:endParaRPr lang="en-US" altLang="ko-KR" sz="2400" dirty="0" smtClean="0"/>
+          </a:p>
+          <a:p>
+            <a:r>
+              <a:rPr lang="ko-KR" altLang="en-US" sz="2400" dirty="0"/>
+              <a:t>해당 몬스터의 처치 방법은 </a:t>
+            </a:r>
+            <a:r>
+              <a:rPr lang="en-US" altLang="ko-KR" sz="2400" b="1" dirty="0" smtClean="0">
+                <a:solidFill>
+                  <a:srgbClr val="FF0000"/>
+                </a:solidFill>
+              </a:rPr>
+              <a:t>&lt;</a:t>
+            </a:r>
             <a:r>
               <a:rPr lang="ko-KR" altLang="en-US" sz="2400" b="1" dirty="0" smtClean="0">
                 <a:solidFill>
                   <a:srgbClr val="FF0000"/>
                 </a:solidFill>
               </a:rPr>
-              <a:t>소리치기는 </a:t>
-            </a:r>
-            <a:r>
-              <a:rPr lang="en-US" altLang="ko-KR" sz="2400" b="1" dirty="0" smtClean="0">
-                <a:solidFill>
-                  <a:srgbClr val="FF0000"/>
-                </a:solidFill>
-              </a:rPr>
-              <a:t>5</a:t>
-            </a:r>
-            <a:r>
-              <a:rPr lang="ko-KR" altLang="en-US" sz="2400" b="1" dirty="0" smtClean="0">
-                <a:solidFill>
-                  <a:srgbClr val="FF0000"/>
-                </a:solidFill>
-              </a:rPr>
-              <a:t>칸 범위</a:t>
-            </a:r>
-            <a:r>
-              <a:rPr lang="ko-KR" altLang="en-US" sz="2400" dirty="0" smtClean="0"/>
-              <a:t>에 영향을 미친다</a:t>
-            </a:r>
-            <a:r>
-              <a:rPr lang="en-US" altLang="ko-KR" sz="2400" dirty="0" smtClean="0"/>
-              <a:t>.</a:t>
-            </a:r>
-          </a:p>
-          <a:p>
-            <a:r>
-              <a:rPr lang="ko-KR" altLang="en-US" sz="2400" dirty="0" smtClean="0"/>
-              <a:t>소리치기 범위 내에 있으면 </a:t>
-            </a:r>
-            <a:r>
-              <a:rPr lang="ko-KR" altLang="en-US" sz="2400" b="1" dirty="0" smtClean="0">
-                <a:solidFill>
-                  <a:srgbClr val="FF0000"/>
-                </a:solidFill>
-              </a:rPr>
-              <a:t>캐릭터 속도가 절반</a:t>
-            </a:r>
-            <a:r>
-              <a:rPr lang="en-US" altLang="ko-KR" sz="2400" dirty="0" smtClean="0"/>
-              <a:t>.</a:t>
-            </a:r>
-          </a:p>
-          <a:p>
-            <a:pPr marL="0" indent="0">
-              <a:buNone/>
-            </a:pPr>
-            <a:endParaRPr lang="en-US" altLang="ko-KR" sz="2400" dirty="0"/>
-          </a:p>
-          <a:p>
-            <a:r>
-              <a:rPr lang="ko-KR" altLang="en-US" sz="2400" dirty="0"/>
-              <a:t>해당 몬스터의 처치 </a:t>
-            </a:r>
-            <a:r>
-              <a:rPr lang="ko-KR" altLang="en-US" sz="2400" dirty="0" smtClean="0"/>
-              <a:t>방법은 </a:t>
-            </a:r>
-            <a:r>
-              <a:rPr lang="en-US" altLang="ko-KR" sz="2400" b="1" dirty="0" smtClean="0">
-                <a:solidFill>
-                  <a:srgbClr val="FF0000"/>
-                </a:solidFill>
-              </a:rPr>
-              <a:t>&lt;</a:t>
-            </a:r>
-            <a:r>
-              <a:rPr lang="ko-KR" altLang="en-US" sz="2400" b="1" dirty="0" smtClean="0">
-                <a:solidFill>
-                  <a:srgbClr val="FF0000"/>
-                </a:solidFill>
-              </a:rPr>
-              <a:t>터치</a:t>
+              <a:t>유인</a:t>
             </a:r>
             <a:r>
               <a:rPr lang="en-US" altLang="ko-KR" sz="2400" b="1" dirty="0" smtClean="0">
@@ -7526,6 +7809,16 @@
               <a:t>이다</a:t>
             </a:r>
             <a:r>
+              <a:rPr lang="en-US" altLang="ko-KR" sz="2400" dirty="0"/>
+              <a:t>.</a:t>
+            </a:r>
+          </a:p>
+          <a:p>
+            <a:r>
+              <a:rPr lang="ko-KR" altLang="en-US" sz="2400" dirty="0" smtClean="0"/>
+              <a:t>불 블록을 물 블록으로 바꾸면 죽는다</a:t>
+            </a:r>
+            <a:r>
               <a:rPr lang="en-US" altLang="ko-KR" sz="2400" dirty="0" smtClean="0"/>
               <a:t>.</a:t>
             </a:r>
@@ -7533,42 +7826,19 @@
           <a:p>
             <a:r>
               <a:rPr lang="ko-KR" altLang="en-US" sz="2400" dirty="0" smtClean="0"/>
-              <a:t>이 몬스터는 </a:t>
-            </a:r>
-            <a:r>
-              <a:rPr lang="ko-KR" altLang="en-US" sz="2400" dirty="0" smtClean="0"/>
-              <a:t>캐릭터와 </a:t>
-            </a:r>
-            <a:r>
-              <a:rPr lang="ko-KR" altLang="en-US" sz="2400" dirty="0" smtClean="0"/>
-              <a:t>충돌하면 죽는다</a:t>
+              <a:t>소방관을 불 블록 근처로 유인한다</a:t>
             </a:r>
             <a:r>
               <a:rPr lang="en-US" altLang="ko-KR" sz="2400" dirty="0" smtClean="0"/>
               <a:t>.</a:t>
             </a:r>
-          </a:p>
-          <a:p>
-            <a:r>
-              <a:rPr lang="ko-KR" altLang="en-US" sz="2400" dirty="0"/>
-              <a:t>이 몬스터와 충돌해도 데미지를 받지 않는다</a:t>
-            </a:r>
-            <a:r>
-              <a:rPr lang="en-US" altLang="ko-KR" sz="2400" dirty="0"/>
-              <a:t>.</a:t>
-            </a:r>
-          </a:p>
-          <a:p>
-            <a:endParaRPr lang="en-US" altLang="ko-KR" sz="2400" dirty="0"/>
-          </a:p>
-          <a:p>
-            <a:endParaRPr lang="ko-KR" altLang="en-US" dirty="0"/>
+            <a:endParaRPr lang="ko-KR" altLang="en-US" sz="2400" dirty="0"/>
           </a:p>
         </p:txBody>
       </p:sp>
       <p:pic>
         <p:nvPicPr>
-          <p:cNvPr id="5" name="그림 4"/>
+          <p:cNvPr id="6" name="그림 5"/>
           <p:cNvPicPr>
             <a:picLocks noChangeAspect="1"/>
           </p:cNvPicPr>
@@ -7582,8 +7852,8 @@
         </p:blipFill>
         <p:spPr>
           <a:xfrm>
-            <a:off x="838200" y="2753519"/>
-            <a:ext cx="2286000" cy="2495550"/>
+            <a:off x="810541" y="2824956"/>
+            <a:ext cx="2105025" cy="2352675"/>
           </a:xfrm>
           <a:prstGeom prst="rect">
             <a:avLst/>
@@ -7593,7 +7863,7 @@
     </p:spTree>
     <p:extLst>
       <p:ext uri="{BB962C8B-B14F-4D97-AF65-F5344CB8AC3E}">
-        <p14:creationId xmlns:p14="http://schemas.microsoft.com/office/powerpoint/2010/main" val="2124013835"/>
+        <p14:creationId xmlns:p14="http://schemas.microsoft.com/office/powerpoint/2010/main" val="3633235241"/>
       </p:ext>
     </p:extLst>
   </p:cSld>

--- a/시간의 마녀_몬스터 기획.pptx
+++ b/시간의 마녀_몬스터 기획.pptx
@@ -5,7 +5,7 @@
     <p:sldMasterId id="2147483648" r:id="rId1"/>
   </p:sldMasterIdLst>
   <p:notesMasterIdLst>
-    <p:notesMasterId r:id="rId20"/>
+    <p:notesMasterId r:id="rId16"/>
   </p:notesMasterIdLst>
   <p:sldIdLst>
     <p:sldId id="256" r:id="rId2"/>
@@ -17,15 +17,11 @@
     <p:sldId id="267" r:id="rId8"/>
     <p:sldId id="261" r:id="rId9"/>
     <p:sldId id="270" r:id="rId10"/>
-    <p:sldId id="264" r:id="rId11"/>
-    <p:sldId id="266" r:id="rId12"/>
-    <p:sldId id="269" r:id="rId13"/>
-    <p:sldId id="275" r:id="rId14"/>
-    <p:sldId id="273" r:id="rId15"/>
-    <p:sldId id="272" r:id="rId16"/>
-    <p:sldId id="274" r:id="rId17"/>
-    <p:sldId id="265" r:id="rId18"/>
-    <p:sldId id="271" r:id="rId19"/>
+    <p:sldId id="273" r:id="rId11"/>
+    <p:sldId id="264" r:id="rId12"/>
+    <p:sldId id="266" r:id="rId13"/>
+    <p:sldId id="269" r:id="rId14"/>
+    <p:sldId id="275" r:id="rId15"/>
   </p:sldIdLst>
   <p:sldSz cx="12192000" cy="6858000"/>
   <p:notesSz cx="6858000" cy="9144000"/>
@@ -3572,6 +3568,278 @@
           <a:p>
             <a:r>
               <a:rPr lang="ko-KR" altLang="en-US" dirty="0" smtClean="0"/>
+              <a:t>바이킹 몬스터</a:t>
+            </a:r>
+            <a:endParaRPr lang="ko-KR" altLang="en-US" dirty="0"/>
+          </a:p>
+        </p:txBody>
+      </p:sp>
+      <p:sp>
+        <p:nvSpPr>
+          <p:cNvPr id="10" name="내용 개체 틀 2"/>
+          <p:cNvSpPr>
+            <a:spLocks noGrp="1"/>
+          </p:cNvSpPr>
+          <p:nvPr>
+            <p:ph idx="1"/>
+          </p:nvPr>
+        </p:nvSpPr>
+        <p:spPr>
+          <a:xfrm>
+            <a:off x="4018085" y="1825625"/>
+            <a:ext cx="7335715" cy="4351338"/>
+          </a:xfrm>
+        </p:spPr>
+        <p:txBody>
+          <a:bodyPr>
+            <a:normAutofit/>
+          </a:bodyPr>
+          <a:lstStyle/>
+          <a:p>
+            <a:r>
+              <a:rPr lang="ko-KR" altLang="en-US" sz="2400" dirty="0" smtClean="0"/>
+              <a:t>이 몬스터는 물 블록 위에서 움직인다</a:t>
+            </a:r>
+            <a:r>
+              <a:rPr lang="en-US" altLang="ko-KR" sz="2400" dirty="0" smtClean="0"/>
+              <a:t>.</a:t>
+            </a:r>
+          </a:p>
+          <a:p>
+            <a:r>
+              <a:rPr lang="ko-KR" altLang="en-US" sz="2400" dirty="0" smtClean="0"/>
+              <a:t>같은 물 블록 내에 있을 경우 </a:t>
+            </a:r>
+            <a:r>
+              <a:rPr lang="ko-KR" altLang="en-US" sz="2400" b="1" dirty="0" smtClean="0">
+                <a:solidFill>
+                  <a:srgbClr val="FF0000"/>
+                </a:solidFill>
+              </a:rPr>
+              <a:t>탐지 범위에 상관없이</a:t>
+            </a:r>
+            <a:r>
+              <a:rPr lang="ko-KR" altLang="en-US" sz="2400" dirty="0" smtClean="0"/>
+              <a:t> 캐릭터를 추격한다</a:t>
+            </a:r>
+            <a:r>
+              <a:rPr lang="en-US" altLang="ko-KR" sz="2400" dirty="0" smtClean="0"/>
+              <a:t>.</a:t>
+            </a:r>
+          </a:p>
+          <a:p>
+            <a:r>
+              <a:rPr lang="ko-KR" altLang="en-US" sz="2400" dirty="0" smtClean="0"/>
+              <a:t>추격 시 </a:t>
+            </a:r>
+            <a:r>
+              <a:rPr lang="en-US" altLang="ko-KR" sz="2400" b="1" dirty="0" smtClean="0">
+                <a:solidFill>
+                  <a:srgbClr val="FF0000"/>
+                </a:solidFill>
+              </a:rPr>
+              <a:t>1</a:t>
+            </a:r>
+            <a:r>
+              <a:rPr lang="ko-KR" altLang="en-US" sz="2400" b="1" dirty="0">
+                <a:solidFill>
+                  <a:srgbClr val="FF0000"/>
+                </a:solidFill>
+              </a:rPr>
+              <a:t>초에 </a:t>
+            </a:r>
+            <a:r>
+              <a:rPr lang="en-US" altLang="ko-KR" sz="2400" b="1" dirty="0">
+                <a:solidFill>
+                  <a:srgbClr val="FF0000"/>
+                </a:solidFill>
+              </a:rPr>
+              <a:t>3</a:t>
+            </a:r>
+            <a:r>
+              <a:rPr lang="ko-KR" altLang="en-US" sz="2400" b="1" dirty="0">
+                <a:solidFill>
+                  <a:srgbClr val="FF0000"/>
+                </a:solidFill>
+              </a:rPr>
+              <a:t>블록 이동</a:t>
+            </a:r>
+            <a:r>
+              <a:rPr lang="ko-KR" altLang="en-US" sz="2400" dirty="0"/>
+              <a:t>한다</a:t>
+            </a:r>
+            <a:r>
+              <a:rPr lang="en-US" altLang="ko-KR" sz="2400" dirty="0"/>
+              <a:t>.</a:t>
+            </a:r>
+          </a:p>
+          <a:p>
+            <a:pPr marL="0" indent="0">
+              <a:buNone/>
+            </a:pPr>
+            <a:endParaRPr lang="en-US" altLang="ko-KR" sz="2400" dirty="0"/>
+          </a:p>
+          <a:p>
+            <a:r>
+              <a:rPr lang="ko-KR" altLang="en-US" sz="2400" dirty="0"/>
+              <a:t>해당 몬스터의 처치 방법은 </a:t>
+            </a:r>
+            <a:r>
+              <a:rPr lang="en-US" altLang="ko-KR" sz="2400" b="1" dirty="0" smtClean="0">
+                <a:solidFill>
+                  <a:srgbClr val="FF0000"/>
+                </a:solidFill>
+              </a:rPr>
+              <a:t>&lt;</a:t>
+            </a:r>
+            <a:r>
+              <a:rPr lang="ko-KR" altLang="en-US" sz="2400" b="1" dirty="0" smtClean="0">
+                <a:solidFill>
+                  <a:srgbClr val="FF0000"/>
+                </a:solidFill>
+              </a:rPr>
+              <a:t>제거</a:t>
+            </a:r>
+            <a:r>
+              <a:rPr lang="en-US" altLang="ko-KR" sz="2400" b="1" dirty="0" smtClean="0">
+                <a:solidFill>
+                  <a:srgbClr val="FF0000"/>
+                </a:solidFill>
+              </a:rPr>
+              <a:t>&gt;</a:t>
+            </a:r>
+            <a:r>
+              <a:rPr lang="ko-KR" altLang="en-US" sz="2400" dirty="0"/>
+              <a:t>이다</a:t>
+            </a:r>
+            <a:r>
+              <a:rPr lang="en-US" altLang="ko-KR" sz="2400" dirty="0" smtClean="0"/>
+              <a:t>.</a:t>
+            </a:r>
+          </a:p>
+          <a:p>
+            <a:r>
+              <a:rPr lang="ko-KR" altLang="en-US" sz="2400" dirty="0" smtClean="0"/>
+              <a:t>이 몬스터는 </a:t>
+            </a:r>
+            <a:r>
+              <a:rPr lang="ko-KR" altLang="en-US" sz="2400" b="1" dirty="0" smtClean="0">
+                <a:solidFill>
+                  <a:srgbClr val="FF0000"/>
+                </a:solidFill>
+              </a:rPr>
+              <a:t>물을 벗어나면</a:t>
+            </a:r>
+            <a:r>
+              <a:rPr lang="ko-KR" altLang="en-US" sz="2400" dirty="0" smtClean="0"/>
+              <a:t> 죽는다</a:t>
+            </a:r>
+            <a:r>
+              <a:rPr lang="en-US" altLang="ko-KR" sz="2400" dirty="0" smtClean="0"/>
+              <a:t>.</a:t>
+            </a:r>
+          </a:p>
+          <a:p>
+            <a:r>
+              <a:rPr lang="ko-KR" altLang="en-US" sz="2400" dirty="0" smtClean="0"/>
+              <a:t>물의 근원을 증발시켜 물을 없앤다</a:t>
+            </a:r>
+            <a:r>
+              <a:rPr lang="en-US" altLang="ko-KR" sz="2400" dirty="0" smtClean="0"/>
+              <a:t>.</a:t>
+            </a:r>
+          </a:p>
+          <a:p>
+            <a:r>
+              <a:rPr lang="ko-KR" altLang="en-US" sz="2400" dirty="0" smtClean="0"/>
+              <a:t>바이킹을 유인한 후 물의 흐름을 막아 물을 없앤다</a:t>
+            </a:r>
+            <a:r>
+              <a:rPr lang="en-US" altLang="ko-KR" sz="2400" dirty="0" smtClean="0"/>
+              <a:t>.</a:t>
+            </a:r>
+            <a:endParaRPr lang="ko-KR" altLang="en-US" sz="2400" dirty="0"/>
+          </a:p>
+        </p:txBody>
+      </p:sp>
+      <p:pic>
+        <p:nvPicPr>
+          <p:cNvPr id="6" name="그림 5"/>
+          <p:cNvPicPr>
+            <a:picLocks noChangeAspect="1"/>
+          </p:cNvPicPr>
+          <p:nvPr/>
+        </p:nvPicPr>
+        <p:blipFill>
+          <a:blip r:embed="rId2"/>
+          <a:stretch>
+            <a:fillRect/>
+          </a:stretch>
+        </p:blipFill>
+        <p:spPr>
+          <a:xfrm>
+            <a:off x="838199" y="2605881"/>
+            <a:ext cx="2476500" cy="2790825"/>
+          </a:xfrm>
+          <a:prstGeom prst="rect">
+            <a:avLst/>
+          </a:prstGeom>
+        </p:spPr>
+      </p:pic>
+    </p:spTree>
+    <p:extLst>
+      <p:ext uri="{BB962C8B-B14F-4D97-AF65-F5344CB8AC3E}">
+        <p14:creationId xmlns:p14="http://schemas.microsoft.com/office/powerpoint/2010/main" val="1187943549"/>
+      </p:ext>
+    </p:extLst>
+  </p:cSld>
+  <p:clrMapOvr>
+    <a:masterClrMapping/>
+  </p:clrMapOvr>
+  <p:timing>
+    <p:tnLst>
+      <p:par>
+        <p:cTn id="1" dur="indefinite" restart="never" nodeType="tmRoot"/>
+      </p:par>
+    </p:tnLst>
+  </p:timing>
+</p:sld>
+</file>
+
+<file path=ppt/slides/slide11.xml><?xml version="1.0" encoding="utf-8"?>
+<p:sld xmlns:a="http://schemas.openxmlformats.org/drawingml/2006/main" xmlns:r="http://schemas.openxmlformats.org/officeDocument/2006/relationships" xmlns:p="http://schemas.openxmlformats.org/presentationml/2006/main">
+  <p:cSld>
+    <p:spTree>
+      <p:nvGrpSpPr>
+        <p:cNvPr id="1" name=""/>
+        <p:cNvGrpSpPr/>
+        <p:nvPr/>
+      </p:nvGrpSpPr>
+      <p:grpSpPr>
+        <a:xfrm>
+          <a:off x="0" y="0"/>
+          <a:ext cx="0" cy="0"/>
+          <a:chOff x="0" y="0"/>
+          <a:chExt cx="0" cy="0"/>
+        </a:xfrm>
+      </p:grpSpPr>
+      <p:sp>
+        <p:nvSpPr>
+          <p:cNvPr id="2" name="제목 1"/>
+          <p:cNvSpPr>
+            <a:spLocks noGrp="1"/>
+          </p:cNvSpPr>
+          <p:nvPr>
+            <p:ph type="title"/>
+          </p:nvPr>
+        </p:nvSpPr>
+        <p:spPr/>
+        <p:txBody>
+          <a:bodyPr/>
+          <a:lstStyle/>
+          <a:p>
+            <a:r>
+              <a:rPr lang="ko-KR" altLang="en-US" dirty="0" smtClean="0"/>
               <a:t>소녀 몬스터</a:t>
             </a:r>
             <a:endParaRPr lang="ko-KR" altLang="en-US" dirty="0"/>
@@ -3787,7 +4055,7 @@
 </p:sld>
 </file>
 
-<file path=ppt/slides/slide11.xml><?xml version="1.0" encoding="utf-8"?>
+<file path=ppt/slides/slide12.xml><?xml version="1.0" encoding="utf-8"?>
 <p:sld xmlns:a="http://schemas.openxmlformats.org/drawingml/2006/main" xmlns:r="http://schemas.openxmlformats.org/officeDocument/2006/relationships" xmlns:p="http://schemas.openxmlformats.org/presentationml/2006/main">
   <p:cSld>
     <p:spTree>
@@ -4004,7 +4272,7 @@
 </p:sld>
 </file>
 
-<file path=ppt/slides/slide12.xml><?xml version="1.0" encoding="utf-8"?>
+<file path=ppt/slides/slide13.xml><?xml version="1.0" encoding="utf-8"?>
 <p:sld xmlns:a="http://schemas.openxmlformats.org/drawingml/2006/main" xmlns:r="http://schemas.openxmlformats.org/officeDocument/2006/relationships" xmlns:p="http://schemas.openxmlformats.org/presentationml/2006/main">
   <p:cSld>
     <p:spTree>
@@ -4242,7 +4510,7 @@
 </p:sld>
 </file>
 
-<file path=ppt/slides/slide13.xml><?xml version="1.0" encoding="utf-8"?>
+<file path=ppt/slides/slide14.xml><?xml version="1.0" encoding="utf-8"?>
 <p:sld xmlns:a="http://schemas.openxmlformats.org/drawingml/2006/main" xmlns:r="http://schemas.openxmlformats.org/officeDocument/2006/relationships" xmlns:p="http://schemas.openxmlformats.org/presentationml/2006/main">
   <p:cSld>
     <p:spTree>
@@ -4344,7 +4612,6 @@
               <a:rPr lang="en-US" altLang="ko-KR" sz="2400" dirty="0" smtClean="0"/>
               <a:t>.</a:t>
             </a:r>
-            <a:endParaRPr lang="en-US" altLang="ko-KR" sz="2400" dirty="0" smtClean="0"/>
           </a:p>
           <a:p>
             <a:endParaRPr lang="en-US" altLang="ko-KR" sz="2400" dirty="0"/>
@@ -4456,718 +4723,6 @@
 </p:sld>
 </file>
 
-<file path=ppt/slides/slide14.xml><?xml version="1.0" encoding="utf-8"?>
-<p:sld xmlns:a="http://schemas.openxmlformats.org/drawingml/2006/main" xmlns:r="http://schemas.openxmlformats.org/officeDocument/2006/relationships" xmlns:p="http://schemas.openxmlformats.org/presentationml/2006/main">
-  <p:cSld>
-    <p:spTree>
-      <p:nvGrpSpPr>
-        <p:cNvPr id="1" name=""/>
-        <p:cNvGrpSpPr/>
-        <p:nvPr/>
-      </p:nvGrpSpPr>
-      <p:grpSpPr>
-        <a:xfrm>
-          <a:off x="0" y="0"/>
-          <a:ext cx="0" cy="0"/>
-          <a:chOff x="0" y="0"/>
-          <a:chExt cx="0" cy="0"/>
-        </a:xfrm>
-      </p:grpSpPr>
-      <p:sp>
-        <p:nvSpPr>
-          <p:cNvPr id="2" name="제목 1"/>
-          <p:cNvSpPr>
-            <a:spLocks noGrp="1"/>
-          </p:cNvSpPr>
-          <p:nvPr>
-            <p:ph type="title"/>
-          </p:nvPr>
-        </p:nvSpPr>
-        <p:spPr/>
-        <p:txBody>
-          <a:bodyPr/>
-          <a:lstStyle/>
-          <a:p>
-            <a:r>
-              <a:rPr lang="ko-KR" altLang="en-US" dirty="0" smtClean="0"/>
-              <a:t>바이킹 몬스터</a:t>
-            </a:r>
-            <a:endParaRPr lang="ko-KR" altLang="en-US" dirty="0"/>
-          </a:p>
-        </p:txBody>
-      </p:sp>
-      <p:sp>
-        <p:nvSpPr>
-          <p:cNvPr id="10" name="내용 개체 틀 2"/>
-          <p:cNvSpPr>
-            <a:spLocks noGrp="1"/>
-          </p:cNvSpPr>
-          <p:nvPr>
-            <p:ph idx="1"/>
-          </p:nvPr>
-        </p:nvSpPr>
-        <p:spPr>
-          <a:xfrm>
-            <a:off x="4018085" y="1825625"/>
-            <a:ext cx="7335715" cy="4351338"/>
-          </a:xfrm>
-        </p:spPr>
-        <p:txBody>
-          <a:bodyPr>
-            <a:normAutofit/>
-          </a:bodyPr>
-          <a:lstStyle/>
-          <a:p>
-            <a:r>
-              <a:rPr lang="ko-KR" altLang="en-US" sz="2400" dirty="0" smtClean="0"/>
-              <a:t>이 몬스터는 물 블록 위에서 움직인다</a:t>
-            </a:r>
-            <a:r>
-              <a:rPr lang="en-US" altLang="ko-KR" sz="2400" dirty="0" smtClean="0"/>
-              <a:t>.</a:t>
-            </a:r>
-          </a:p>
-          <a:p>
-            <a:r>
-              <a:rPr lang="ko-KR" altLang="en-US" sz="2400" dirty="0" smtClean="0"/>
-              <a:t>같은 물 블록 내에 있을 경우 </a:t>
-            </a:r>
-            <a:r>
-              <a:rPr lang="ko-KR" altLang="en-US" sz="2400" b="1" dirty="0" smtClean="0">
-                <a:solidFill>
-                  <a:srgbClr val="FF0000"/>
-                </a:solidFill>
-              </a:rPr>
-              <a:t>탐지 범위에 상관없이</a:t>
-            </a:r>
-            <a:r>
-              <a:rPr lang="ko-KR" altLang="en-US" sz="2400" dirty="0" smtClean="0"/>
-              <a:t> 캐릭터를 추격한다</a:t>
-            </a:r>
-            <a:r>
-              <a:rPr lang="en-US" altLang="ko-KR" sz="2400" dirty="0" smtClean="0"/>
-              <a:t>.</a:t>
-            </a:r>
-          </a:p>
-          <a:p>
-            <a:r>
-              <a:rPr lang="ko-KR" altLang="en-US" sz="2400" dirty="0" smtClean="0"/>
-              <a:t>추격 시 </a:t>
-            </a:r>
-            <a:r>
-              <a:rPr lang="en-US" altLang="ko-KR" sz="2400" b="1" dirty="0" smtClean="0">
-                <a:solidFill>
-                  <a:srgbClr val="FF0000"/>
-                </a:solidFill>
-              </a:rPr>
-              <a:t>1</a:t>
-            </a:r>
-            <a:r>
-              <a:rPr lang="ko-KR" altLang="en-US" sz="2400" b="1" dirty="0">
-                <a:solidFill>
-                  <a:srgbClr val="FF0000"/>
-                </a:solidFill>
-              </a:rPr>
-              <a:t>초에 </a:t>
-            </a:r>
-            <a:r>
-              <a:rPr lang="en-US" altLang="ko-KR" sz="2400" b="1" dirty="0">
-                <a:solidFill>
-                  <a:srgbClr val="FF0000"/>
-                </a:solidFill>
-              </a:rPr>
-              <a:t>3</a:t>
-            </a:r>
-            <a:r>
-              <a:rPr lang="ko-KR" altLang="en-US" sz="2400" b="1" dirty="0">
-                <a:solidFill>
-                  <a:srgbClr val="FF0000"/>
-                </a:solidFill>
-              </a:rPr>
-              <a:t>블록 이동</a:t>
-            </a:r>
-            <a:r>
-              <a:rPr lang="ko-KR" altLang="en-US" sz="2400" dirty="0"/>
-              <a:t>한다</a:t>
-            </a:r>
-            <a:r>
-              <a:rPr lang="en-US" altLang="ko-KR" sz="2400" dirty="0"/>
-              <a:t>.</a:t>
-            </a:r>
-          </a:p>
-          <a:p>
-            <a:pPr marL="0" indent="0">
-              <a:buNone/>
-            </a:pPr>
-            <a:endParaRPr lang="en-US" altLang="ko-KR" sz="2400" dirty="0"/>
-          </a:p>
-          <a:p>
-            <a:r>
-              <a:rPr lang="ko-KR" altLang="en-US" sz="2400" dirty="0"/>
-              <a:t>해당 몬스터의 처치 방법은 </a:t>
-            </a:r>
-            <a:r>
-              <a:rPr lang="en-US" altLang="ko-KR" sz="2400" b="1" dirty="0" smtClean="0">
-                <a:solidFill>
-                  <a:srgbClr val="FF0000"/>
-                </a:solidFill>
-              </a:rPr>
-              <a:t>&lt;</a:t>
-            </a:r>
-            <a:r>
-              <a:rPr lang="ko-KR" altLang="en-US" sz="2400" b="1" dirty="0" smtClean="0">
-                <a:solidFill>
-                  <a:srgbClr val="FF0000"/>
-                </a:solidFill>
-              </a:rPr>
-              <a:t>제거</a:t>
-            </a:r>
-            <a:r>
-              <a:rPr lang="en-US" altLang="ko-KR" sz="2400" b="1" dirty="0" smtClean="0">
-                <a:solidFill>
-                  <a:srgbClr val="FF0000"/>
-                </a:solidFill>
-              </a:rPr>
-              <a:t>&gt;</a:t>
-            </a:r>
-            <a:r>
-              <a:rPr lang="ko-KR" altLang="en-US" sz="2400" dirty="0"/>
-              <a:t>이다</a:t>
-            </a:r>
-            <a:r>
-              <a:rPr lang="en-US" altLang="ko-KR" sz="2400" dirty="0" smtClean="0"/>
-              <a:t>.</a:t>
-            </a:r>
-          </a:p>
-          <a:p>
-            <a:r>
-              <a:rPr lang="ko-KR" altLang="en-US" sz="2400" dirty="0" smtClean="0"/>
-              <a:t>이 몬스터는 </a:t>
-            </a:r>
-            <a:r>
-              <a:rPr lang="ko-KR" altLang="en-US" sz="2400" b="1" dirty="0" smtClean="0">
-                <a:solidFill>
-                  <a:srgbClr val="FF0000"/>
-                </a:solidFill>
-              </a:rPr>
-              <a:t>물을 벗어나면</a:t>
-            </a:r>
-            <a:r>
-              <a:rPr lang="ko-KR" altLang="en-US" sz="2400" dirty="0" smtClean="0"/>
-              <a:t> 죽는다</a:t>
-            </a:r>
-            <a:r>
-              <a:rPr lang="en-US" altLang="ko-KR" sz="2400" dirty="0" smtClean="0"/>
-              <a:t>.</a:t>
-            </a:r>
-          </a:p>
-          <a:p>
-            <a:r>
-              <a:rPr lang="ko-KR" altLang="en-US" sz="2400" dirty="0" smtClean="0"/>
-              <a:t>물의 근원을 증발시켜 물을 없앤다</a:t>
-            </a:r>
-            <a:r>
-              <a:rPr lang="en-US" altLang="ko-KR" sz="2400" dirty="0" smtClean="0"/>
-              <a:t>.</a:t>
-            </a:r>
-          </a:p>
-          <a:p>
-            <a:r>
-              <a:rPr lang="ko-KR" altLang="en-US" sz="2400" dirty="0" smtClean="0"/>
-              <a:t>바이킹을 유인한 후 물의 흐름을 막아 물을 없앤다</a:t>
-            </a:r>
-            <a:r>
-              <a:rPr lang="en-US" altLang="ko-KR" sz="2400" dirty="0" smtClean="0"/>
-              <a:t>.</a:t>
-            </a:r>
-            <a:endParaRPr lang="ko-KR" altLang="en-US" sz="2400" dirty="0"/>
-          </a:p>
-        </p:txBody>
-      </p:sp>
-      <p:pic>
-        <p:nvPicPr>
-          <p:cNvPr id="6" name="그림 5"/>
-          <p:cNvPicPr>
-            <a:picLocks noChangeAspect="1"/>
-          </p:cNvPicPr>
-          <p:nvPr/>
-        </p:nvPicPr>
-        <p:blipFill>
-          <a:blip r:embed="rId2"/>
-          <a:stretch>
-            <a:fillRect/>
-          </a:stretch>
-        </p:blipFill>
-        <p:spPr>
-          <a:xfrm>
-            <a:off x="838199" y="2605881"/>
-            <a:ext cx="2476500" cy="2790825"/>
-          </a:xfrm>
-          <a:prstGeom prst="rect">
-            <a:avLst/>
-          </a:prstGeom>
-        </p:spPr>
-      </p:pic>
-    </p:spTree>
-    <p:extLst>
-      <p:ext uri="{BB962C8B-B14F-4D97-AF65-F5344CB8AC3E}">
-        <p14:creationId xmlns:p14="http://schemas.microsoft.com/office/powerpoint/2010/main" val="1187943549"/>
-      </p:ext>
-    </p:extLst>
-  </p:cSld>
-  <p:clrMapOvr>
-    <a:masterClrMapping/>
-  </p:clrMapOvr>
-  <p:timing>
-    <p:tnLst>
-      <p:par>
-        <p:cTn id="1" dur="indefinite" restart="never" nodeType="tmRoot"/>
-      </p:par>
-    </p:tnLst>
-  </p:timing>
-</p:sld>
-</file>
-
-<file path=ppt/slides/slide15.xml><?xml version="1.0" encoding="utf-8"?>
-<p:sld xmlns:a="http://schemas.openxmlformats.org/drawingml/2006/main" xmlns:r="http://schemas.openxmlformats.org/officeDocument/2006/relationships" xmlns:p="http://schemas.openxmlformats.org/presentationml/2006/main">
-  <p:cSld>
-    <p:spTree>
-      <p:nvGrpSpPr>
-        <p:cNvPr id="1" name=""/>
-        <p:cNvGrpSpPr/>
-        <p:nvPr/>
-      </p:nvGrpSpPr>
-      <p:grpSpPr>
-        <a:xfrm>
-          <a:off x="0" y="0"/>
-          <a:ext cx="0" cy="0"/>
-          <a:chOff x="0" y="0"/>
-          <a:chExt cx="0" cy="0"/>
-        </a:xfrm>
-      </p:grpSpPr>
-      <p:sp>
-        <p:nvSpPr>
-          <p:cNvPr id="2" name="제목 1"/>
-          <p:cNvSpPr>
-            <a:spLocks noGrp="1"/>
-          </p:cNvSpPr>
-          <p:nvPr>
-            <p:ph type="title"/>
-          </p:nvPr>
-        </p:nvSpPr>
-        <p:spPr/>
-        <p:txBody>
-          <a:bodyPr/>
-          <a:lstStyle/>
-          <a:p>
-            <a:r>
-              <a:rPr lang="ko-KR" altLang="en-US" dirty="0" smtClean="0"/>
-              <a:t>악마 몬스터</a:t>
-            </a:r>
-            <a:endParaRPr lang="ko-KR" altLang="en-US" dirty="0"/>
-          </a:p>
-        </p:txBody>
-      </p:sp>
-      <p:sp>
-        <p:nvSpPr>
-          <p:cNvPr id="10" name="내용 개체 틀 2"/>
-          <p:cNvSpPr>
-            <a:spLocks noGrp="1"/>
-          </p:cNvSpPr>
-          <p:nvPr>
-            <p:ph idx="1"/>
-          </p:nvPr>
-        </p:nvSpPr>
-        <p:spPr>
-          <a:xfrm>
-            <a:off x="4018085" y="1825625"/>
-            <a:ext cx="7335715" cy="4351338"/>
-          </a:xfrm>
-        </p:spPr>
-        <p:txBody>
-          <a:bodyPr/>
-          <a:lstStyle/>
-          <a:p>
-            <a:endParaRPr lang="ko-KR" altLang="en-US" dirty="0"/>
-          </a:p>
-        </p:txBody>
-      </p:sp>
-      <p:pic>
-        <p:nvPicPr>
-          <p:cNvPr id="4" name="그림 3"/>
-          <p:cNvPicPr>
-            <a:picLocks noChangeAspect="1"/>
-          </p:cNvPicPr>
-          <p:nvPr/>
-        </p:nvPicPr>
-        <p:blipFill>
-          <a:blip r:embed="rId2"/>
-          <a:stretch>
-            <a:fillRect/>
-          </a:stretch>
-        </p:blipFill>
-        <p:spPr>
-          <a:xfrm>
-            <a:off x="838200" y="2815431"/>
-            <a:ext cx="2428875" cy="2371725"/>
-          </a:xfrm>
-          <a:prstGeom prst="rect">
-            <a:avLst/>
-          </a:prstGeom>
-        </p:spPr>
-      </p:pic>
-    </p:spTree>
-    <p:extLst>
-      <p:ext uri="{BB962C8B-B14F-4D97-AF65-F5344CB8AC3E}">
-        <p14:creationId xmlns:p14="http://schemas.microsoft.com/office/powerpoint/2010/main" val="1604077054"/>
-      </p:ext>
-    </p:extLst>
-  </p:cSld>
-  <p:clrMapOvr>
-    <a:masterClrMapping/>
-  </p:clrMapOvr>
-  <p:timing>
-    <p:tnLst>
-      <p:par>
-        <p:cTn id="1" dur="indefinite" restart="never" nodeType="tmRoot"/>
-      </p:par>
-    </p:tnLst>
-  </p:timing>
-</p:sld>
-</file>
-
-<file path=ppt/slides/slide16.xml><?xml version="1.0" encoding="utf-8"?>
-<p:sld xmlns:a="http://schemas.openxmlformats.org/drawingml/2006/main" xmlns:r="http://schemas.openxmlformats.org/officeDocument/2006/relationships" xmlns:p="http://schemas.openxmlformats.org/presentationml/2006/main">
-  <p:cSld>
-    <p:spTree>
-      <p:nvGrpSpPr>
-        <p:cNvPr id="1" name=""/>
-        <p:cNvGrpSpPr/>
-        <p:nvPr/>
-      </p:nvGrpSpPr>
-      <p:grpSpPr>
-        <a:xfrm>
-          <a:off x="0" y="0"/>
-          <a:ext cx="0" cy="0"/>
-          <a:chOff x="0" y="0"/>
-          <a:chExt cx="0" cy="0"/>
-        </a:xfrm>
-      </p:grpSpPr>
-      <p:sp>
-        <p:nvSpPr>
-          <p:cNvPr id="2" name="제목 1"/>
-          <p:cNvSpPr>
-            <a:spLocks noGrp="1"/>
-          </p:cNvSpPr>
-          <p:nvPr>
-            <p:ph type="title"/>
-          </p:nvPr>
-        </p:nvSpPr>
-        <p:spPr/>
-        <p:txBody>
-          <a:bodyPr/>
-          <a:lstStyle/>
-          <a:p>
-            <a:r>
-              <a:rPr lang="ko-KR" altLang="en-US" dirty="0" smtClean="0"/>
-              <a:t>천사 몬스터</a:t>
-            </a:r>
-            <a:endParaRPr lang="ko-KR" altLang="en-US" dirty="0"/>
-          </a:p>
-        </p:txBody>
-      </p:sp>
-      <p:sp>
-        <p:nvSpPr>
-          <p:cNvPr id="10" name="내용 개체 틀 2"/>
-          <p:cNvSpPr>
-            <a:spLocks noGrp="1"/>
-          </p:cNvSpPr>
-          <p:nvPr>
-            <p:ph idx="1"/>
-          </p:nvPr>
-        </p:nvSpPr>
-        <p:spPr>
-          <a:xfrm>
-            <a:off x="4018085" y="1825625"/>
-            <a:ext cx="7335715" cy="4351338"/>
-          </a:xfrm>
-        </p:spPr>
-        <p:txBody>
-          <a:bodyPr/>
-          <a:lstStyle/>
-          <a:p>
-            <a:endParaRPr lang="ko-KR" altLang="en-US" dirty="0"/>
-          </a:p>
-        </p:txBody>
-      </p:sp>
-      <p:pic>
-        <p:nvPicPr>
-          <p:cNvPr id="5" name="그림 4"/>
-          <p:cNvPicPr>
-            <a:picLocks noChangeAspect="1"/>
-          </p:cNvPicPr>
-          <p:nvPr/>
-        </p:nvPicPr>
-        <p:blipFill>
-          <a:blip r:embed="rId2"/>
-          <a:stretch>
-            <a:fillRect/>
-          </a:stretch>
-        </p:blipFill>
-        <p:spPr>
-          <a:xfrm>
-            <a:off x="838199" y="2696369"/>
-            <a:ext cx="2295525" cy="2609850"/>
-          </a:xfrm>
-          <a:prstGeom prst="rect">
-            <a:avLst/>
-          </a:prstGeom>
-        </p:spPr>
-      </p:pic>
-    </p:spTree>
-    <p:extLst>
-      <p:ext uri="{BB962C8B-B14F-4D97-AF65-F5344CB8AC3E}">
-        <p14:creationId xmlns:p14="http://schemas.microsoft.com/office/powerpoint/2010/main" val="3545452950"/>
-      </p:ext>
-    </p:extLst>
-  </p:cSld>
-  <p:clrMapOvr>
-    <a:masterClrMapping/>
-  </p:clrMapOvr>
-  <p:timing>
-    <p:tnLst>
-      <p:par>
-        <p:cTn id="1" dur="indefinite" restart="never" nodeType="tmRoot"/>
-      </p:par>
-    </p:tnLst>
-  </p:timing>
-</p:sld>
-</file>
-
-<file path=ppt/slides/slide17.xml><?xml version="1.0" encoding="utf-8"?>
-<p:sld xmlns:a="http://schemas.openxmlformats.org/drawingml/2006/main" xmlns:r="http://schemas.openxmlformats.org/officeDocument/2006/relationships" xmlns:p="http://schemas.openxmlformats.org/presentationml/2006/main">
-  <p:cSld>
-    <p:spTree>
-      <p:nvGrpSpPr>
-        <p:cNvPr id="1" name=""/>
-        <p:cNvGrpSpPr/>
-        <p:nvPr/>
-      </p:nvGrpSpPr>
-      <p:grpSpPr>
-        <a:xfrm>
-          <a:off x="0" y="0"/>
-          <a:ext cx="0" cy="0"/>
-          <a:chOff x="0" y="0"/>
-          <a:chExt cx="0" cy="0"/>
-        </a:xfrm>
-      </p:grpSpPr>
-      <p:sp>
-        <p:nvSpPr>
-          <p:cNvPr id="2" name="제목 1"/>
-          <p:cNvSpPr>
-            <a:spLocks noGrp="1"/>
-          </p:cNvSpPr>
-          <p:nvPr>
-            <p:ph type="title"/>
-          </p:nvPr>
-        </p:nvSpPr>
-        <p:spPr/>
-        <p:txBody>
-          <a:bodyPr/>
-          <a:lstStyle/>
-          <a:p>
-            <a:r>
-              <a:rPr lang="ko-KR" altLang="en-US" dirty="0" smtClean="0"/>
-              <a:t>석사 몬스터</a:t>
-            </a:r>
-            <a:endParaRPr lang="ko-KR" altLang="en-US" dirty="0"/>
-          </a:p>
-        </p:txBody>
-      </p:sp>
-      <p:sp>
-        <p:nvSpPr>
-          <p:cNvPr id="10" name="내용 개체 틀 2"/>
-          <p:cNvSpPr>
-            <a:spLocks noGrp="1"/>
-          </p:cNvSpPr>
-          <p:nvPr>
-            <p:ph idx="1"/>
-          </p:nvPr>
-        </p:nvSpPr>
-        <p:spPr>
-          <a:xfrm>
-            <a:off x="4018085" y="1825625"/>
-            <a:ext cx="7335715" cy="4351338"/>
-          </a:xfrm>
-        </p:spPr>
-        <p:txBody>
-          <a:bodyPr/>
-          <a:lstStyle/>
-          <a:p>
-            <a:endParaRPr lang="ko-KR" altLang="en-US" dirty="0"/>
-          </a:p>
-        </p:txBody>
-      </p:sp>
-      <p:pic>
-        <p:nvPicPr>
-          <p:cNvPr id="12" name="그림 11"/>
-          <p:cNvPicPr>
-            <a:picLocks noChangeAspect="1"/>
-          </p:cNvPicPr>
-          <p:nvPr/>
-        </p:nvPicPr>
-        <p:blipFill>
-          <a:blip r:embed="rId2"/>
-          <a:stretch>
-            <a:fillRect/>
-          </a:stretch>
-        </p:blipFill>
-        <p:spPr>
-          <a:xfrm>
-            <a:off x="842230" y="2829719"/>
-            <a:ext cx="2438400" cy="2343150"/>
-          </a:xfrm>
-          <a:prstGeom prst="rect">
-            <a:avLst/>
-          </a:prstGeom>
-        </p:spPr>
-      </p:pic>
-    </p:spTree>
-    <p:extLst>
-      <p:ext uri="{BB962C8B-B14F-4D97-AF65-F5344CB8AC3E}">
-        <p14:creationId xmlns:p14="http://schemas.microsoft.com/office/powerpoint/2010/main" val="55637616"/>
-      </p:ext>
-    </p:extLst>
-  </p:cSld>
-  <p:clrMapOvr>
-    <a:masterClrMapping/>
-  </p:clrMapOvr>
-  <p:timing>
-    <p:tnLst>
-      <p:par>
-        <p:cTn id="1" dur="indefinite" restart="never" nodeType="tmRoot"/>
-      </p:par>
-    </p:tnLst>
-  </p:timing>
-</p:sld>
-</file>
-
-<file path=ppt/slides/slide18.xml><?xml version="1.0" encoding="utf-8"?>
-<p:sld xmlns:a="http://schemas.openxmlformats.org/drawingml/2006/main" xmlns:r="http://schemas.openxmlformats.org/officeDocument/2006/relationships" xmlns:p="http://schemas.openxmlformats.org/presentationml/2006/main">
-  <p:cSld>
-    <p:spTree>
-      <p:nvGrpSpPr>
-        <p:cNvPr id="1" name=""/>
-        <p:cNvGrpSpPr/>
-        <p:nvPr/>
-      </p:nvGrpSpPr>
-      <p:grpSpPr>
-        <a:xfrm>
-          <a:off x="0" y="0"/>
-          <a:ext cx="0" cy="0"/>
-          <a:chOff x="0" y="0"/>
-          <a:chExt cx="0" cy="0"/>
-        </a:xfrm>
-      </p:grpSpPr>
-      <p:sp>
-        <p:nvSpPr>
-          <p:cNvPr id="2" name="제목 1"/>
-          <p:cNvSpPr>
-            <a:spLocks noGrp="1"/>
-          </p:cNvSpPr>
-          <p:nvPr>
-            <p:ph type="title"/>
-          </p:nvPr>
-        </p:nvSpPr>
-        <p:spPr/>
-        <p:txBody>
-          <a:bodyPr/>
-          <a:lstStyle/>
-          <a:p>
-            <a:r>
-              <a:rPr lang="ko-KR" altLang="en-US" dirty="0" smtClean="0"/>
-              <a:t>요리사</a:t>
-            </a:r>
-            <a:r>
-              <a:rPr lang="ko-KR" altLang="en-US" dirty="0" smtClean="0"/>
-              <a:t> </a:t>
-            </a:r>
-            <a:r>
-              <a:rPr lang="ko-KR" altLang="en-US" dirty="0" smtClean="0"/>
-              <a:t>몬스터</a:t>
-            </a:r>
-            <a:endParaRPr lang="ko-KR" altLang="en-US" dirty="0"/>
-          </a:p>
-        </p:txBody>
-      </p:sp>
-      <p:sp>
-        <p:nvSpPr>
-          <p:cNvPr id="10" name="내용 개체 틀 2"/>
-          <p:cNvSpPr>
-            <a:spLocks noGrp="1"/>
-          </p:cNvSpPr>
-          <p:nvPr>
-            <p:ph idx="1"/>
-          </p:nvPr>
-        </p:nvSpPr>
-        <p:spPr>
-          <a:xfrm>
-            <a:off x="4018085" y="1825625"/>
-            <a:ext cx="7335715" cy="4351338"/>
-          </a:xfrm>
-        </p:spPr>
-        <p:txBody>
-          <a:bodyPr/>
-          <a:lstStyle/>
-          <a:p>
-            <a:endParaRPr lang="ko-KR" altLang="en-US" dirty="0"/>
-          </a:p>
-        </p:txBody>
-      </p:sp>
-      <p:pic>
-        <p:nvPicPr>
-          <p:cNvPr id="3" name="그림 2"/>
-          <p:cNvPicPr>
-            <a:picLocks noChangeAspect="1"/>
-          </p:cNvPicPr>
-          <p:nvPr/>
-        </p:nvPicPr>
-        <p:blipFill>
-          <a:blip r:embed="rId2"/>
-          <a:stretch>
-            <a:fillRect/>
-          </a:stretch>
-        </p:blipFill>
-        <p:spPr>
-          <a:xfrm>
-            <a:off x="838200" y="2743994"/>
-            <a:ext cx="2228850" cy="2514600"/>
-          </a:xfrm>
-          <a:prstGeom prst="rect">
-            <a:avLst/>
-          </a:prstGeom>
-        </p:spPr>
-      </p:pic>
-    </p:spTree>
-    <p:extLst>
-      <p:ext uri="{BB962C8B-B14F-4D97-AF65-F5344CB8AC3E}">
-        <p14:creationId xmlns:p14="http://schemas.microsoft.com/office/powerpoint/2010/main" val="178007259"/>
-      </p:ext>
-    </p:extLst>
-  </p:cSld>
-  <p:clrMapOvr>
-    <a:masterClrMapping/>
-  </p:clrMapOvr>
-  <p:timing>
-    <p:tnLst>
-      <p:par>
-        <p:cTn id="1" dur="indefinite" restart="never" nodeType="tmRoot"/>
-      </p:par>
-    </p:tnLst>
-  </p:timing>
-</p:sld>
-</file>
-
 <file path=ppt/slides/slide2.xml><?xml version="1.0" encoding="utf-8"?>
 <p:sld xmlns:a="http://schemas.openxmlformats.org/drawingml/2006/main" xmlns:r="http://schemas.openxmlformats.org/officeDocument/2006/relationships" xmlns:p="http://schemas.openxmlformats.org/presentationml/2006/main">
   <p:cSld>
@@ -5418,12 +4973,16 @@
           </a:p>
           <a:p>
             <a:r>
+              <a:rPr lang="ko-KR" altLang="en-US" sz="2600" dirty="0" smtClean="0"/>
+              <a:t>거리가 </a:t>
+            </a:r>
+            <a:r>
               <a:rPr lang="en-US" altLang="ko-KR" sz="2600" dirty="0" smtClean="0"/>
-              <a:t>5</a:t>
+              <a:t>1000</a:t>
             </a:r>
             <a:r>
               <a:rPr lang="ko-KR" altLang="en-US" sz="2600" dirty="0" smtClean="0"/>
-              <a:t>칸 </a:t>
+              <a:t>인 </a:t>
             </a:r>
             <a:r>
               <a:rPr lang="ko-KR" altLang="en-US" sz="2600" b="1" u="sng" dirty="0" smtClean="0">
@@ -5449,11 +5008,11 @@
             </a:r>
             <a:r>
               <a:rPr lang="en-US" altLang="ko-KR" sz="2600" dirty="0" smtClean="0"/>
-              <a:t>10</a:t>
+              <a:t>2000 </a:t>
             </a:r>
             <a:r>
               <a:rPr lang="ko-KR" altLang="en-US" sz="2600" dirty="0" smtClean="0"/>
-              <a:t>칸 </a:t>
+              <a:t>인 </a:t>
             </a:r>
             <a:r>
               <a:rPr lang="ko-KR" altLang="en-US" sz="2600" b="1" u="sng" dirty="0" smtClean="0">
@@ -5461,7 +5020,15 @@
                   <a:srgbClr val="FF0000"/>
                 </a:solidFill>
               </a:rPr>
-              <a:t>탐지 해제 범위 </a:t>
+              <a:t>탐지 </a:t>
+            </a:r>
+            <a:r>
+              <a:rPr lang="ko-KR" altLang="en-US" sz="2600" b="1" u="sng" dirty="0" smtClean="0">
+                <a:solidFill>
+                  <a:srgbClr val="FF0000"/>
+                </a:solidFill>
+              </a:rPr>
+              <a:t>해제 범위 </a:t>
             </a:r>
             <a:r>
               <a:rPr lang="ko-KR" altLang="en-US" sz="2600" dirty="0" smtClean="0"/>
@@ -6529,11 +6096,7 @@
           <a:p>
             <a:r>
               <a:rPr lang="ko-KR" altLang="en-US" sz="2400" dirty="0" smtClean="0"/>
-              <a:t>은신 상태에서 캐릭터와 충돌 </a:t>
-            </a:r>
-            <a:r>
-              <a:rPr lang="ko-KR" altLang="en-US" sz="2400" dirty="0" smtClean="0"/>
-              <a:t>시 </a:t>
+              <a:t>은신 상태에서 캐릭터와 충돌 시 </a:t>
             </a:r>
             <a:r>
               <a:rPr lang="en-US" altLang="ko-KR" sz="2400" b="1" dirty="0" smtClean="0">
@@ -6605,11 +6168,7 @@
           <a:p>
             <a:r>
               <a:rPr lang="ko-KR" altLang="en-US" sz="2400" dirty="0" smtClean="0"/>
-              <a:t>이 </a:t>
-            </a:r>
-            <a:r>
-              <a:rPr lang="ko-KR" altLang="en-US" sz="2400" dirty="0" smtClean="0"/>
-              <a:t>몬스터를 끌고 </a:t>
+              <a:t>이 몬스터를 끌고 </a:t>
             </a:r>
             <a:r>
               <a:rPr lang="ko-KR" altLang="en-US" sz="2400" b="1" dirty="0" smtClean="0">
@@ -6864,7 +6423,6 @@
               <a:rPr lang="en-US" altLang="ko-KR" sz="2400" dirty="0" smtClean="0"/>
               <a:t>.</a:t>
             </a:r>
-            <a:endParaRPr lang="en-US" altLang="ko-KR" sz="2400" dirty="0" smtClean="0"/>
           </a:p>
           <a:p>
             <a:endParaRPr lang="en-US" altLang="ko-KR" sz="2400" dirty="0"/>
@@ -7275,7 +6833,6 @@
               <a:rPr lang="en-US" altLang="ko-KR" sz="2400" dirty="0"/>
               <a:t>.</a:t>
             </a:r>
-            <a:endParaRPr lang="en-US" altLang="ko-KR" sz="2400" dirty="0"/>
           </a:p>
         </p:txBody>
       </p:sp>
